--- a/Presentation3/SDA Presentation 3.pptx
+++ b/Presentation3/SDA Presentation 3.pptx
@@ -1,27 +1,27 @@
 
 <file path=ppt/presentation.xml><?xml version="1.0" encoding="utf-8"?>
-<p:presentation xmlns:a="http://schemas.openxmlformats.org/drawingml/2006/main" xmlns:r="http://schemas.openxmlformats.org/officeDocument/2006/relationships" xmlns:mc="http://schemas.openxmlformats.org/markup-compatibility/2006" xmlns:mv="urn:schemas-microsoft-com:mac:vml" xmlns:p="http://schemas.openxmlformats.org/presentationml/2006/main" xmlns:c="http://schemas.openxmlformats.org/drawingml/2006/chart" xmlns:dgm="http://schemas.openxmlformats.org/drawingml/2006/diagram" xmlns:o="urn:schemas-microsoft-com:office:office" xmlns:v="urn:schemas-microsoft-com:vml" xmlns:pvml="urn:schemas-microsoft-com:office:powerpoint" xmlns:com="http://schemas.openxmlformats.org/drawingml/2006/compatibility" xmlns:p14="http://schemas.microsoft.com/office/powerpoint/2010/main" xmlns:p15="http://schemas.microsoft.com/office/powerpoint/2012/main" xmlns:ahyp="http://schemas.microsoft.com/office/drawing/2018/hyperlinkcolor" autoCompressPictures="0" strictFirstAndLastChars="0" saveSubsetFonts="1">
+<p:presentation xmlns:a="http://schemas.openxmlformats.org/drawingml/2006/main" xmlns:r="http://schemas.openxmlformats.org/officeDocument/2006/relationships" xmlns:p="http://schemas.openxmlformats.org/presentationml/2006/main" strictFirstAndLastChars="0" saveSubsetFonts="1" autoCompressPictures="0">
   <p:sldMasterIdLst>
-    <p:sldMasterId id="2147483659" r:id="rId4"/>
+    <p:sldMasterId id="2147483659" r:id="rId1"/>
   </p:sldMasterIdLst>
   <p:notesMasterIdLst>
-    <p:notesMasterId r:id="rId5"/>
+    <p:notesMasterId r:id="rId11"/>
   </p:notesMasterIdLst>
   <p:sldIdLst>
-    <p:sldId id="256" r:id="rId6"/>
-    <p:sldId id="257" r:id="rId7"/>
-    <p:sldId id="258" r:id="rId8"/>
-    <p:sldId id="259" r:id="rId9"/>
-    <p:sldId id="260" r:id="rId10"/>
-    <p:sldId id="261" r:id="rId11"/>
-    <p:sldId id="262" r:id="rId12"/>
-    <p:sldId id="263" r:id="rId13"/>
-    <p:sldId id="264" r:id="rId14"/>
+    <p:sldId id="256" r:id="rId2"/>
+    <p:sldId id="257" r:id="rId3"/>
+    <p:sldId id="258" r:id="rId4"/>
+    <p:sldId id="259" r:id="rId5"/>
+    <p:sldId id="260" r:id="rId6"/>
+    <p:sldId id="261" r:id="rId7"/>
+    <p:sldId id="262" r:id="rId8"/>
+    <p:sldId id="263" r:id="rId9"/>
+    <p:sldId id="264" r:id="rId10"/>
   </p:sldIdLst>
-  <p:sldSz cy="5143500" cx="9144000"/>
+  <p:sldSz cx="9144000" cy="5143500" type="screen16x9"/>
   <p:notesSz cx="6858000" cy="9144000"/>
   <p:defaultTextStyle>
-    <a:defPPr lvl="0" marR="0" rtl="0" algn="l">
+    <a:defPPr marR="0" lvl="0" algn="l" rtl="0">
       <a:lnSpc>
         <a:spcPct val="100000"/>
       </a:lnSpc>
@@ -32,7 +32,7 @@
         <a:spcPts val="0"/>
       </a:spcAft>
     </a:defPPr>
-    <a:lvl1pPr lvl="0" marR="0" rtl="0" algn="l">
+    <a:lvl1pPr marR="0" lvl="0" algn="l" rtl="0">
       <a:lnSpc>
         <a:spcPct val="100000"/>
       </a:lnSpc>
@@ -46,7 +46,7 @@
         <a:srgbClr val="000000"/>
       </a:buClr>
       <a:buFont typeface="Arial"/>
-      <a:defRPr b="0" i="0" sz="1400" u="none" cap="none" strike="noStrike">
+      <a:defRPr sz="1400" b="0" i="0" u="none" strike="noStrike" cap="none">
         <a:solidFill>
           <a:srgbClr val="000000"/>
         </a:solidFill>
@@ -56,7 +56,7 @@
         <a:sym typeface="Arial"/>
       </a:defRPr>
     </a:lvl1pPr>
-    <a:lvl2pPr lvl="1" marR="0" rtl="0" algn="l">
+    <a:lvl2pPr marR="0" lvl="1" algn="l" rtl="0">
       <a:lnSpc>
         <a:spcPct val="100000"/>
       </a:lnSpc>
@@ -70,7 +70,7 @@
         <a:srgbClr val="000000"/>
       </a:buClr>
       <a:buFont typeface="Arial"/>
-      <a:defRPr b="0" i="0" sz="1400" u="none" cap="none" strike="noStrike">
+      <a:defRPr sz="1400" b="0" i="0" u="none" strike="noStrike" cap="none">
         <a:solidFill>
           <a:srgbClr val="000000"/>
         </a:solidFill>
@@ -80,7 +80,7 @@
         <a:sym typeface="Arial"/>
       </a:defRPr>
     </a:lvl2pPr>
-    <a:lvl3pPr lvl="2" marR="0" rtl="0" algn="l">
+    <a:lvl3pPr marR="0" lvl="2" algn="l" rtl="0">
       <a:lnSpc>
         <a:spcPct val="100000"/>
       </a:lnSpc>
@@ -94,7 +94,7 @@
         <a:srgbClr val="000000"/>
       </a:buClr>
       <a:buFont typeface="Arial"/>
-      <a:defRPr b="0" i="0" sz="1400" u="none" cap="none" strike="noStrike">
+      <a:defRPr sz="1400" b="0" i="0" u="none" strike="noStrike" cap="none">
         <a:solidFill>
           <a:srgbClr val="000000"/>
         </a:solidFill>
@@ -104,7 +104,7 @@
         <a:sym typeface="Arial"/>
       </a:defRPr>
     </a:lvl3pPr>
-    <a:lvl4pPr lvl="3" marR="0" rtl="0" algn="l">
+    <a:lvl4pPr marR="0" lvl="3" algn="l" rtl="0">
       <a:lnSpc>
         <a:spcPct val="100000"/>
       </a:lnSpc>
@@ -118,7 +118,7 @@
         <a:srgbClr val="000000"/>
       </a:buClr>
       <a:buFont typeface="Arial"/>
-      <a:defRPr b="0" i="0" sz="1400" u="none" cap="none" strike="noStrike">
+      <a:defRPr sz="1400" b="0" i="0" u="none" strike="noStrike" cap="none">
         <a:solidFill>
           <a:srgbClr val="000000"/>
         </a:solidFill>
@@ -128,7 +128,7 @@
         <a:sym typeface="Arial"/>
       </a:defRPr>
     </a:lvl4pPr>
-    <a:lvl5pPr lvl="4" marR="0" rtl="0" algn="l">
+    <a:lvl5pPr marR="0" lvl="4" algn="l" rtl="0">
       <a:lnSpc>
         <a:spcPct val="100000"/>
       </a:lnSpc>
@@ -142,7 +142,7 @@
         <a:srgbClr val="000000"/>
       </a:buClr>
       <a:buFont typeface="Arial"/>
-      <a:defRPr b="0" i="0" sz="1400" u="none" cap="none" strike="noStrike">
+      <a:defRPr sz="1400" b="0" i="0" u="none" strike="noStrike" cap="none">
         <a:solidFill>
           <a:srgbClr val="000000"/>
         </a:solidFill>
@@ -152,7 +152,7 @@
         <a:sym typeface="Arial"/>
       </a:defRPr>
     </a:lvl5pPr>
-    <a:lvl6pPr lvl="5" marR="0" rtl="0" algn="l">
+    <a:lvl6pPr marR="0" lvl="5" algn="l" rtl="0">
       <a:lnSpc>
         <a:spcPct val="100000"/>
       </a:lnSpc>
@@ -166,7 +166,7 @@
         <a:srgbClr val="000000"/>
       </a:buClr>
       <a:buFont typeface="Arial"/>
-      <a:defRPr b="0" i="0" sz="1400" u="none" cap="none" strike="noStrike">
+      <a:defRPr sz="1400" b="0" i="0" u="none" strike="noStrike" cap="none">
         <a:solidFill>
           <a:srgbClr val="000000"/>
         </a:solidFill>
@@ -176,7 +176,7 @@
         <a:sym typeface="Arial"/>
       </a:defRPr>
     </a:lvl6pPr>
-    <a:lvl7pPr lvl="6" marR="0" rtl="0" algn="l">
+    <a:lvl7pPr marR="0" lvl="6" algn="l" rtl="0">
       <a:lnSpc>
         <a:spcPct val="100000"/>
       </a:lnSpc>
@@ -190,7 +190,7 @@
         <a:srgbClr val="000000"/>
       </a:buClr>
       <a:buFont typeface="Arial"/>
-      <a:defRPr b="0" i="0" sz="1400" u="none" cap="none" strike="noStrike">
+      <a:defRPr sz="1400" b="0" i="0" u="none" strike="noStrike" cap="none">
         <a:solidFill>
           <a:srgbClr val="000000"/>
         </a:solidFill>
@@ -200,7 +200,7 @@
         <a:sym typeface="Arial"/>
       </a:defRPr>
     </a:lvl7pPr>
-    <a:lvl8pPr lvl="7" marR="0" rtl="0" algn="l">
+    <a:lvl8pPr marR="0" lvl="7" algn="l" rtl="0">
       <a:lnSpc>
         <a:spcPct val="100000"/>
       </a:lnSpc>
@@ -214,7 +214,7 @@
         <a:srgbClr val="000000"/>
       </a:buClr>
       <a:buFont typeface="Arial"/>
-      <a:defRPr b="0" i="0" sz="1400" u="none" cap="none" strike="noStrike">
+      <a:defRPr sz="1400" b="0" i="0" u="none" strike="noStrike" cap="none">
         <a:solidFill>
           <a:srgbClr val="000000"/>
         </a:solidFill>
@@ -224,7 +224,7 @@
         <a:sym typeface="Arial"/>
       </a:defRPr>
     </a:lvl8pPr>
-    <a:lvl9pPr lvl="8" marR="0" rtl="0" algn="l">
+    <a:lvl9pPr marR="0" lvl="8" algn="l" rtl="0">
       <a:lnSpc>
         <a:spcPct val="100000"/>
       </a:lnSpc>
@@ -238,7 +238,7 @@
         <a:srgbClr val="000000"/>
       </a:buClr>
       <a:buFont typeface="Arial"/>
-      <a:defRPr b="0" i="0" sz="1400" u="none" cap="none" strike="noStrike">
+      <a:defRPr sz="1400" b="0" i="0" u="none" strike="noStrike" cap="none">
         <a:solidFill>
           <a:srgbClr val="000000"/>
         </a:solidFill>
@@ -251,7 +251,7 @@
   </p:defaultTextStyle>
   <p:extLst>
     <p:ext uri="{EFAFB233-063F-42B5-8137-9DF3F51BA10A}">
-      <p15:sldGuideLst>
+      <p15:sldGuideLst xmlns:p15="http://schemas.microsoft.com/office/powerpoint/2012/main">
         <p15:guide id="1" orient="horz" pos="1620">
           <p15:clr>
             <a:srgbClr val="A4A3A4"/>
@@ -269,11 +269,16 @@
 </file>
 
 <file path=ppt/notesMasters/notesMaster1.xml><?xml version="1.0" encoding="utf-8"?>
-<p:notesMaster xmlns:a="http://schemas.openxmlformats.org/drawingml/2006/main" xmlns:r="http://schemas.openxmlformats.org/officeDocument/2006/relationships" xmlns:mc="http://schemas.openxmlformats.org/markup-compatibility/2006" xmlns:mv="urn:schemas-microsoft-com:mac:vml" xmlns:p="http://schemas.openxmlformats.org/presentationml/2006/main" xmlns:c="http://schemas.openxmlformats.org/drawingml/2006/chart" xmlns:dgm="http://schemas.openxmlformats.org/drawingml/2006/diagram" xmlns:o="urn:schemas-microsoft-com:office:office" xmlns:v="urn:schemas-microsoft-com:vml" xmlns:pvml="urn:schemas-microsoft-com:office:powerpoint" xmlns:com="http://schemas.openxmlformats.org/drawingml/2006/compatibility" xmlns:p14="http://schemas.microsoft.com/office/powerpoint/2010/main" xmlns:p15="http://schemas.microsoft.com/office/powerpoint/2012/main" xmlns:ahyp="http://schemas.microsoft.com/office/drawing/2018/hyperlinkcolor">
+<p:notesMaster xmlns:a="http://schemas.openxmlformats.org/drawingml/2006/main" xmlns:r="http://schemas.openxmlformats.org/officeDocument/2006/relationships" xmlns:p="http://schemas.openxmlformats.org/presentationml/2006/main">
   <p:cSld>
+    <p:bg>
+      <p:bgRef idx="1001">
+        <a:schemeClr val="bg1"/>
+      </p:bgRef>
+    </p:bg>
     <p:spTree>
       <p:nvGrpSpPr>
-        <p:cNvPr id="2" name="Shape 2"/>
+        <p:cNvPr id="1" name="Shape 2"/>
         <p:cNvGrpSpPr/>
         <p:nvPr/>
       </p:nvGrpSpPr>
@@ -288,9 +293,11 @@
       <p:sp>
         <p:nvSpPr>
           <p:cNvPr id="3" name="Google Shape;3;n"/>
-          <p:cNvSpPr/>
+          <p:cNvSpPr>
+            <a:spLocks noGrp="1" noRot="1" noChangeAspect="1"/>
+          </p:cNvSpPr>
           <p:nvPr>
-            <p:ph idx="2" type="sldImg"/>
+            <p:ph type="sldImg" idx="2"/>
           </p:nvPr>
         </p:nvSpPr>
         <p:spPr>
@@ -299,9 +306,13 @@
             <a:ext cx="6096075" cy="3429000"/>
           </a:xfrm>
           <a:custGeom>
-            <a:rect b="b" l="l" r="r" t="t"/>
+            <a:avLst/>
+            <a:gdLst/>
+            <a:ahLst/>
+            <a:cxnLst/>
+            <a:rect l="l" t="t" r="r" b="b"/>
             <a:pathLst>
-              <a:path extrusionOk="0" h="120000" w="120000">
+              <a:path w="120000" h="120000" extrusionOk="0">
                 <a:moveTo>
                   <a:pt x="0" y="0"/>
                 </a:moveTo>
@@ -319,23 +330,25 @@
             </a:pathLst>
           </a:custGeom>
           <a:noFill/>
-          <a:ln cap="flat" cmpd="sng" w="9525">
+          <a:ln w="9525" cap="flat" cmpd="sng">
             <a:solidFill>
               <a:srgbClr val="000000"/>
             </a:solidFill>
             <a:prstDash val="solid"/>
             <a:round/>
-            <a:headEnd len="sm" w="sm" type="none"/>
-            <a:tailEnd len="sm" w="sm" type="none"/>
+            <a:headEnd type="none" w="sm" len="sm"/>
+            <a:tailEnd type="none" w="sm" len="sm"/>
           </a:ln>
         </p:spPr>
       </p:sp>
       <p:sp>
         <p:nvSpPr>
           <p:cNvPr id="4" name="Google Shape;4;n"/>
-          <p:cNvSpPr txBox="1"/>
+          <p:cNvSpPr txBox="1">
+            <a:spLocks noGrp="1"/>
+          </p:cNvSpPr>
           <p:nvPr>
-            <p:ph idx="1" type="body"/>
+            <p:ph type="body" idx="1"/>
           </p:nvPr>
         </p:nvSpPr>
         <p:spPr>
@@ -352,11 +365,11 @@
           </a:ln>
         </p:spPr>
         <p:txBody>
-          <a:bodyPr anchorCtr="0" anchor="t" bIns="91425" lIns="91425" spcFirstLastPara="1" rIns="91425" wrap="square" tIns="91425">
+          <a:bodyPr spcFirstLastPara="1" wrap="square" lIns="91425" tIns="91425" rIns="91425" bIns="91425" anchor="t" anchorCtr="0">
             <a:noAutofit/>
           </a:bodyPr>
           <a:lstStyle>
-            <a:lvl1pPr indent="-298450" lvl="0" marL="457200">
+            <a:lvl1pPr marL="457200" lvl="0" indent="-298450">
               <a:spcBef>
                 <a:spcPts val="0"/>
               </a:spcBef>
@@ -367,7 +380,7 @@
               <a:buChar char="●"/>
               <a:defRPr sz="1100"/>
             </a:lvl1pPr>
-            <a:lvl2pPr indent="-298450" lvl="1" marL="914400">
+            <a:lvl2pPr marL="914400" lvl="1" indent="-298450">
               <a:spcBef>
                 <a:spcPts val="0"/>
               </a:spcBef>
@@ -378,7 +391,7 @@
               <a:buChar char="○"/>
               <a:defRPr sz="1100"/>
             </a:lvl2pPr>
-            <a:lvl3pPr indent="-298450" lvl="2" marL="1371600">
+            <a:lvl3pPr marL="1371600" lvl="2" indent="-298450">
               <a:spcBef>
                 <a:spcPts val="0"/>
               </a:spcBef>
@@ -389,7 +402,7 @@
               <a:buChar char="■"/>
               <a:defRPr sz="1100"/>
             </a:lvl3pPr>
-            <a:lvl4pPr indent="-298450" lvl="3" marL="1828800">
+            <a:lvl4pPr marL="1828800" lvl="3" indent="-298450">
               <a:spcBef>
                 <a:spcPts val="0"/>
               </a:spcBef>
@@ -400,7 +413,7 @@
               <a:buChar char="●"/>
               <a:defRPr sz="1100"/>
             </a:lvl4pPr>
-            <a:lvl5pPr indent="-298450" lvl="4" marL="2286000">
+            <a:lvl5pPr marL="2286000" lvl="4" indent="-298450">
               <a:spcBef>
                 <a:spcPts val="0"/>
               </a:spcBef>
@@ -411,7 +424,7 @@
               <a:buChar char="○"/>
               <a:defRPr sz="1100"/>
             </a:lvl5pPr>
-            <a:lvl6pPr indent="-298450" lvl="5" marL="2743200">
+            <a:lvl6pPr marL="2743200" lvl="5" indent="-298450">
               <a:spcBef>
                 <a:spcPts val="0"/>
               </a:spcBef>
@@ -422,7 +435,7 @@
               <a:buChar char="■"/>
               <a:defRPr sz="1100"/>
             </a:lvl6pPr>
-            <a:lvl7pPr indent="-298450" lvl="6" marL="3200400">
+            <a:lvl7pPr marL="3200400" lvl="6" indent="-298450">
               <a:spcBef>
                 <a:spcPts val="0"/>
               </a:spcBef>
@@ -433,7 +446,7 @@
               <a:buChar char="●"/>
               <a:defRPr sz="1100"/>
             </a:lvl7pPr>
-            <a:lvl8pPr indent="-298450" lvl="7" marL="3657600">
+            <a:lvl8pPr marL="3657600" lvl="7" indent="-298450">
               <a:spcBef>
                 <a:spcPts val="0"/>
               </a:spcBef>
@@ -444,7 +457,7 @@
               <a:buChar char="○"/>
               <a:defRPr sz="1100"/>
             </a:lvl8pPr>
-            <a:lvl9pPr indent="-298450" lvl="8" marL="4114800">
+            <a:lvl9pPr marL="4114800" lvl="8" indent="-298450">
               <a:spcBef>
                 <a:spcPts val="0"/>
               </a:spcBef>
@@ -456,14 +469,16 @@
               <a:defRPr sz="1100"/>
             </a:lvl9pPr>
           </a:lstStyle>
-          <a:p/>
+          <a:p>
+            <a:endParaRPr/>
+          </a:p>
         </p:txBody>
       </p:sp>
     </p:spTree>
   </p:cSld>
-  <p:clrMap accent1="accent1" accent2="accent2" accent3="accent3" accent4="accent4" accent5="accent5" accent6="accent6" bg1="lt1" bg2="dk2" tx1="dk1" tx2="lt2" folHlink="folHlink" hlink="hlink"/>
+  <p:clrMap bg1="lt1" tx1="dk1" bg2="dk2" tx2="lt2" accent1="accent1" accent2="accent2" accent3="accent3" accent4="accent4" accent5="accent5" accent6="accent6" hlink="hlink" folHlink="folHlink"/>
   <p:notesStyle>
-    <a:defPPr lvl="0" marR="0" rtl="0" algn="l">
+    <a:defPPr marR="0" lvl="0" algn="l" rtl="0">
       <a:lnSpc>
         <a:spcPct val="100000"/>
       </a:lnSpc>
@@ -474,7 +489,7 @@
         <a:spcPts val="0"/>
       </a:spcAft>
     </a:defPPr>
-    <a:lvl1pPr lvl="0" marR="0" rtl="0" algn="l">
+    <a:lvl1pPr marR="0" lvl="0" algn="l" rtl="0">
       <a:lnSpc>
         <a:spcPct val="100000"/>
       </a:lnSpc>
@@ -488,7 +503,7 @@
         <a:srgbClr val="000000"/>
       </a:buClr>
       <a:buFont typeface="Arial"/>
-      <a:defRPr b="0" i="0" sz="1400" u="none" cap="none" strike="noStrike">
+      <a:defRPr sz="1400" b="0" i="0" u="none" strike="noStrike" cap="none">
         <a:solidFill>
           <a:srgbClr val="000000"/>
         </a:solidFill>
@@ -498,7 +513,7 @@
         <a:sym typeface="Arial"/>
       </a:defRPr>
     </a:lvl1pPr>
-    <a:lvl2pPr lvl="1" marR="0" rtl="0" algn="l">
+    <a:lvl2pPr marR="0" lvl="1" algn="l" rtl="0">
       <a:lnSpc>
         <a:spcPct val="100000"/>
       </a:lnSpc>
@@ -512,7 +527,7 @@
         <a:srgbClr val="000000"/>
       </a:buClr>
       <a:buFont typeface="Arial"/>
-      <a:defRPr b="0" i="0" sz="1400" u="none" cap="none" strike="noStrike">
+      <a:defRPr sz="1400" b="0" i="0" u="none" strike="noStrike" cap="none">
         <a:solidFill>
           <a:srgbClr val="000000"/>
         </a:solidFill>
@@ -522,7 +537,7 @@
         <a:sym typeface="Arial"/>
       </a:defRPr>
     </a:lvl2pPr>
-    <a:lvl3pPr lvl="2" marR="0" rtl="0" algn="l">
+    <a:lvl3pPr marR="0" lvl="2" algn="l" rtl="0">
       <a:lnSpc>
         <a:spcPct val="100000"/>
       </a:lnSpc>
@@ -536,7 +551,7 @@
         <a:srgbClr val="000000"/>
       </a:buClr>
       <a:buFont typeface="Arial"/>
-      <a:defRPr b="0" i="0" sz="1400" u="none" cap="none" strike="noStrike">
+      <a:defRPr sz="1400" b="0" i="0" u="none" strike="noStrike" cap="none">
         <a:solidFill>
           <a:srgbClr val="000000"/>
         </a:solidFill>
@@ -546,7 +561,7 @@
         <a:sym typeface="Arial"/>
       </a:defRPr>
     </a:lvl3pPr>
-    <a:lvl4pPr lvl="3" marR="0" rtl="0" algn="l">
+    <a:lvl4pPr marR="0" lvl="3" algn="l" rtl="0">
       <a:lnSpc>
         <a:spcPct val="100000"/>
       </a:lnSpc>
@@ -560,7 +575,7 @@
         <a:srgbClr val="000000"/>
       </a:buClr>
       <a:buFont typeface="Arial"/>
-      <a:defRPr b="0" i="0" sz="1400" u="none" cap="none" strike="noStrike">
+      <a:defRPr sz="1400" b="0" i="0" u="none" strike="noStrike" cap="none">
         <a:solidFill>
           <a:srgbClr val="000000"/>
         </a:solidFill>
@@ -570,7 +585,7 @@
         <a:sym typeface="Arial"/>
       </a:defRPr>
     </a:lvl4pPr>
-    <a:lvl5pPr lvl="4" marR="0" rtl="0" algn="l">
+    <a:lvl5pPr marR="0" lvl="4" algn="l" rtl="0">
       <a:lnSpc>
         <a:spcPct val="100000"/>
       </a:lnSpc>
@@ -584,7 +599,7 @@
         <a:srgbClr val="000000"/>
       </a:buClr>
       <a:buFont typeface="Arial"/>
-      <a:defRPr b="0" i="0" sz="1400" u="none" cap="none" strike="noStrike">
+      <a:defRPr sz="1400" b="0" i="0" u="none" strike="noStrike" cap="none">
         <a:solidFill>
           <a:srgbClr val="000000"/>
         </a:solidFill>
@@ -594,7 +609,7 @@
         <a:sym typeface="Arial"/>
       </a:defRPr>
     </a:lvl5pPr>
-    <a:lvl6pPr lvl="5" marR="0" rtl="0" algn="l">
+    <a:lvl6pPr marR="0" lvl="5" algn="l" rtl="0">
       <a:lnSpc>
         <a:spcPct val="100000"/>
       </a:lnSpc>
@@ -608,7 +623,7 @@
         <a:srgbClr val="000000"/>
       </a:buClr>
       <a:buFont typeface="Arial"/>
-      <a:defRPr b="0" i="0" sz="1400" u="none" cap="none" strike="noStrike">
+      <a:defRPr sz="1400" b="0" i="0" u="none" strike="noStrike" cap="none">
         <a:solidFill>
           <a:srgbClr val="000000"/>
         </a:solidFill>
@@ -618,7 +633,7 @@
         <a:sym typeface="Arial"/>
       </a:defRPr>
     </a:lvl6pPr>
-    <a:lvl7pPr lvl="6" marR="0" rtl="0" algn="l">
+    <a:lvl7pPr marR="0" lvl="6" algn="l" rtl="0">
       <a:lnSpc>
         <a:spcPct val="100000"/>
       </a:lnSpc>
@@ -632,7 +647,7 @@
         <a:srgbClr val="000000"/>
       </a:buClr>
       <a:buFont typeface="Arial"/>
-      <a:defRPr b="0" i="0" sz="1400" u="none" cap="none" strike="noStrike">
+      <a:defRPr sz="1400" b="0" i="0" u="none" strike="noStrike" cap="none">
         <a:solidFill>
           <a:srgbClr val="000000"/>
         </a:solidFill>
@@ -642,7 +657,7 @@
         <a:sym typeface="Arial"/>
       </a:defRPr>
     </a:lvl7pPr>
-    <a:lvl8pPr lvl="7" marR="0" rtl="0" algn="l">
+    <a:lvl8pPr marR="0" lvl="7" algn="l" rtl="0">
       <a:lnSpc>
         <a:spcPct val="100000"/>
       </a:lnSpc>
@@ -656,7 +671,7 @@
         <a:srgbClr val="000000"/>
       </a:buClr>
       <a:buFont typeface="Arial"/>
-      <a:defRPr b="0" i="0" sz="1400" u="none" cap="none" strike="noStrike">
+      <a:defRPr sz="1400" b="0" i="0" u="none" strike="noStrike" cap="none">
         <a:solidFill>
           <a:srgbClr val="000000"/>
         </a:solidFill>
@@ -666,7 +681,7 @@
         <a:sym typeface="Arial"/>
       </a:defRPr>
     </a:lvl8pPr>
-    <a:lvl9pPr lvl="8" marR="0" rtl="0" algn="l">
+    <a:lvl9pPr marR="0" lvl="8" algn="l" rtl="0">
       <a:lnSpc>
         <a:spcPct val="100000"/>
       </a:lnSpc>
@@ -680,7 +695,7 @@
         <a:srgbClr val="000000"/>
       </a:buClr>
       <a:buFont typeface="Arial"/>
-      <a:defRPr b="0" i="0" sz="1400" u="none" cap="none" strike="noStrike">
+      <a:defRPr sz="1400" b="0" i="0" u="none" strike="noStrike" cap="none">
         <a:solidFill>
           <a:srgbClr val="000000"/>
         </a:solidFill>
@@ -695,11 +710,11 @@
 </file>
 
 <file path=ppt/notesSlides/notesSlide1.xml><?xml version="1.0" encoding="utf-8"?>
-<p:notes xmlns:a="http://schemas.openxmlformats.org/drawingml/2006/main" xmlns:r="http://schemas.openxmlformats.org/officeDocument/2006/relationships" xmlns:mc="http://schemas.openxmlformats.org/markup-compatibility/2006" xmlns:mv="urn:schemas-microsoft-com:mac:vml" xmlns:p="http://schemas.openxmlformats.org/presentationml/2006/main" xmlns:c="http://schemas.openxmlformats.org/drawingml/2006/chart" xmlns:dgm="http://schemas.openxmlformats.org/drawingml/2006/diagram" xmlns:o="urn:schemas-microsoft-com:office:office" xmlns:v="urn:schemas-microsoft-com:vml" xmlns:pvml="urn:schemas-microsoft-com:office:powerpoint" xmlns:com="http://schemas.openxmlformats.org/drawingml/2006/compatibility" xmlns:p14="http://schemas.microsoft.com/office/powerpoint/2010/main" xmlns:p15="http://schemas.microsoft.com/office/powerpoint/2012/main" xmlns:ahyp="http://schemas.microsoft.com/office/drawing/2018/hyperlinkcolor" showMasterPhAnim="0" showMasterSp="0">
+<p:notes xmlns:a="http://schemas.openxmlformats.org/drawingml/2006/main" xmlns:r="http://schemas.openxmlformats.org/officeDocument/2006/relationships" xmlns:p="http://schemas.openxmlformats.org/presentationml/2006/main" showMasterSp="0" showMasterPhAnim="0">
   <p:cSld>
     <p:spTree>
       <p:nvGrpSpPr>
-        <p:cNvPr id="50" name="Shape 50"/>
+        <p:cNvPr id="1" name="Shape 50"/>
         <p:cNvGrpSpPr/>
         <p:nvPr/>
       </p:nvGrpSpPr>
@@ -714,9 +729,11 @@
       <p:sp>
         <p:nvSpPr>
           <p:cNvPr id="51" name="Google Shape;51;p:notes"/>
-          <p:cNvSpPr/>
+          <p:cNvSpPr>
+            <a:spLocks noGrp="1" noRot="1" noChangeAspect="1"/>
+          </p:cNvSpPr>
           <p:nvPr>
-            <p:ph idx="2" type="sldImg"/>
+            <p:ph type="sldImg" idx="2"/>
           </p:nvPr>
         </p:nvSpPr>
         <p:spPr>
@@ -725,9 +742,13 @@
             <a:ext cx="6096075" cy="3429000"/>
           </a:xfrm>
           <a:custGeom>
-            <a:rect b="b" l="l" r="r" t="t"/>
+            <a:avLst/>
+            <a:gdLst/>
+            <a:ahLst/>
+            <a:cxnLst/>
+            <a:rect l="l" t="t" r="r" b="b"/>
             <a:pathLst>
-              <a:path extrusionOk="0" h="120000" w="120000">
+              <a:path w="120000" h="120000" extrusionOk="0">
                 <a:moveTo>
                   <a:pt x="0" y="0"/>
                 </a:moveTo>
@@ -749,9 +770,11 @@
       <p:sp>
         <p:nvSpPr>
           <p:cNvPr id="52" name="Google Shape;52;p:notes"/>
-          <p:cNvSpPr txBox="1"/>
+          <p:cNvSpPr txBox="1">
+            <a:spLocks noGrp="1"/>
+          </p:cNvSpPr>
           <p:nvPr>
-            <p:ph idx="1" type="body"/>
+            <p:ph type="body" idx="1"/>
           </p:nvPr>
         </p:nvSpPr>
         <p:spPr>
@@ -764,12 +787,12 @@
           </a:prstGeom>
         </p:spPr>
         <p:txBody>
-          <a:bodyPr anchorCtr="0" anchor="t" bIns="91425" lIns="91425" spcFirstLastPara="1" rIns="91425" wrap="square" tIns="91425">
+          <a:bodyPr spcFirstLastPara="1" wrap="square" lIns="91425" tIns="91425" rIns="91425" bIns="91425" anchor="t" anchorCtr="0">
             <a:noAutofit/>
           </a:bodyPr>
           <a:lstStyle/>
           <a:p>
-            <a:pPr indent="0" lvl="0" marL="0" rtl="0" algn="l">
+            <a:pPr marL="0" lvl="0" indent="0" algn="l" rtl="0">
               <a:spcBef>
                 <a:spcPts val="0"/>
               </a:spcBef>
@@ -778,9 +801,6 @@
               </a:spcAft>
               <a:buNone/>
             </a:pPr>
-            <a:r>
-              <a:t/>
-            </a:r>
             <a:endParaRPr/>
           </a:p>
         </p:txBody>
@@ -794,11 +814,11 @@
 </file>
 
 <file path=ppt/notesSlides/notesSlide2.xml><?xml version="1.0" encoding="utf-8"?>
-<p:notes xmlns:a="http://schemas.openxmlformats.org/drawingml/2006/main" xmlns:r="http://schemas.openxmlformats.org/officeDocument/2006/relationships" xmlns:mc="http://schemas.openxmlformats.org/markup-compatibility/2006" xmlns:mv="urn:schemas-microsoft-com:mac:vml" xmlns:p="http://schemas.openxmlformats.org/presentationml/2006/main" xmlns:c="http://schemas.openxmlformats.org/drawingml/2006/chart" xmlns:dgm="http://schemas.openxmlformats.org/drawingml/2006/diagram" xmlns:o="urn:schemas-microsoft-com:office:office" xmlns:v="urn:schemas-microsoft-com:vml" xmlns:pvml="urn:schemas-microsoft-com:office:powerpoint" xmlns:com="http://schemas.openxmlformats.org/drawingml/2006/compatibility" xmlns:p14="http://schemas.microsoft.com/office/powerpoint/2010/main" xmlns:p15="http://schemas.microsoft.com/office/powerpoint/2012/main" xmlns:ahyp="http://schemas.microsoft.com/office/drawing/2018/hyperlinkcolor" showMasterPhAnim="0" showMasterSp="0">
+<p:notes xmlns:a="http://schemas.openxmlformats.org/drawingml/2006/main" xmlns:r="http://schemas.openxmlformats.org/officeDocument/2006/relationships" xmlns:p="http://schemas.openxmlformats.org/presentationml/2006/main" showMasterSp="0" showMasterPhAnim="0">
   <p:cSld>
     <p:spTree>
       <p:nvGrpSpPr>
-        <p:cNvPr id="56" name="Shape 56"/>
+        <p:cNvPr id="1" name="Shape 56"/>
         <p:cNvGrpSpPr/>
         <p:nvPr/>
       </p:nvGrpSpPr>
@@ -813,9 +833,11 @@
       <p:sp>
         <p:nvSpPr>
           <p:cNvPr id="57" name="Google Shape;57;ge596d2a6c2_0_45:notes"/>
-          <p:cNvSpPr/>
+          <p:cNvSpPr>
+            <a:spLocks noGrp="1" noRot="1" noChangeAspect="1"/>
+          </p:cNvSpPr>
           <p:nvPr>
-            <p:ph idx="2" type="sldImg"/>
+            <p:ph type="sldImg" idx="2"/>
           </p:nvPr>
         </p:nvSpPr>
         <p:spPr>
@@ -824,9 +846,13 @@
             <a:ext cx="6096000" cy="3429000"/>
           </a:xfrm>
           <a:custGeom>
-            <a:rect b="b" l="l" r="r" t="t"/>
+            <a:avLst/>
+            <a:gdLst/>
+            <a:ahLst/>
+            <a:cxnLst/>
+            <a:rect l="l" t="t" r="r" b="b"/>
             <a:pathLst>
-              <a:path extrusionOk="0" h="120000" w="120000">
+              <a:path w="120000" h="120000" extrusionOk="0">
                 <a:moveTo>
                   <a:pt x="0" y="0"/>
                 </a:moveTo>
@@ -848,9 +874,11 @@
       <p:sp>
         <p:nvSpPr>
           <p:cNvPr id="58" name="Google Shape;58;ge596d2a6c2_0_45:notes"/>
-          <p:cNvSpPr txBox="1"/>
+          <p:cNvSpPr txBox="1">
+            <a:spLocks noGrp="1"/>
+          </p:cNvSpPr>
           <p:nvPr>
-            <p:ph idx="1" type="body"/>
+            <p:ph type="body" idx="1"/>
           </p:nvPr>
         </p:nvSpPr>
         <p:spPr>
@@ -863,12 +891,12 @@
           </a:prstGeom>
         </p:spPr>
         <p:txBody>
-          <a:bodyPr anchorCtr="0" anchor="t" bIns="91425" lIns="91425" spcFirstLastPara="1" rIns="91425" wrap="square" tIns="91425">
+          <a:bodyPr spcFirstLastPara="1" wrap="square" lIns="91425" tIns="91425" rIns="91425" bIns="91425" anchor="t" anchorCtr="0">
             <a:noAutofit/>
           </a:bodyPr>
           <a:lstStyle/>
           <a:p>
-            <a:pPr indent="0" lvl="0" marL="0" rtl="0" algn="l">
+            <a:pPr marL="0" lvl="0" indent="0" algn="l" rtl="0">
               <a:spcBef>
                 <a:spcPts val="0"/>
               </a:spcBef>
@@ -877,9 +905,6 @@
               </a:spcAft>
               <a:buNone/>
             </a:pPr>
-            <a:r>
-              <a:t/>
-            </a:r>
             <a:endParaRPr/>
           </a:p>
         </p:txBody>
@@ -893,11 +918,11 @@
 </file>
 
 <file path=ppt/notesSlides/notesSlide3.xml><?xml version="1.0" encoding="utf-8"?>
-<p:notes xmlns:a="http://schemas.openxmlformats.org/drawingml/2006/main" xmlns:r="http://schemas.openxmlformats.org/officeDocument/2006/relationships" xmlns:mc="http://schemas.openxmlformats.org/markup-compatibility/2006" xmlns:mv="urn:schemas-microsoft-com:mac:vml" xmlns:p="http://schemas.openxmlformats.org/presentationml/2006/main" xmlns:c="http://schemas.openxmlformats.org/drawingml/2006/chart" xmlns:dgm="http://schemas.openxmlformats.org/drawingml/2006/diagram" xmlns:o="urn:schemas-microsoft-com:office:office" xmlns:v="urn:schemas-microsoft-com:vml" xmlns:pvml="urn:schemas-microsoft-com:office:powerpoint" xmlns:com="http://schemas.openxmlformats.org/drawingml/2006/compatibility" xmlns:p14="http://schemas.microsoft.com/office/powerpoint/2010/main" xmlns:p15="http://schemas.microsoft.com/office/powerpoint/2012/main" xmlns:ahyp="http://schemas.microsoft.com/office/drawing/2018/hyperlinkcolor" showMasterPhAnim="0" showMasterSp="0">
+<p:notes xmlns:a="http://schemas.openxmlformats.org/drawingml/2006/main" xmlns:r="http://schemas.openxmlformats.org/officeDocument/2006/relationships" xmlns:p="http://schemas.openxmlformats.org/presentationml/2006/main" showMasterSp="0" showMasterPhAnim="0">
   <p:cSld>
     <p:spTree>
       <p:nvGrpSpPr>
-        <p:cNvPr id="62" name="Shape 62"/>
+        <p:cNvPr id="1" name="Shape 62"/>
         <p:cNvGrpSpPr/>
         <p:nvPr/>
       </p:nvGrpSpPr>
@@ -912,9 +937,11 @@
       <p:sp>
         <p:nvSpPr>
           <p:cNvPr id="63" name="Google Shape;63;ge596d2a6c2_0_146:notes"/>
-          <p:cNvSpPr/>
+          <p:cNvSpPr>
+            <a:spLocks noGrp="1" noRot="1" noChangeAspect="1"/>
+          </p:cNvSpPr>
           <p:nvPr>
-            <p:ph idx="2" type="sldImg"/>
+            <p:ph type="sldImg" idx="2"/>
           </p:nvPr>
         </p:nvSpPr>
         <p:spPr>
@@ -923,9 +950,13 @@
             <a:ext cx="6096000" cy="3429000"/>
           </a:xfrm>
           <a:custGeom>
-            <a:rect b="b" l="l" r="r" t="t"/>
+            <a:avLst/>
+            <a:gdLst/>
+            <a:ahLst/>
+            <a:cxnLst/>
+            <a:rect l="l" t="t" r="r" b="b"/>
             <a:pathLst>
-              <a:path extrusionOk="0" h="120000" w="120000">
+              <a:path w="120000" h="120000" extrusionOk="0">
                 <a:moveTo>
                   <a:pt x="0" y="0"/>
                 </a:moveTo>
@@ -947,9 +978,11 @@
       <p:sp>
         <p:nvSpPr>
           <p:cNvPr id="64" name="Google Shape;64;ge596d2a6c2_0_146:notes"/>
-          <p:cNvSpPr txBox="1"/>
+          <p:cNvSpPr txBox="1">
+            <a:spLocks noGrp="1"/>
+          </p:cNvSpPr>
           <p:nvPr>
-            <p:ph idx="1" type="body"/>
+            <p:ph type="body" idx="1"/>
           </p:nvPr>
         </p:nvSpPr>
         <p:spPr>
@@ -962,12 +995,12 @@
           </a:prstGeom>
         </p:spPr>
         <p:txBody>
-          <a:bodyPr anchorCtr="0" anchor="t" bIns="91425" lIns="91425" spcFirstLastPara="1" rIns="91425" wrap="square" tIns="91425">
+          <a:bodyPr spcFirstLastPara="1" wrap="square" lIns="91425" tIns="91425" rIns="91425" bIns="91425" anchor="t" anchorCtr="0">
             <a:noAutofit/>
           </a:bodyPr>
           <a:lstStyle/>
           <a:p>
-            <a:pPr indent="0" lvl="0" marL="0" rtl="0" algn="l">
+            <a:pPr marL="0" lvl="0" indent="0" algn="l" rtl="0">
               <a:spcBef>
                 <a:spcPts val="0"/>
               </a:spcBef>
@@ -976,9 +1009,6 @@
               </a:spcAft>
               <a:buNone/>
             </a:pPr>
-            <a:r>
-              <a:t/>
-            </a:r>
             <a:endParaRPr/>
           </a:p>
         </p:txBody>
@@ -992,11 +1022,11 @@
 </file>
 
 <file path=ppt/notesSlides/notesSlide4.xml><?xml version="1.0" encoding="utf-8"?>
-<p:notes xmlns:a="http://schemas.openxmlformats.org/drawingml/2006/main" xmlns:r="http://schemas.openxmlformats.org/officeDocument/2006/relationships" xmlns:mc="http://schemas.openxmlformats.org/markup-compatibility/2006" xmlns:mv="urn:schemas-microsoft-com:mac:vml" xmlns:p="http://schemas.openxmlformats.org/presentationml/2006/main" xmlns:c="http://schemas.openxmlformats.org/drawingml/2006/chart" xmlns:dgm="http://schemas.openxmlformats.org/drawingml/2006/diagram" xmlns:o="urn:schemas-microsoft-com:office:office" xmlns:v="urn:schemas-microsoft-com:vml" xmlns:pvml="urn:schemas-microsoft-com:office:powerpoint" xmlns:com="http://schemas.openxmlformats.org/drawingml/2006/compatibility" xmlns:p14="http://schemas.microsoft.com/office/powerpoint/2010/main" xmlns:p15="http://schemas.microsoft.com/office/powerpoint/2012/main" xmlns:ahyp="http://schemas.microsoft.com/office/drawing/2018/hyperlinkcolor" showMasterPhAnim="0" showMasterSp="0">
+<p:notes xmlns:a="http://schemas.openxmlformats.org/drawingml/2006/main" xmlns:r="http://schemas.openxmlformats.org/officeDocument/2006/relationships" xmlns:p="http://schemas.openxmlformats.org/presentationml/2006/main" showMasterSp="0" showMasterPhAnim="0">
   <p:cSld>
     <p:spTree>
       <p:nvGrpSpPr>
-        <p:cNvPr id="68" name="Shape 68"/>
+        <p:cNvPr id="1" name="Shape 68"/>
         <p:cNvGrpSpPr/>
         <p:nvPr/>
       </p:nvGrpSpPr>
@@ -1011,9 +1041,11 @@
       <p:sp>
         <p:nvSpPr>
           <p:cNvPr id="69" name="Google Shape;69;ge596d2a6c2_0_196:notes"/>
-          <p:cNvSpPr/>
+          <p:cNvSpPr>
+            <a:spLocks noGrp="1" noRot="1" noChangeAspect="1"/>
+          </p:cNvSpPr>
           <p:nvPr>
-            <p:ph idx="2" type="sldImg"/>
+            <p:ph type="sldImg" idx="2"/>
           </p:nvPr>
         </p:nvSpPr>
         <p:spPr>
@@ -1022,9 +1054,13 @@
             <a:ext cx="6096000" cy="3429000"/>
           </a:xfrm>
           <a:custGeom>
-            <a:rect b="b" l="l" r="r" t="t"/>
+            <a:avLst/>
+            <a:gdLst/>
+            <a:ahLst/>
+            <a:cxnLst/>
+            <a:rect l="l" t="t" r="r" b="b"/>
             <a:pathLst>
-              <a:path extrusionOk="0" h="120000" w="120000">
+              <a:path w="120000" h="120000" extrusionOk="0">
                 <a:moveTo>
                   <a:pt x="0" y="0"/>
                 </a:moveTo>
@@ -1046,9 +1082,11 @@
       <p:sp>
         <p:nvSpPr>
           <p:cNvPr id="70" name="Google Shape;70;ge596d2a6c2_0_196:notes"/>
-          <p:cNvSpPr txBox="1"/>
+          <p:cNvSpPr txBox="1">
+            <a:spLocks noGrp="1"/>
+          </p:cNvSpPr>
           <p:nvPr>
-            <p:ph idx="1" type="body"/>
+            <p:ph type="body" idx="1"/>
           </p:nvPr>
         </p:nvSpPr>
         <p:spPr>
@@ -1061,12 +1099,12 @@
           </a:prstGeom>
         </p:spPr>
         <p:txBody>
-          <a:bodyPr anchorCtr="0" anchor="t" bIns="91425" lIns="91425" spcFirstLastPara="1" rIns="91425" wrap="square" tIns="91425">
+          <a:bodyPr spcFirstLastPara="1" wrap="square" lIns="91425" tIns="91425" rIns="91425" bIns="91425" anchor="t" anchorCtr="0">
             <a:noAutofit/>
           </a:bodyPr>
           <a:lstStyle/>
           <a:p>
-            <a:pPr indent="0" lvl="0" marL="0" rtl="0" algn="l">
+            <a:pPr marL="0" lvl="0" indent="0" algn="l" rtl="0">
               <a:spcBef>
                 <a:spcPts val="0"/>
               </a:spcBef>
@@ -1075,9 +1113,6 @@
               </a:spcAft>
               <a:buNone/>
             </a:pPr>
-            <a:r>
-              <a:t/>
-            </a:r>
             <a:endParaRPr/>
           </a:p>
         </p:txBody>
@@ -1091,11 +1126,11 @@
 </file>
 
 <file path=ppt/notesSlides/notesSlide5.xml><?xml version="1.0" encoding="utf-8"?>
-<p:notes xmlns:a="http://schemas.openxmlformats.org/drawingml/2006/main" xmlns:r="http://schemas.openxmlformats.org/officeDocument/2006/relationships" xmlns:mc="http://schemas.openxmlformats.org/markup-compatibility/2006" xmlns:mv="urn:schemas-microsoft-com:mac:vml" xmlns:p="http://schemas.openxmlformats.org/presentationml/2006/main" xmlns:c="http://schemas.openxmlformats.org/drawingml/2006/chart" xmlns:dgm="http://schemas.openxmlformats.org/drawingml/2006/diagram" xmlns:o="urn:schemas-microsoft-com:office:office" xmlns:v="urn:schemas-microsoft-com:vml" xmlns:pvml="urn:schemas-microsoft-com:office:powerpoint" xmlns:com="http://schemas.openxmlformats.org/drawingml/2006/compatibility" xmlns:p14="http://schemas.microsoft.com/office/powerpoint/2010/main" xmlns:p15="http://schemas.microsoft.com/office/powerpoint/2012/main" xmlns:ahyp="http://schemas.microsoft.com/office/drawing/2018/hyperlinkcolor" showMasterPhAnim="0" showMasterSp="0">
+<p:notes xmlns:a="http://schemas.openxmlformats.org/drawingml/2006/main" xmlns:r="http://schemas.openxmlformats.org/officeDocument/2006/relationships" xmlns:p="http://schemas.openxmlformats.org/presentationml/2006/main" showMasterSp="0" showMasterPhAnim="0">
   <p:cSld>
     <p:spTree>
       <p:nvGrpSpPr>
-        <p:cNvPr id="74" name="Shape 74"/>
+        <p:cNvPr id="1" name="Shape 74"/>
         <p:cNvGrpSpPr/>
         <p:nvPr/>
       </p:nvGrpSpPr>
@@ -1110,9 +1145,11 @@
       <p:sp>
         <p:nvSpPr>
           <p:cNvPr id="75" name="Google Shape;75;ge596d2a6c2_0_248:notes"/>
-          <p:cNvSpPr/>
+          <p:cNvSpPr>
+            <a:spLocks noGrp="1" noRot="1" noChangeAspect="1"/>
+          </p:cNvSpPr>
           <p:nvPr>
-            <p:ph idx="2" type="sldImg"/>
+            <p:ph type="sldImg" idx="2"/>
           </p:nvPr>
         </p:nvSpPr>
         <p:spPr>
@@ -1121,9 +1158,13 @@
             <a:ext cx="6096000" cy="3429000"/>
           </a:xfrm>
           <a:custGeom>
-            <a:rect b="b" l="l" r="r" t="t"/>
+            <a:avLst/>
+            <a:gdLst/>
+            <a:ahLst/>
+            <a:cxnLst/>
+            <a:rect l="l" t="t" r="r" b="b"/>
             <a:pathLst>
-              <a:path extrusionOk="0" h="120000" w="120000">
+              <a:path w="120000" h="120000" extrusionOk="0">
                 <a:moveTo>
                   <a:pt x="0" y="0"/>
                 </a:moveTo>
@@ -1145,9 +1186,11 @@
       <p:sp>
         <p:nvSpPr>
           <p:cNvPr id="76" name="Google Shape;76;ge596d2a6c2_0_248:notes"/>
-          <p:cNvSpPr txBox="1"/>
+          <p:cNvSpPr txBox="1">
+            <a:spLocks noGrp="1"/>
+          </p:cNvSpPr>
           <p:nvPr>
-            <p:ph idx="1" type="body"/>
+            <p:ph type="body" idx="1"/>
           </p:nvPr>
         </p:nvSpPr>
         <p:spPr>
@@ -1160,12 +1203,12 @@
           </a:prstGeom>
         </p:spPr>
         <p:txBody>
-          <a:bodyPr anchorCtr="0" anchor="t" bIns="91425" lIns="91425" spcFirstLastPara="1" rIns="91425" wrap="square" tIns="91425">
+          <a:bodyPr spcFirstLastPara="1" wrap="square" lIns="91425" tIns="91425" rIns="91425" bIns="91425" anchor="t" anchorCtr="0">
             <a:noAutofit/>
           </a:bodyPr>
           <a:lstStyle/>
           <a:p>
-            <a:pPr indent="0" lvl="0" marL="0" rtl="0" algn="l">
+            <a:pPr marL="0" lvl="0" indent="0" algn="l" rtl="0">
               <a:spcBef>
                 <a:spcPts val="0"/>
               </a:spcBef>
@@ -1174,9 +1217,6 @@
               </a:spcAft>
               <a:buNone/>
             </a:pPr>
-            <a:r>
-              <a:t/>
-            </a:r>
             <a:endParaRPr/>
           </a:p>
         </p:txBody>
@@ -1190,11 +1230,11 @@
 </file>
 
 <file path=ppt/notesSlides/notesSlide6.xml><?xml version="1.0" encoding="utf-8"?>
-<p:notes xmlns:a="http://schemas.openxmlformats.org/drawingml/2006/main" xmlns:r="http://schemas.openxmlformats.org/officeDocument/2006/relationships" xmlns:mc="http://schemas.openxmlformats.org/markup-compatibility/2006" xmlns:mv="urn:schemas-microsoft-com:mac:vml" xmlns:p="http://schemas.openxmlformats.org/presentationml/2006/main" xmlns:c="http://schemas.openxmlformats.org/drawingml/2006/chart" xmlns:dgm="http://schemas.openxmlformats.org/drawingml/2006/diagram" xmlns:o="urn:schemas-microsoft-com:office:office" xmlns:v="urn:schemas-microsoft-com:vml" xmlns:pvml="urn:schemas-microsoft-com:office:powerpoint" xmlns:com="http://schemas.openxmlformats.org/drawingml/2006/compatibility" xmlns:p14="http://schemas.microsoft.com/office/powerpoint/2010/main" xmlns:p15="http://schemas.microsoft.com/office/powerpoint/2012/main" xmlns:ahyp="http://schemas.microsoft.com/office/drawing/2018/hyperlinkcolor" showMasterPhAnim="0" showMasterSp="0">
+<p:notes xmlns:a="http://schemas.openxmlformats.org/drawingml/2006/main" xmlns:r="http://schemas.openxmlformats.org/officeDocument/2006/relationships" xmlns:p="http://schemas.openxmlformats.org/presentationml/2006/main" showMasterSp="0" showMasterPhAnim="0">
   <p:cSld>
     <p:spTree>
       <p:nvGrpSpPr>
-        <p:cNvPr id="80" name="Shape 80"/>
+        <p:cNvPr id="1" name="Shape 80"/>
         <p:cNvGrpSpPr/>
         <p:nvPr/>
       </p:nvGrpSpPr>
@@ -1209,9 +1249,11 @@
       <p:sp>
         <p:nvSpPr>
           <p:cNvPr id="81" name="Google Shape;81;ge598241759_0_6:notes"/>
-          <p:cNvSpPr/>
+          <p:cNvSpPr>
+            <a:spLocks noGrp="1" noRot="1" noChangeAspect="1"/>
+          </p:cNvSpPr>
           <p:nvPr>
-            <p:ph idx="2" type="sldImg"/>
+            <p:ph type="sldImg" idx="2"/>
           </p:nvPr>
         </p:nvSpPr>
         <p:spPr>
@@ -1220,9 +1262,13 @@
             <a:ext cx="6096000" cy="3429000"/>
           </a:xfrm>
           <a:custGeom>
-            <a:rect b="b" l="l" r="r" t="t"/>
+            <a:avLst/>
+            <a:gdLst/>
+            <a:ahLst/>
+            <a:cxnLst/>
+            <a:rect l="l" t="t" r="r" b="b"/>
             <a:pathLst>
-              <a:path extrusionOk="0" h="120000" w="120000">
+              <a:path w="120000" h="120000" extrusionOk="0">
                 <a:moveTo>
                   <a:pt x="0" y="0"/>
                 </a:moveTo>
@@ -1244,9 +1290,11 @@
       <p:sp>
         <p:nvSpPr>
           <p:cNvPr id="82" name="Google Shape;82;ge598241759_0_6:notes"/>
-          <p:cNvSpPr txBox="1"/>
+          <p:cNvSpPr txBox="1">
+            <a:spLocks noGrp="1"/>
+          </p:cNvSpPr>
           <p:nvPr>
-            <p:ph idx="1" type="body"/>
+            <p:ph type="body" idx="1"/>
           </p:nvPr>
         </p:nvSpPr>
         <p:spPr>
@@ -1259,12 +1307,12 @@
           </a:prstGeom>
         </p:spPr>
         <p:txBody>
-          <a:bodyPr anchorCtr="0" anchor="t" bIns="91425" lIns="91425" spcFirstLastPara="1" rIns="91425" wrap="square" tIns="91425">
+          <a:bodyPr spcFirstLastPara="1" wrap="square" lIns="91425" tIns="91425" rIns="91425" bIns="91425" anchor="t" anchorCtr="0">
             <a:noAutofit/>
           </a:bodyPr>
           <a:lstStyle/>
           <a:p>
-            <a:pPr indent="0" lvl="0" marL="0" rtl="0" algn="l">
+            <a:pPr marL="0" lvl="0" indent="0" algn="l" rtl="0">
               <a:spcBef>
                 <a:spcPts val="0"/>
               </a:spcBef>
@@ -1273,9 +1321,6 @@
               </a:spcAft>
               <a:buNone/>
             </a:pPr>
-            <a:r>
-              <a:t/>
-            </a:r>
             <a:endParaRPr/>
           </a:p>
         </p:txBody>
@@ -1289,11 +1334,11 @@
 </file>
 
 <file path=ppt/notesSlides/notesSlide7.xml><?xml version="1.0" encoding="utf-8"?>
-<p:notes xmlns:a="http://schemas.openxmlformats.org/drawingml/2006/main" xmlns:r="http://schemas.openxmlformats.org/officeDocument/2006/relationships" xmlns:mc="http://schemas.openxmlformats.org/markup-compatibility/2006" xmlns:mv="urn:schemas-microsoft-com:mac:vml" xmlns:p="http://schemas.openxmlformats.org/presentationml/2006/main" xmlns:c="http://schemas.openxmlformats.org/drawingml/2006/chart" xmlns:dgm="http://schemas.openxmlformats.org/drawingml/2006/diagram" xmlns:o="urn:schemas-microsoft-com:office:office" xmlns:v="urn:schemas-microsoft-com:vml" xmlns:pvml="urn:schemas-microsoft-com:office:powerpoint" xmlns:com="http://schemas.openxmlformats.org/drawingml/2006/compatibility" xmlns:p14="http://schemas.microsoft.com/office/powerpoint/2010/main" xmlns:p15="http://schemas.microsoft.com/office/powerpoint/2012/main" xmlns:ahyp="http://schemas.microsoft.com/office/drawing/2018/hyperlinkcolor" showMasterPhAnim="0" showMasterSp="0">
+<p:notes xmlns:a="http://schemas.openxmlformats.org/drawingml/2006/main" xmlns:r="http://schemas.openxmlformats.org/officeDocument/2006/relationships" xmlns:p="http://schemas.openxmlformats.org/presentationml/2006/main" showMasterSp="0" showMasterPhAnim="0">
   <p:cSld>
     <p:spTree>
       <p:nvGrpSpPr>
-        <p:cNvPr id="85" name="Shape 85"/>
+        <p:cNvPr id="1" name="Shape 85"/>
         <p:cNvGrpSpPr/>
         <p:nvPr/>
       </p:nvGrpSpPr>
@@ -1308,20 +1353,26 @@
       <p:sp>
         <p:nvSpPr>
           <p:cNvPr id="86" name="Google Shape;86;ge596d2a6c2_0_254:notes"/>
-          <p:cNvSpPr/>
+          <p:cNvSpPr>
+            <a:spLocks noGrp="1" noRot="1" noChangeAspect="1"/>
+          </p:cNvSpPr>
           <p:nvPr>
-            <p:ph idx="2" type="sldImg"/>
+            <p:ph type="sldImg" idx="2"/>
           </p:nvPr>
         </p:nvSpPr>
         <p:spPr>
           <a:xfrm>
-            <a:off x="381300" y="685800"/>
+            <a:off x="381000" y="685800"/>
             <a:ext cx="6096000" cy="3429000"/>
           </a:xfrm>
           <a:custGeom>
-            <a:rect b="b" l="l" r="r" t="t"/>
+            <a:avLst/>
+            <a:gdLst/>
+            <a:ahLst/>
+            <a:cxnLst/>
+            <a:rect l="l" t="t" r="r" b="b"/>
             <a:pathLst>
-              <a:path extrusionOk="0" h="120000" w="120000">
+              <a:path w="120000" h="120000" extrusionOk="0">
                 <a:moveTo>
                   <a:pt x="0" y="0"/>
                 </a:moveTo>
@@ -1343,9 +1394,11 @@
       <p:sp>
         <p:nvSpPr>
           <p:cNvPr id="87" name="Google Shape;87;ge596d2a6c2_0_254:notes"/>
-          <p:cNvSpPr txBox="1"/>
+          <p:cNvSpPr txBox="1">
+            <a:spLocks noGrp="1"/>
+          </p:cNvSpPr>
           <p:nvPr>
-            <p:ph idx="1" type="body"/>
+            <p:ph type="body" idx="1"/>
           </p:nvPr>
         </p:nvSpPr>
         <p:spPr>
@@ -1358,12 +1411,12 @@
           </a:prstGeom>
         </p:spPr>
         <p:txBody>
-          <a:bodyPr anchorCtr="0" anchor="t" bIns="91425" lIns="91425" spcFirstLastPara="1" rIns="91425" wrap="square" tIns="91425">
+          <a:bodyPr spcFirstLastPara="1" wrap="square" lIns="91425" tIns="91425" rIns="91425" bIns="91425" anchor="t" anchorCtr="0">
             <a:noAutofit/>
           </a:bodyPr>
           <a:lstStyle/>
           <a:p>
-            <a:pPr indent="0" lvl="0" marL="0" rtl="0" algn="l">
+            <a:pPr marL="0" lvl="0" indent="0" algn="l" rtl="0">
               <a:spcBef>
                 <a:spcPts val="0"/>
               </a:spcBef>
@@ -1372,9 +1425,6 @@
               </a:spcAft>
               <a:buNone/>
             </a:pPr>
-            <a:r>
-              <a:t/>
-            </a:r>
             <a:endParaRPr/>
           </a:p>
         </p:txBody>
@@ -1388,11 +1438,11 @@
 </file>
 
 <file path=ppt/notesSlides/notesSlide8.xml><?xml version="1.0" encoding="utf-8"?>
-<p:notes xmlns:a="http://schemas.openxmlformats.org/drawingml/2006/main" xmlns:r="http://schemas.openxmlformats.org/officeDocument/2006/relationships" xmlns:mc="http://schemas.openxmlformats.org/markup-compatibility/2006" xmlns:mv="urn:schemas-microsoft-com:mac:vml" xmlns:p="http://schemas.openxmlformats.org/presentationml/2006/main" xmlns:c="http://schemas.openxmlformats.org/drawingml/2006/chart" xmlns:dgm="http://schemas.openxmlformats.org/drawingml/2006/diagram" xmlns:o="urn:schemas-microsoft-com:office:office" xmlns:v="urn:schemas-microsoft-com:vml" xmlns:pvml="urn:schemas-microsoft-com:office:powerpoint" xmlns:com="http://schemas.openxmlformats.org/drawingml/2006/compatibility" xmlns:p14="http://schemas.microsoft.com/office/powerpoint/2010/main" xmlns:p15="http://schemas.microsoft.com/office/powerpoint/2012/main" xmlns:ahyp="http://schemas.microsoft.com/office/drawing/2018/hyperlinkcolor" showMasterPhAnim="0" showMasterSp="0">
+<p:notes xmlns:a="http://schemas.openxmlformats.org/drawingml/2006/main" xmlns:r="http://schemas.openxmlformats.org/officeDocument/2006/relationships" xmlns:p="http://schemas.openxmlformats.org/presentationml/2006/main" showMasterSp="0" showMasterPhAnim="0">
   <p:cSld>
     <p:spTree>
       <p:nvGrpSpPr>
-        <p:cNvPr id="92" name="Shape 92"/>
+        <p:cNvPr id="1" name="Shape 92"/>
         <p:cNvGrpSpPr/>
         <p:nvPr/>
       </p:nvGrpSpPr>
@@ -1407,9 +1457,11 @@
       <p:sp>
         <p:nvSpPr>
           <p:cNvPr id="93" name="Google Shape;93;ge598241759_0_0:notes"/>
-          <p:cNvSpPr/>
+          <p:cNvSpPr>
+            <a:spLocks noGrp="1" noRot="1" noChangeAspect="1"/>
+          </p:cNvSpPr>
           <p:nvPr>
-            <p:ph idx="2" type="sldImg"/>
+            <p:ph type="sldImg" idx="2"/>
           </p:nvPr>
         </p:nvSpPr>
         <p:spPr>
@@ -1418,9 +1470,13 @@
             <a:ext cx="6096000" cy="3429000"/>
           </a:xfrm>
           <a:custGeom>
-            <a:rect b="b" l="l" r="r" t="t"/>
+            <a:avLst/>
+            <a:gdLst/>
+            <a:ahLst/>
+            <a:cxnLst/>
+            <a:rect l="l" t="t" r="r" b="b"/>
             <a:pathLst>
-              <a:path extrusionOk="0" h="120000" w="120000">
+              <a:path w="120000" h="120000" extrusionOk="0">
                 <a:moveTo>
                   <a:pt x="0" y="0"/>
                 </a:moveTo>
@@ -1442,9 +1498,11 @@
       <p:sp>
         <p:nvSpPr>
           <p:cNvPr id="94" name="Google Shape;94;ge598241759_0_0:notes"/>
-          <p:cNvSpPr txBox="1"/>
+          <p:cNvSpPr txBox="1">
+            <a:spLocks noGrp="1"/>
+          </p:cNvSpPr>
           <p:nvPr>
-            <p:ph idx="1" type="body"/>
+            <p:ph type="body" idx="1"/>
           </p:nvPr>
         </p:nvSpPr>
         <p:spPr>
@@ -1457,12 +1515,12 @@
           </a:prstGeom>
         </p:spPr>
         <p:txBody>
-          <a:bodyPr anchorCtr="0" anchor="t" bIns="91425" lIns="91425" spcFirstLastPara="1" rIns="91425" wrap="square" tIns="91425">
+          <a:bodyPr spcFirstLastPara="1" wrap="square" lIns="91425" tIns="91425" rIns="91425" bIns="91425" anchor="t" anchorCtr="0">
             <a:noAutofit/>
           </a:bodyPr>
           <a:lstStyle/>
           <a:p>
-            <a:pPr indent="0" lvl="0" marL="0" rtl="0" algn="l">
+            <a:pPr marL="0" lvl="0" indent="0" algn="l" rtl="0">
               <a:spcBef>
                 <a:spcPts val="0"/>
               </a:spcBef>
@@ -1471,9 +1529,6 @@
               </a:spcAft>
               <a:buNone/>
             </a:pPr>
-            <a:r>
-              <a:t/>
-            </a:r>
             <a:endParaRPr/>
           </a:p>
         </p:txBody>
@@ -1487,11 +1542,11 @@
 </file>
 
 <file path=ppt/notesSlides/notesSlide9.xml><?xml version="1.0" encoding="utf-8"?>
-<p:notes xmlns:a="http://schemas.openxmlformats.org/drawingml/2006/main" xmlns:r="http://schemas.openxmlformats.org/officeDocument/2006/relationships" xmlns:mc="http://schemas.openxmlformats.org/markup-compatibility/2006" xmlns:mv="urn:schemas-microsoft-com:mac:vml" xmlns:p="http://schemas.openxmlformats.org/presentationml/2006/main" xmlns:c="http://schemas.openxmlformats.org/drawingml/2006/chart" xmlns:dgm="http://schemas.openxmlformats.org/drawingml/2006/diagram" xmlns:o="urn:schemas-microsoft-com:office:office" xmlns:v="urn:schemas-microsoft-com:vml" xmlns:pvml="urn:schemas-microsoft-com:office:powerpoint" xmlns:com="http://schemas.openxmlformats.org/drawingml/2006/compatibility" xmlns:p14="http://schemas.microsoft.com/office/powerpoint/2010/main" xmlns:p15="http://schemas.microsoft.com/office/powerpoint/2012/main" xmlns:ahyp="http://schemas.microsoft.com/office/drawing/2018/hyperlinkcolor" showMasterPhAnim="0" showMasterSp="0">
+<p:notes xmlns:a="http://schemas.openxmlformats.org/drawingml/2006/main" xmlns:r="http://schemas.openxmlformats.org/officeDocument/2006/relationships" xmlns:p="http://schemas.openxmlformats.org/presentationml/2006/main" showMasterSp="0" showMasterPhAnim="0">
   <p:cSld>
     <p:spTree>
       <p:nvGrpSpPr>
-        <p:cNvPr id="97" name="Shape 97"/>
+        <p:cNvPr id="1" name="Shape 97"/>
         <p:cNvGrpSpPr/>
         <p:nvPr/>
       </p:nvGrpSpPr>
@@ -1506,9 +1561,11 @@
       <p:sp>
         <p:nvSpPr>
           <p:cNvPr id="98" name="Google Shape;98;ge596d2a6c2_0_95:notes"/>
-          <p:cNvSpPr/>
+          <p:cNvSpPr>
+            <a:spLocks noGrp="1" noRot="1" noChangeAspect="1"/>
+          </p:cNvSpPr>
           <p:nvPr>
-            <p:ph idx="2" type="sldImg"/>
+            <p:ph type="sldImg" idx="2"/>
           </p:nvPr>
         </p:nvSpPr>
         <p:spPr>
@@ -1517,9 +1574,13 @@
             <a:ext cx="6096000" cy="3429000"/>
           </a:xfrm>
           <a:custGeom>
-            <a:rect b="b" l="l" r="r" t="t"/>
+            <a:avLst/>
+            <a:gdLst/>
+            <a:ahLst/>
+            <a:cxnLst/>
+            <a:rect l="l" t="t" r="r" b="b"/>
             <a:pathLst>
-              <a:path extrusionOk="0" h="120000" w="120000">
+              <a:path w="120000" h="120000" extrusionOk="0">
                 <a:moveTo>
                   <a:pt x="0" y="0"/>
                 </a:moveTo>
@@ -1541,9 +1602,11 @@
       <p:sp>
         <p:nvSpPr>
           <p:cNvPr id="99" name="Google Shape;99;ge596d2a6c2_0_95:notes"/>
-          <p:cNvSpPr txBox="1"/>
+          <p:cNvSpPr txBox="1">
+            <a:spLocks noGrp="1"/>
+          </p:cNvSpPr>
           <p:nvPr>
-            <p:ph idx="1" type="body"/>
+            <p:ph type="body" idx="1"/>
           </p:nvPr>
         </p:nvSpPr>
         <p:spPr>
@@ -1556,12 +1619,12 @@
           </a:prstGeom>
         </p:spPr>
         <p:txBody>
-          <a:bodyPr anchorCtr="0" anchor="t" bIns="91425" lIns="91425" spcFirstLastPara="1" rIns="91425" wrap="square" tIns="91425">
+          <a:bodyPr spcFirstLastPara="1" wrap="square" lIns="91425" tIns="91425" rIns="91425" bIns="91425" anchor="t" anchorCtr="0">
             <a:noAutofit/>
           </a:bodyPr>
           <a:lstStyle/>
           <a:p>
-            <a:pPr indent="0" lvl="0" marL="0" rtl="0" algn="l">
+            <a:pPr marL="0" lvl="0" indent="0" algn="l" rtl="0">
               <a:spcBef>
                 <a:spcPts val="0"/>
               </a:spcBef>
@@ -1570,9 +1633,6 @@
               </a:spcAft>
               <a:buNone/>
             </a:pPr>
-            <a:r>
-              <a:t/>
-            </a:r>
             <a:endParaRPr/>
           </a:p>
         </p:txBody>
@@ -1586,11 +1646,11 @@
 </file>
 
 <file path=ppt/slideLayouts/slideLayout1.xml><?xml version="1.0" encoding="utf-8"?>
-<p:sldLayout xmlns:a="http://schemas.openxmlformats.org/drawingml/2006/main" xmlns:r="http://schemas.openxmlformats.org/officeDocument/2006/relationships" xmlns:mc="http://schemas.openxmlformats.org/markup-compatibility/2006" xmlns:mv="urn:schemas-microsoft-com:mac:vml" xmlns:p="http://schemas.openxmlformats.org/presentationml/2006/main" xmlns:c="http://schemas.openxmlformats.org/drawingml/2006/chart" xmlns:dgm="http://schemas.openxmlformats.org/drawingml/2006/diagram" xmlns:o="urn:schemas-microsoft-com:office:office" xmlns:v="urn:schemas-microsoft-com:vml" xmlns:pvml="urn:schemas-microsoft-com:office:powerpoint" xmlns:com="http://schemas.openxmlformats.org/drawingml/2006/compatibility" xmlns:p14="http://schemas.microsoft.com/office/powerpoint/2010/main" xmlns:p15="http://schemas.microsoft.com/office/powerpoint/2012/main" xmlns:ahyp="http://schemas.microsoft.com/office/drawing/2018/hyperlinkcolor" matchingName="Title slide" type="title">
+<p:sldLayout xmlns:a="http://schemas.openxmlformats.org/drawingml/2006/main" xmlns:r="http://schemas.openxmlformats.org/officeDocument/2006/relationships" xmlns:p="http://schemas.openxmlformats.org/presentationml/2006/main" matchingName="Title slide" type="title">
   <p:cSld name="TITLE">
     <p:spTree>
       <p:nvGrpSpPr>
-        <p:cNvPr id="9" name="Shape 9"/>
+        <p:cNvPr id="1" name="Shape 9"/>
         <p:cNvGrpSpPr/>
         <p:nvPr/>
       </p:nvGrpSpPr>
@@ -1605,7 +1665,9 @@
       <p:sp>
         <p:nvSpPr>
           <p:cNvPr id="10" name="Google Shape;10;p2"/>
-          <p:cNvSpPr txBox="1"/>
+          <p:cNvSpPr txBox="1">
+            <a:spLocks noGrp="1"/>
+          </p:cNvSpPr>
           <p:nvPr>
             <p:ph type="ctrTitle"/>
           </p:nvPr>
@@ -1620,7 +1682,7 @@
           </a:prstGeom>
         </p:spPr>
         <p:txBody>
-          <a:bodyPr anchorCtr="0" anchor="b" bIns="91425" lIns="91425" spcFirstLastPara="1" rIns="91425" wrap="square" tIns="91425">
+          <a:bodyPr spcFirstLastPara="1" wrap="square" lIns="91425" tIns="91425" rIns="91425" bIns="91425" anchor="b" anchorCtr="0">
             <a:normAutofit/>
           </a:bodyPr>
           <a:lstStyle>
@@ -1724,15 +1786,19 @@
               <a:defRPr sz="5200"/>
             </a:lvl9pPr>
           </a:lstStyle>
-          <a:p/>
+          <a:p>
+            <a:endParaRPr/>
+          </a:p>
         </p:txBody>
       </p:sp>
       <p:sp>
         <p:nvSpPr>
           <p:cNvPr id="11" name="Google Shape;11;p2"/>
-          <p:cNvSpPr txBox="1"/>
+          <p:cNvSpPr txBox="1">
+            <a:spLocks noGrp="1"/>
+          </p:cNvSpPr>
           <p:nvPr>
-            <p:ph idx="1" type="subTitle"/>
+            <p:ph type="subTitle" idx="1"/>
           </p:nvPr>
         </p:nvSpPr>
         <p:spPr>
@@ -1745,7 +1811,7 @@
           </a:prstGeom>
         </p:spPr>
         <p:txBody>
-          <a:bodyPr anchorCtr="0" anchor="t" bIns="91425" lIns="91425" spcFirstLastPara="1" rIns="91425" wrap="square" tIns="91425">
+          <a:bodyPr spcFirstLastPara="1" wrap="square" lIns="91425" tIns="91425" rIns="91425" bIns="91425" anchor="t" anchorCtr="0">
             <a:normAutofit/>
           </a:bodyPr>
           <a:lstStyle>
@@ -1876,15 +1942,19 @@
               <a:defRPr sz="2800"/>
             </a:lvl9pPr>
           </a:lstStyle>
-          <a:p/>
+          <a:p>
+            <a:endParaRPr/>
+          </a:p>
         </p:txBody>
       </p:sp>
       <p:sp>
         <p:nvSpPr>
           <p:cNvPr id="12" name="Google Shape;12;p2"/>
-          <p:cNvSpPr txBox="1"/>
+          <p:cNvSpPr txBox="1">
+            <a:spLocks noGrp="1"/>
+          </p:cNvSpPr>
           <p:nvPr>
-            <p:ph idx="12" type="sldNum"/>
+            <p:ph type="sldNum" idx="12"/>
           </p:nvPr>
         </p:nvSpPr>
         <p:spPr>
@@ -1897,7 +1967,7 @@
           </a:prstGeom>
         </p:spPr>
         <p:txBody>
-          <a:bodyPr anchorCtr="0" anchor="ctr" bIns="91425" lIns="91425" spcFirstLastPara="1" rIns="91425" wrap="square" tIns="91425">
+          <a:bodyPr spcFirstLastPara="1" wrap="square" lIns="91425" tIns="91425" rIns="91425" bIns="91425" anchor="ctr" anchorCtr="0">
             <a:normAutofit/>
           </a:bodyPr>
           <a:lstStyle>
@@ -1939,7 +2009,7 @@
             </a:lvl9pPr>
           </a:lstStyle>
           <a:p>
-            <a:pPr indent="0" lvl="0" marL="0" rtl="0" algn="r">
+            <a:pPr marL="0" lvl="0" indent="0" algn="r" rtl="0">
               <a:spcBef>
                 <a:spcPts val="0"/>
               </a:spcBef>
@@ -1965,11 +2035,11 @@
 </file>
 
 <file path=ppt/slideLayouts/slideLayout10.xml><?xml version="1.0" encoding="utf-8"?>
-<p:sldLayout xmlns:a="http://schemas.openxmlformats.org/drawingml/2006/main" xmlns:r="http://schemas.openxmlformats.org/officeDocument/2006/relationships" xmlns:mc="http://schemas.openxmlformats.org/markup-compatibility/2006" xmlns:mv="urn:schemas-microsoft-com:mac:vml" xmlns:p="http://schemas.openxmlformats.org/presentationml/2006/main" xmlns:c="http://schemas.openxmlformats.org/drawingml/2006/chart" xmlns:dgm="http://schemas.openxmlformats.org/drawingml/2006/diagram" xmlns:o="urn:schemas-microsoft-com:office:office" xmlns:v="urn:schemas-microsoft-com:vml" xmlns:pvml="urn:schemas-microsoft-com:office:powerpoint" xmlns:com="http://schemas.openxmlformats.org/drawingml/2006/compatibility" xmlns:p14="http://schemas.microsoft.com/office/powerpoint/2010/main" xmlns:p15="http://schemas.microsoft.com/office/powerpoint/2012/main" xmlns:ahyp="http://schemas.microsoft.com/office/drawing/2018/hyperlinkcolor" matchingName="Big number">
+<p:sldLayout xmlns:a="http://schemas.openxmlformats.org/drawingml/2006/main" xmlns:r="http://schemas.openxmlformats.org/officeDocument/2006/relationships" xmlns:p="http://schemas.openxmlformats.org/presentationml/2006/main" matchingName="Big number">
   <p:cSld name="BIG_NUMBER">
     <p:spTree>
       <p:nvGrpSpPr>
-        <p:cNvPr id="44" name="Shape 44"/>
+        <p:cNvPr id="1" name="Shape 44"/>
         <p:cNvGrpSpPr/>
         <p:nvPr/>
       </p:nvGrpSpPr>
@@ -1984,9 +2054,11 @@
       <p:sp>
         <p:nvSpPr>
           <p:cNvPr id="45" name="Google Shape;45;p11"/>
-          <p:cNvSpPr txBox="1"/>
+          <p:cNvSpPr txBox="1">
+            <a:spLocks noGrp="1"/>
+          </p:cNvSpPr>
           <p:nvPr>
-            <p:ph hasCustomPrompt="1" type="title"/>
+            <p:ph type="title" hasCustomPrompt="1"/>
           </p:nvPr>
         </p:nvSpPr>
         <p:spPr>
@@ -1999,7 +2071,7 @@
           </a:prstGeom>
         </p:spPr>
         <p:txBody>
-          <a:bodyPr anchorCtr="0" anchor="b" bIns="91425" lIns="91425" spcFirstLastPara="1" rIns="91425" wrap="square" tIns="91425">
+          <a:bodyPr spcFirstLastPara="1" wrap="square" lIns="91425" tIns="91425" rIns="91425" bIns="91425" anchor="b" anchorCtr="0">
             <a:normAutofit/>
           </a:bodyPr>
           <a:lstStyle>
@@ -2113,9 +2185,11 @@
       <p:sp>
         <p:nvSpPr>
           <p:cNvPr id="46" name="Google Shape;46;p11"/>
-          <p:cNvSpPr txBox="1"/>
+          <p:cNvSpPr txBox="1">
+            <a:spLocks noGrp="1"/>
+          </p:cNvSpPr>
           <p:nvPr>
-            <p:ph idx="1" type="body"/>
+            <p:ph type="body" idx="1"/>
           </p:nvPr>
         </p:nvSpPr>
         <p:spPr>
@@ -2128,11 +2202,11 @@
           </a:prstGeom>
         </p:spPr>
         <p:txBody>
-          <a:bodyPr anchorCtr="0" anchor="t" bIns="91425" lIns="91425" spcFirstLastPara="1" rIns="91425" wrap="square" tIns="91425">
+          <a:bodyPr spcFirstLastPara="1" wrap="square" lIns="91425" tIns="91425" rIns="91425" bIns="91425" anchor="t" anchorCtr="0">
             <a:normAutofit/>
           </a:bodyPr>
           <a:lstStyle>
-            <a:lvl1pPr indent="-342900" lvl="0" marL="457200" algn="ctr">
+            <a:lvl1pPr marL="457200" lvl="0" indent="-342900" algn="ctr">
               <a:spcBef>
                 <a:spcPts val="0"/>
               </a:spcBef>
@@ -2143,7 +2217,7 @@
               <a:buChar char="●"/>
               <a:defRPr/>
             </a:lvl1pPr>
-            <a:lvl2pPr indent="-317500" lvl="1" marL="914400" algn="ctr">
+            <a:lvl2pPr marL="914400" lvl="1" indent="-317500" algn="ctr">
               <a:spcBef>
                 <a:spcPts val="0"/>
               </a:spcBef>
@@ -2154,7 +2228,7 @@
               <a:buChar char="○"/>
               <a:defRPr/>
             </a:lvl2pPr>
-            <a:lvl3pPr indent="-317500" lvl="2" marL="1371600" algn="ctr">
+            <a:lvl3pPr marL="1371600" lvl="2" indent="-317500" algn="ctr">
               <a:spcBef>
                 <a:spcPts val="0"/>
               </a:spcBef>
@@ -2165,7 +2239,7 @@
               <a:buChar char="■"/>
               <a:defRPr/>
             </a:lvl3pPr>
-            <a:lvl4pPr indent="-317500" lvl="3" marL="1828800" algn="ctr">
+            <a:lvl4pPr marL="1828800" lvl="3" indent="-317500" algn="ctr">
               <a:spcBef>
                 <a:spcPts val="0"/>
               </a:spcBef>
@@ -2176,7 +2250,7 @@
               <a:buChar char="●"/>
               <a:defRPr/>
             </a:lvl4pPr>
-            <a:lvl5pPr indent="-317500" lvl="4" marL="2286000" algn="ctr">
+            <a:lvl5pPr marL="2286000" lvl="4" indent="-317500" algn="ctr">
               <a:spcBef>
                 <a:spcPts val="0"/>
               </a:spcBef>
@@ -2187,7 +2261,7 @@
               <a:buChar char="○"/>
               <a:defRPr/>
             </a:lvl5pPr>
-            <a:lvl6pPr indent="-317500" lvl="5" marL="2743200" algn="ctr">
+            <a:lvl6pPr marL="2743200" lvl="5" indent="-317500" algn="ctr">
               <a:spcBef>
                 <a:spcPts val="0"/>
               </a:spcBef>
@@ -2198,7 +2272,7 @@
               <a:buChar char="■"/>
               <a:defRPr/>
             </a:lvl6pPr>
-            <a:lvl7pPr indent="-317500" lvl="6" marL="3200400" algn="ctr">
+            <a:lvl7pPr marL="3200400" lvl="6" indent="-317500" algn="ctr">
               <a:spcBef>
                 <a:spcPts val="0"/>
               </a:spcBef>
@@ -2209,7 +2283,7 @@
               <a:buChar char="●"/>
               <a:defRPr/>
             </a:lvl7pPr>
-            <a:lvl8pPr indent="-317500" lvl="7" marL="3657600" algn="ctr">
+            <a:lvl8pPr marL="3657600" lvl="7" indent="-317500" algn="ctr">
               <a:spcBef>
                 <a:spcPts val="0"/>
               </a:spcBef>
@@ -2220,7 +2294,7 @@
               <a:buChar char="○"/>
               <a:defRPr/>
             </a:lvl8pPr>
-            <a:lvl9pPr indent="-317500" lvl="8" marL="4114800" algn="ctr">
+            <a:lvl9pPr marL="4114800" lvl="8" indent="-317500" algn="ctr">
               <a:spcBef>
                 <a:spcPts val="0"/>
               </a:spcBef>
@@ -2232,15 +2306,19 @@
               <a:defRPr/>
             </a:lvl9pPr>
           </a:lstStyle>
-          <a:p/>
+          <a:p>
+            <a:endParaRPr/>
+          </a:p>
         </p:txBody>
       </p:sp>
       <p:sp>
         <p:nvSpPr>
           <p:cNvPr id="47" name="Google Shape;47;p11"/>
-          <p:cNvSpPr txBox="1"/>
+          <p:cNvSpPr txBox="1">
+            <a:spLocks noGrp="1"/>
+          </p:cNvSpPr>
           <p:nvPr>
-            <p:ph idx="12" type="sldNum"/>
+            <p:ph type="sldNum" idx="12"/>
           </p:nvPr>
         </p:nvSpPr>
         <p:spPr>
@@ -2253,7 +2331,7 @@
           </a:prstGeom>
         </p:spPr>
         <p:txBody>
-          <a:bodyPr anchorCtr="0" anchor="ctr" bIns="91425" lIns="91425" spcFirstLastPara="1" rIns="91425" wrap="square" tIns="91425">
+          <a:bodyPr spcFirstLastPara="1" wrap="square" lIns="91425" tIns="91425" rIns="91425" bIns="91425" anchor="ctr" anchorCtr="0">
             <a:normAutofit/>
           </a:bodyPr>
           <a:lstStyle>
@@ -2295,7 +2373,7 @@
             </a:lvl9pPr>
           </a:lstStyle>
           <a:p>
-            <a:pPr indent="0" lvl="0" marL="0" rtl="0" algn="r">
+            <a:pPr marL="0" lvl="0" indent="0" algn="r" rtl="0">
               <a:spcBef>
                 <a:spcPts val="0"/>
               </a:spcBef>
@@ -2321,11 +2399,11 @@
 </file>
 
 <file path=ppt/slideLayouts/slideLayout11.xml><?xml version="1.0" encoding="utf-8"?>
-<p:sldLayout xmlns:a="http://schemas.openxmlformats.org/drawingml/2006/main" xmlns:r="http://schemas.openxmlformats.org/officeDocument/2006/relationships" xmlns:mc="http://schemas.openxmlformats.org/markup-compatibility/2006" xmlns:mv="urn:schemas-microsoft-com:mac:vml" xmlns:p="http://schemas.openxmlformats.org/presentationml/2006/main" xmlns:c="http://schemas.openxmlformats.org/drawingml/2006/chart" xmlns:dgm="http://schemas.openxmlformats.org/drawingml/2006/diagram" xmlns:o="urn:schemas-microsoft-com:office:office" xmlns:v="urn:schemas-microsoft-com:vml" xmlns:pvml="urn:schemas-microsoft-com:office:powerpoint" xmlns:com="http://schemas.openxmlformats.org/drawingml/2006/compatibility" xmlns:p14="http://schemas.microsoft.com/office/powerpoint/2010/main" xmlns:p15="http://schemas.microsoft.com/office/powerpoint/2012/main" xmlns:ahyp="http://schemas.microsoft.com/office/drawing/2018/hyperlinkcolor" matchingName="Blank" type="blank">
+<p:sldLayout xmlns:a="http://schemas.openxmlformats.org/drawingml/2006/main" xmlns:r="http://schemas.openxmlformats.org/officeDocument/2006/relationships" xmlns:p="http://schemas.openxmlformats.org/presentationml/2006/main" matchingName="Blank" type="blank">
   <p:cSld name="BLANK">
     <p:spTree>
       <p:nvGrpSpPr>
-        <p:cNvPr id="48" name="Shape 48"/>
+        <p:cNvPr id="1" name="Shape 48"/>
         <p:cNvGrpSpPr/>
         <p:nvPr/>
       </p:nvGrpSpPr>
@@ -2340,9 +2418,11 @@
       <p:sp>
         <p:nvSpPr>
           <p:cNvPr id="49" name="Google Shape;49;p12"/>
-          <p:cNvSpPr txBox="1"/>
+          <p:cNvSpPr txBox="1">
+            <a:spLocks noGrp="1"/>
+          </p:cNvSpPr>
           <p:nvPr>
-            <p:ph idx="12" type="sldNum"/>
+            <p:ph type="sldNum" idx="12"/>
           </p:nvPr>
         </p:nvSpPr>
         <p:spPr>
@@ -2355,7 +2435,7 @@
           </a:prstGeom>
         </p:spPr>
         <p:txBody>
-          <a:bodyPr anchorCtr="0" anchor="ctr" bIns="91425" lIns="91425" spcFirstLastPara="1" rIns="91425" wrap="square" tIns="91425">
+          <a:bodyPr spcFirstLastPara="1" wrap="square" lIns="91425" tIns="91425" rIns="91425" bIns="91425" anchor="ctr" anchorCtr="0">
             <a:normAutofit/>
           </a:bodyPr>
           <a:lstStyle>
@@ -2397,7 +2477,7 @@
             </a:lvl9pPr>
           </a:lstStyle>
           <a:p>
-            <a:pPr indent="0" lvl="0" marL="0" rtl="0" algn="r">
+            <a:pPr marL="0" lvl="0" indent="0" algn="r" rtl="0">
               <a:spcBef>
                 <a:spcPts val="0"/>
               </a:spcBef>
@@ -2423,11 +2503,11 @@
 </file>
 
 <file path=ppt/slideLayouts/slideLayout2.xml><?xml version="1.0" encoding="utf-8"?>
-<p:sldLayout xmlns:a="http://schemas.openxmlformats.org/drawingml/2006/main" xmlns:r="http://schemas.openxmlformats.org/officeDocument/2006/relationships" xmlns:mc="http://schemas.openxmlformats.org/markup-compatibility/2006" xmlns:mv="urn:schemas-microsoft-com:mac:vml" xmlns:p="http://schemas.openxmlformats.org/presentationml/2006/main" xmlns:c="http://schemas.openxmlformats.org/drawingml/2006/chart" xmlns:dgm="http://schemas.openxmlformats.org/drawingml/2006/diagram" xmlns:o="urn:schemas-microsoft-com:office:office" xmlns:v="urn:schemas-microsoft-com:vml" xmlns:pvml="urn:schemas-microsoft-com:office:powerpoint" xmlns:com="http://schemas.openxmlformats.org/drawingml/2006/compatibility" xmlns:p14="http://schemas.microsoft.com/office/powerpoint/2010/main" xmlns:p15="http://schemas.microsoft.com/office/powerpoint/2012/main" xmlns:ahyp="http://schemas.microsoft.com/office/drawing/2018/hyperlinkcolor" matchingName="Section header" type="secHead">
+<p:sldLayout xmlns:a="http://schemas.openxmlformats.org/drawingml/2006/main" xmlns:r="http://schemas.openxmlformats.org/officeDocument/2006/relationships" xmlns:p="http://schemas.openxmlformats.org/presentationml/2006/main" matchingName="Section header" type="secHead">
   <p:cSld name="SECTION_HEADER">
     <p:spTree>
       <p:nvGrpSpPr>
-        <p:cNvPr id="13" name="Shape 13"/>
+        <p:cNvPr id="1" name="Shape 13"/>
         <p:cNvGrpSpPr/>
         <p:nvPr/>
       </p:nvGrpSpPr>
@@ -2442,7 +2522,9 @@
       <p:sp>
         <p:nvSpPr>
           <p:cNvPr id="14" name="Google Shape;14;p3"/>
-          <p:cNvSpPr txBox="1"/>
+          <p:cNvSpPr txBox="1">
+            <a:spLocks noGrp="1"/>
+          </p:cNvSpPr>
           <p:nvPr>
             <p:ph type="title"/>
           </p:nvPr>
@@ -2457,7 +2539,7 @@
           </a:prstGeom>
         </p:spPr>
         <p:txBody>
-          <a:bodyPr anchorCtr="0" anchor="ctr" bIns="91425" lIns="91425" spcFirstLastPara="1" rIns="91425" wrap="square" tIns="91425">
+          <a:bodyPr spcFirstLastPara="1" wrap="square" lIns="91425" tIns="91425" rIns="91425" bIns="91425" anchor="ctr" anchorCtr="0">
             <a:normAutofit/>
           </a:bodyPr>
           <a:lstStyle>
@@ -2561,15 +2643,19 @@
               <a:defRPr sz="3600"/>
             </a:lvl9pPr>
           </a:lstStyle>
-          <a:p/>
+          <a:p>
+            <a:endParaRPr/>
+          </a:p>
         </p:txBody>
       </p:sp>
       <p:sp>
         <p:nvSpPr>
           <p:cNvPr id="15" name="Google Shape;15;p3"/>
-          <p:cNvSpPr txBox="1"/>
+          <p:cNvSpPr txBox="1">
+            <a:spLocks noGrp="1"/>
+          </p:cNvSpPr>
           <p:nvPr>
-            <p:ph idx="12" type="sldNum"/>
+            <p:ph type="sldNum" idx="12"/>
           </p:nvPr>
         </p:nvSpPr>
         <p:spPr>
@@ -2582,7 +2668,7 @@
           </a:prstGeom>
         </p:spPr>
         <p:txBody>
-          <a:bodyPr anchorCtr="0" anchor="ctr" bIns="91425" lIns="91425" spcFirstLastPara="1" rIns="91425" wrap="square" tIns="91425">
+          <a:bodyPr spcFirstLastPara="1" wrap="square" lIns="91425" tIns="91425" rIns="91425" bIns="91425" anchor="ctr" anchorCtr="0">
             <a:normAutofit/>
           </a:bodyPr>
           <a:lstStyle>
@@ -2624,7 +2710,7 @@
             </a:lvl9pPr>
           </a:lstStyle>
           <a:p>
-            <a:pPr indent="0" lvl="0" marL="0" rtl="0" algn="r">
+            <a:pPr marL="0" lvl="0" indent="0" algn="r" rtl="0">
               <a:spcBef>
                 <a:spcPts val="0"/>
               </a:spcBef>
@@ -2650,11 +2736,11 @@
 </file>
 
 <file path=ppt/slideLayouts/slideLayout3.xml><?xml version="1.0" encoding="utf-8"?>
-<p:sldLayout xmlns:a="http://schemas.openxmlformats.org/drawingml/2006/main" xmlns:r="http://schemas.openxmlformats.org/officeDocument/2006/relationships" xmlns:mc="http://schemas.openxmlformats.org/markup-compatibility/2006" xmlns:mv="urn:schemas-microsoft-com:mac:vml" xmlns:p="http://schemas.openxmlformats.org/presentationml/2006/main" xmlns:c="http://schemas.openxmlformats.org/drawingml/2006/chart" xmlns:dgm="http://schemas.openxmlformats.org/drawingml/2006/diagram" xmlns:o="urn:schemas-microsoft-com:office:office" xmlns:v="urn:schemas-microsoft-com:vml" xmlns:pvml="urn:schemas-microsoft-com:office:powerpoint" xmlns:com="http://schemas.openxmlformats.org/drawingml/2006/compatibility" xmlns:p14="http://schemas.microsoft.com/office/powerpoint/2010/main" xmlns:p15="http://schemas.microsoft.com/office/powerpoint/2012/main" xmlns:ahyp="http://schemas.microsoft.com/office/drawing/2018/hyperlinkcolor" matchingName="Title and body" type="tx">
+<p:sldLayout xmlns:a="http://schemas.openxmlformats.org/drawingml/2006/main" xmlns:r="http://schemas.openxmlformats.org/officeDocument/2006/relationships" xmlns:p="http://schemas.openxmlformats.org/presentationml/2006/main" matchingName="Title and body" type="tx">
   <p:cSld name="TITLE_AND_BODY">
     <p:spTree>
       <p:nvGrpSpPr>
-        <p:cNvPr id="16" name="Shape 16"/>
+        <p:cNvPr id="1" name="Shape 16"/>
         <p:cNvGrpSpPr/>
         <p:nvPr/>
       </p:nvGrpSpPr>
@@ -2669,7 +2755,9 @@
       <p:sp>
         <p:nvSpPr>
           <p:cNvPr id="17" name="Google Shape;17;p4"/>
-          <p:cNvSpPr txBox="1"/>
+          <p:cNvSpPr txBox="1">
+            <a:spLocks noGrp="1"/>
+          </p:cNvSpPr>
           <p:nvPr>
             <p:ph type="title"/>
           </p:nvPr>
@@ -2684,7 +2772,7 @@
           </a:prstGeom>
         </p:spPr>
         <p:txBody>
-          <a:bodyPr anchorCtr="0" anchor="t" bIns="91425" lIns="91425" spcFirstLastPara="1" rIns="91425" wrap="square" tIns="91425">
+          <a:bodyPr spcFirstLastPara="1" wrap="square" lIns="91425" tIns="91425" rIns="91425" bIns="91425" anchor="t" anchorCtr="0">
             <a:normAutofit/>
           </a:bodyPr>
           <a:lstStyle>
@@ -2788,15 +2876,19 @@
               <a:defRPr/>
             </a:lvl9pPr>
           </a:lstStyle>
-          <a:p/>
+          <a:p>
+            <a:endParaRPr/>
+          </a:p>
         </p:txBody>
       </p:sp>
       <p:sp>
         <p:nvSpPr>
           <p:cNvPr id="18" name="Google Shape;18;p4"/>
-          <p:cNvSpPr txBox="1"/>
+          <p:cNvSpPr txBox="1">
+            <a:spLocks noGrp="1"/>
+          </p:cNvSpPr>
           <p:nvPr>
-            <p:ph idx="1" type="body"/>
+            <p:ph type="body" idx="1"/>
           </p:nvPr>
         </p:nvSpPr>
         <p:spPr>
@@ -2809,11 +2901,11 @@
           </a:prstGeom>
         </p:spPr>
         <p:txBody>
-          <a:bodyPr anchorCtr="0" anchor="t" bIns="91425" lIns="91425" spcFirstLastPara="1" rIns="91425" wrap="square" tIns="91425">
+          <a:bodyPr spcFirstLastPara="1" wrap="square" lIns="91425" tIns="91425" rIns="91425" bIns="91425" anchor="t" anchorCtr="0">
             <a:normAutofit/>
           </a:bodyPr>
           <a:lstStyle>
-            <a:lvl1pPr indent="-342900" lvl="0" marL="457200">
+            <a:lvl1pPr marL="457200" lvl="0" indent="-342900">
               <a:spcBef>
                 <a:spcPts val="0"/>
               </a:spcBef>
@@ -2824,7 +2916,7 @@
               <a:buChar char="●"/>
               <a:defRPr/>
             </a:lvl1pPr>
-            <a:lvl2pPr indent="-317500" lvl="1" marL="914400">
+            <a:lvl2pPr marL="914400" lvl="1" indent="-317500">
               <a:spcBef>
                 <a:spcPts val="0"/>
               </a:spcBef>
@@ -2835,7 +2927,7 @@
               <a:buChar char="○"/>
               <a:defRPr/>
             </a:lvl2pPr>
-            <a:lvl3pPr indent="-317500" lvl="2" marL="1371600">
+            <a:lvl3pPr marL="1371600" lvl="2" indent="-317500">
               <a:spcBef>
                 <a:spcPts val="0"/>
               </a:spcBef>
@@ -2846,7 +2938,7 @@
               <a:buChar char="■"/>
               <a:defRPr/>
             </a:lvl3pPr>
-            <a:lvl4pPr indent="-317500" lvl="3" marL="1828800">
+            <a:lvl4pPr marL="1828800" lvl="3" indent="-317500">
               <a:spcBef>
                 <a:spcPts val="0"/>
               </a:spcBef>
@@ -2857,7 +2949,7 @@
               <a:buChar char="●"/>
               <a:defRPr/>
             </a:lvl4pPr>
-            <a:lvl5pPr indent="-317500" lvl="4" marL="2286000">
+            <a:lvl5pPr marL="2286000" lvl="4" indent="-317500">
               <a:spcBef>
                 <a:spcPts val="0"/>
               </a:spcBef>
@@ -2868,7 +2960,7 @@
               <a:buChar char="○"/>
               <a:defRPr/>
             </a:lvl5pPr>
-            <a:lvl6pPr indent="-317500" lvl="5" marL="2743200">
+            <a:lvl6pPr marL="2743200" lvl="5" indent="-317500">
               <a:spcBef>
                 <a:spcPts val="0"/>
               </a:spcBef>
@@ -2879,7 +2971,7 @@
               <a:buChar char="■"/>
               <a:defRPr/>
             </a:lvl6pPr>
-            <a:lvl7pPr indent="-317500" lvl="6" marL="3200400">
+            <a:lvl7pPr marL="3200400" lvl="6" indent="-317500">
               <a:spcBef>
                 <a:spcPts val="0"/>
               </a:spcBef>
@@ -2890,7 +2982,7 @@
               <a:buChar char="●"/>
               <a:defRPr/>
             </a:lvl7pPr>
-            <a:lvl8pPr indent="-317500" lvl="7" marL="3657600">
+            <a:lvl8pPr marL="3657600" lvl="7" indent="-317500">
               <a:spcBef>
                 <a:spcPts val="0"/>
               </a:spcBef>
@@ -2901,7 +2993,7 @@
               <a:buChar char="○"/>
               <a:defRPr/>
             </a:lvl8pPr>
-            <a:lvl9pPr indent="-317500" lvl="8" marL="4114800">
+            <a:lvl9pPr marL="4114800" lvl="8" indent="-317500">
               <a:spcBef>
                 <a:spcPts val="0"/>
               </a:spcBef>
@@ -2913,15 +3005,19 @@
               <a:defRPr/>
             </a:lvl9pPr>
           </a:lstStyle>
-          <a:p/>
+          <a:p>
+            <a:endParaRPr/>
+          </a:p>
         </p:txBody>
       </p:sp>
       <p:sp>
         <p:nvSpPr>
           <p:cNvPr id="19" name="Google Shape;19;p4"/>
-          <p:cNvSpPr txBox="1"/>
+          <p:cNvSpPr txBox="1">
+            <a:spLocks noGrp="1"/>
+          </p:cNvSpPr>
           <p:nvPr>
-            <p:ph idx="12" type="sldNum"/>
+            <p:ph type="sldNum" idx="12"/>
           </p:nvPr>
         </p:nvSpPr>
         <p:spPr>
@@ -2934,7 +3030,7 @@
           </a:prstGeom>
         </p:spPr>
         <p:txBody>
-          <a:bodyPr anchorCtr="0" anchor="ctr" bIns="91425" lIns="91425" spcFirstLastPara="1" rIns="91425" wrap="square" tIns="91425">
+          <a:bodyPr spcFirstLastPara="1" wrap="square" lIns="91425" tIns="91425" rIns="91425" bIns="91425" anchor="ctr" anchorCtr="0">
             <a:normAutofit/>
           </a:bodyPr>
           <a:lstStyle>
@@ -2976,7 +3072,7 @@
             </a:lvl9pPr>
           </a:lstStyle>
           <a:p>
-            <a:pPr indent="0" lvl="0" marL="0" rtl="0" algn="r">
+            <a:pPr marL="0" lvl="0" indent="0" algn="r" rtl="0">
               <a:spcBef>
                 <a:spcPts val="0"/>
               </a:spcBef>
@@ -3002,11 +3098,11 @@
 </file>
 
 <file path=ppt/slideLayouts/slideLayout4.xml><?xml version="1.0" encoding="utf-8"?>
-<p:sldLayout xmlns:a="http://schemas.openxmlformats.org/drawingml/2006/main" xmlns:r="http://schemas.openxmlformats.org/officeDocument/2006/relationships" xmlns:mc="http://schemas.openxmlformats.org/markup-compatibility/2006" xmlns:mv="urn:schemas-microsoft-com:mac:vml" xmlns:p="http://schemas.openxmlformats.org/presentationml/2006/main" xmlns:c="http://schemas.openxmlformats.org/drawingml/2006/chart" xmlns:dgm="http://schemas.openxmlformats.org/drawingml/2006/diagram" xmlns:o="urn:schemas-microsoft-com:office:office" xmlns:v="urn:schemas-microsoft-com:vml" xmlns:pvml="urn:schemas-microsoft-com:office:powerpoint" xmlns:com="http://schemas.openxmlformats.org/drawingml/2006/compatibility" xmlns:p14="http://schemas.microsoft.com/office/powerpoint/2010/main" xmlns:p15="http://schemas.microsoft.com/office/powerpoint/2012/main" xmlns:ahyp="http://schemas.microsoft.com/office/drawing/2018/hyperlinkcolor" matchingName="Title and two columns" type="twoColTx">
+<p:sldLayout xmlns:a="http://schemas.openxmlformats.org/drawingml/2006/main" xmlns:r="http://schemas.openxmlformats.org/officeDocument/2006/relationships" xmlns:p="http://schemas.openxmlformats.org/presentationml/2006/main" matchingName="Title and two columns" type="twoColTx">
   <p:cSld name="TITLE_AND_TWO_COLUMNS">
     <p:spTree>
       <p:nvGrpSpPr>
-        <p:cNvPr id="20" name="Shape 20"/>
+        <p:cNvPr id="1" name="Shape 20"/>
         <p:cNvGrpSpPr/>
         <p:nvPr/>
       </p:nvGrpSpPr>
@@ -3021,7 +3117,9 @@
       <p:sp>
         <p:nvSpPr>
           <p:cNvPr id="21" name="Google Shape;21;p5"/>
-          <p:cNvSpPr txBox="1"/>
+          <p:cNvSpPr txBox="1">
+            <a:spLocks noGrp="1"/>
+          </p:cNvSpPr>
           <p:nvPr>
             <p:ph type="title"/>
           </p:nvPr>
@@ -3036,7 +3134,7 @@
           </a:prstGeom>
         </p:spPr>
         <p:txBody>
-          <a:bodyPr anchorCtr="0" anchor="t" bIns="91425" lIns="91425" spcFirstLastPara="1" rIns="91425" wrap="square" tIns="91425">
+          <a:bodyPr spcFirstLastPara="1" wrap="square" lIns="91425" tIns="91425" rIns="91425" bIns="91425" anchor="t" anchorCtr="0">
             <a:normAutofit/>
           </a:bodyPr>
           <a:lstStyle>
@@ -3140,15 +3238,19 @@
               <a:defRPr/>
             </a:lvl9pPr>
           </a:lstStyle>
-          <a:p/>
+          <a:p>
+            <a:endParaRPr/>
+          </a:p>
         </p:txBody>
       </p:sp>
       <p:sp>
         <p:nvSpPr>
           <p:cNvPr id="22" name="Google Shape;22;p5"/>
-          <p:cNvSpPr txBox="1"/>
+          <p:cNvSpPr txBox="1">
+            <a:spLocks noGrp="1"/>
+          </p:cNvSpPr>
           <p:nvPr>
-            <p:ph idx="1" type="body"/>
+            <p:ph type="body" idx="1"/>
           </p:nvPr>
         </p:nvSpPr>
         <p:spPr>
@@ -3161,11 +3263,11 @@
           </a:prstGeom>
         </p:spPr>
         <p:txBody>
-          <a:bodyPr anchorCtr="0" anchor="t" bIns="91425" lIns="91425" spcFirstLastPara="1" rIns="91425" wrap="square" tIns="91425">
+          <a:bodyPr spcFirstLastPara="1" wrap="square" lIns="91425" tIns="91425" rIns="91425" bIns="91425" anchor="t" anchorCtr="0">
             <a:normAutofit/>
           </a:bodyPr>
           <a:lstStyle>
-            <a:lvl1pPr indent="-317500" lvl="0" marL="457200">
+            <a:lvl1pPr marL="457200" lvl="0" indent="-317500">
               <a:spcBef>
                 <a:spcPts val="0"/>
               </a:spcBef>
@@ -3176,7 +3278,7 @@
               <a:buChar char="●"/>
               <a:defRPr sz="1400"/>
             </a:lvl1pPr>
-            <a:lvl2pPr indent="-304800" lvl="1" marL="914400">
+            <a:lvl2pPr marL="914400" lvl="1" indent="-304800">
               <a:spcBef>
                 <a:spcPts val="0"/>
               </a:spcBef>
@@ -3187,7 +3289,7 @@
               <a:buChar char="○"/>
               <a:defRPr sz="1200"/>
             </a:lvl2pPr>
-            <a:lvl3pPr indent="-304800" lvl="2" marL="1371600">
+            <a:lvl3pPr marL="1371600" lvl="2" indent="-304800">
               <a:spcBef>
                 <a:spcPts val="0"/>
               </a:spcBef>
@@ -3198,7 +3300,7 @@
               <a:buChar char="■"/>
               <a:defRPr sz="1200"/>
             </a:lvl3pPr>
-            <a:lvl4pPr indent="-304800" lvl="3" marL="1828800">
+            <a:lvl4pPr marL="1828800" lvl="3" indent="-304800">
               <a:spcBef>
                 <a:spcPts val="0"/>
               </a:spcBef>
@@ -3209,7 +3311,7 @@
               <a:buChar char="●"/>
               <a:defRPr sz="1200"/>
             </a:lvl4pPr>
-            <a:lvl5pPr indent="-304800" lvl="4" marL="2286000">
+            <a:lvl5pPr marL="2286000" lvl="4" indent="-304800">
               <a:spcBef>
                 <a:spcPts val="0"/>
               </a:spcBef>
@@ -3220,7 +3322,7 @@
               <a:buChar char="○"/>
               <a:defRPr sz="1200"/>
             </a:lvl5pPr>
-            <a:lvl6pPr indent="-304800" lvl="5" marL="2743200">
+            <a:lvl6pPr marL="2743200" lvl="5" indent="-304800">
               <a:spcBef>
                 <a:spcPts val="0"/>
               </a:spcBef>
@@ -3231,7 +3333,7 @@
               <a:buChar char="■"/>
               <a:defRPr sz="1200"/>
             </a:lvl6pPr>
-            <a:lvl7pPr indent="-304800" lvl="6" marL="3200400">
+            <a:lvl7pPr marL="3200400" lvl="6" indent="-304800">
               <a:spcBef>
                 <a:spcPts val="0"/>
               </a:spcBef>
@@ -3242,7 +3344,7 @@
               <a:buChar char="●"/>
               <a:defRPr sz="1200"/>
             </a:lvl7pPr>
-            <a:lvl8pPr indent="-304800" lvl="7" marL="3657600">
+            <a:lvl8pPr marL="3657600" lvl="7" indent="-304800">
               <a:spcBef>
                 <a:spcPts val="0"/>
               </a:spcBef>
@@ -3253,7 +3355,7 @@
               <a:buChar char="○"/>
               <a:defRPr sz="1200"/>
             </a:lvl8pPr>
-            <a:lvl9pPr indent="-304800" lvl="8" marL="4114800">
+            <a:lvl9pPr marL="4114800" lvl="8" indent="-304800">
               <a:spcBef>
                 <a:spcPts val="0"/>
               </a:spcBef>
@@ -3265,15 +3367,19 @@
               <a:defRPr sz="1200"/>
             </a:lvl9pPr>
           </a:lstStyle>
-          <a:p/>
+          <a:p>
+            <a:endParaRPr/>
+          </a:p>
         </p:txBody>
       </p:sp>
       <p:sp>
         <p:nvSpPr>
           <p:cNvPr id="23" name="Google Shape;23;p5"/>
-          <p:cNvSpPr txBox="1"/>
+          <p:cNvSpPr txBox="1">
+            <a:spLocks noGrp="1"/>
+          </p:cNvSpPr>
           <p:nvPr>
-            <p:ph idx="2" type="body"/>
+            <p:ph type="body" idx="2"/>
           </p:nvPr>
         </p:nvSpPr>
         <p:spPr>
@@ -3286,11 +3392,11 @@
           </a:prstGeom>
         </p:spPr>
         <p:txBody>
-          <a:bodyPr anchorCtr="0" anchor="t" bIns="91425" lIns="91425" spcFirstLastPara="1" rIns="91425" wrap="square" tIns="91425">
+          <a:bodyPr spcFirstLastPara="1" wrap="square" lIns="91425" tIns="91425" rIns="91425" bIns="91425" anchor="t" anchorCtr="0">
             <a:normAutofit/>
           </a:bodyPr>
           <a:lstStyle>
-            <a:lvl1pPr indent="-317500" lvl="0" marL="457200">
+            <a:lvl1pPr marL="457200" lvl="0" indent="-317500">
               <a:spcBef>
                 <a:spcPts val="0"/>
               </a:spcBef>
@@ -3301,7 +3407,7 @@
               <a:buChar char="●"/>
               <a:defRPr sz="1400"/>
             </a:lvl1pPr>
-            <a:lvl2pPr indent="-304800" lvl="1" marL="914400">
+            <a:lvl2pPr marL="914400" lvl="1" indent="-304800">
               <a:spcBef>
                 <a:spcPts val="0"/>
               </a:spcBef>
@@ -3312,7 +3418,7 @@
               <a:buChar char="○"/>
               <a:defRPr sz="1200"/>
             </a:lvl2pPr>
-            <a:lvl3pPr indent="-304800" lvl="2" marL="1371600">
+            <a:lvl3pPr marL="1371600" lvl="2" indent="-304800">
               <a:spcBef>
                 <a:spcPts val="0"/>
               </a:spcBef>
@@ -3323,7 +3429,7 @@
               <a:buChar char="■"/>
               <a:defRPr sz="1200"/>
             </a:lvl3pPr>
-            <a:lvl4pPr indent="-304800" lvl="3" marL="1828800">
+            <a:lvl4pPr marL="1828800" lvl="3" indent="-304800">
               <a:spcBef>
                 <a:spcPts val="0"/>
               </a:spcBef>
@@ -3334,7 +3440,7 @@
               <a:buChar char="●"/>
               <a:defRPr sz="1200"/>
             </a:lvl4pPr>
-            <a:lvl5pPr indent="-304800" lvl="4" marL="2286000">
+            <a:lvl5pPr marL="2286000" lvl="4" indent="-304800">
               <a:spcBef>
                 <a:spcPts val="0"/>
               </a:spcBef>
@@ -3345,7 +3451,7 @@
               <a:buChar char="○"/>
               <a:defRPr sz="1200"/>
             </a:lvl5pPr>
-            <a:lvl6pPr indent="-304800" lvl="5" marL="2743200">
+            <a:lvl6pPr marL="2743200" lvl="5" indent="-304800">
               <a:spcBef>
                 <a:spcPts val="0"/>
               </a:spcBef>
@@ -3356,7 +3462,7 @@
               <a:buChar char="■"/>
               <a:defRPr sz="1200"/>
             </a:lvl6pPr>
-            <a:lvl7pPr indent="-304800" lvl="6" marL="3200400">
+            <a:lvl7pPr marL="3200400" lvl="6" indent="-304800">
               <a:spcBef>
                 <a:spcPts val="0"/>
               </a:spcBef>
@@ -3367,7 +3473,7 @@
               <a:buChar char="●"/>
               <a:defRPr sz="1200"/>
             </a:lvl7pPr>
-            <a:lvl8pPr indent="-304800" lvl="7" marL="3657600">
+            <a:lvl8pPr marL="3657600" lvl="7" indent="-304800">
               <a:spcBef>
                 <a:spcPts val="0"/>
               </a:spcBef>
@@ -3378,7 +3484,7 @@
               <a:buChar char="○"/>
               <a:defRPr sz="1200"/>
             </a:lvl8pPr>
-            <a:lvl9pPr indent="-304800" lvl="8" marL="4114800">
+            <a:lvl9pPr marL="4114800" lvl="8" indent="-304800">
               <a:spcBef>
                 <a:spcPts val="0"/>
               </a:spcBef>
@@ -3390,15 +3496,19 @@
               <a:defRPr sz="1200"/>
             </a:lvl9pPr>
           </a:lstStyle>
-          <a:p/>
+          <a:p>
+            <a:endParaRPr/>
+          </a:p>
         </p:txBody>
       </p:sp>
       <p:sp>
         <p:nvSpPr>
           <p:cNvPr id="24" name="Google Shape;24;p5"/>
-          <p:cNvSpPr txBox="1"/>
+          <p:cNvSpPr txBox="1">
+            <a:spLocks noGrp="1"/>
+          </p:cNvSpPr>
           <p:nvPr>
-            <p:ph idx="12" type="sldNum"/>
+            <p:ph type="sldNum" idx="12"/>
           </p:nvPr>
         </p:nvSpPr>
         <p:spPr>
@@ -3411,7 +3521,7 @@
           </a:prstGeom>
         </p:spPr>
         <p:txBody>
-          <a:bodyPr anchorCtr="0" anchor="ctr" bIns="91425" lIns="91425" spcFirstLastPara="1" rIns="91425" wrap="square" tIns="91425">
+          <a:bodyPr spcFirstLastPara="1" wrap="square" lIns="91425" tIns="91425" rIns="91425" bIns="91425" anchor="ctr" anchorCtr="0">
             <a:normAutofit/>
           </a:bodyPr>
           <a:lstStyle>
@@ -3453,7 +3563,7 @@
             </a:lvl9pPr>
           </a:lstStyle>
           <a:p>
-            <a:pPr indent="0" lvl="0" marL="0" rtl="0" algn="r">
+            <a:pPr marL="0" lvl="0" indent="0" algn="r" rtl="0">
               <a:spcBef>
                 <a:spcPts val="0"/>
               </a:spcBef>
@@ -3479,11 +3589,11 @@
 </file>
 
 <file path=ppt/slideLayouts/slideLayout5.xml><?xml version="1.0" encoding="utf-8"?>
-<p:sldLayout xmlns:a="http://schemas.openxmlformats.org/drawingml/2006/main" xmlns:r="http://schemas.openxmlformats.org/officeDocument/2006/relationships" xmlns:mc="http://schemas.openxmlformats.org/markup-compatibility/2006" xmlns:mv="urn:schemas-microsoft-com:mac:vml" xmlns:p="http://schemas.openxmlformats.org/presentationml/2006/main" xmlns:c="http://schemas.openxmlformats.org/drawingml/2006/chart" xmlns:dgm="http://schemas.openxmlformats.org/drawingml/2006/diagram" xmlns:o="urn:schemas-microsoft-com:office:office" xmlns:v="urn:schemas-microsoft-com:vml" xmlns:pvml="urn:schemas-microsoft-com:office:powerpoint" xmlns:com="http://schemas.openxmlformats.org/drawingml/2006/compatibility" xmlns:p14="http://schemas.microsoft.com/office/powerpoint/2010/main" xmlns:p15="http://schemas.microsoft.com/office/powerpoint/2012/main" xmlns:ahyp="http://schemas.microsoft.com/office/drawing/2018/hyperlinkcolor" matchingName="Title only" type="titleOnly">
+<p:sldLayout xmlns:a="http://schemas.openxmlformats.org/drawingml/2006/main" xmlns:r="http://schemas.openxmlformats.org/officeDocument/2006/relationships" xmlns:p="http://schemas.openxmlformats.org/presentationml/2006/main" matchingName="Title only" type="titleOnly">
   <p:cSld name="TITLE_ONLY">
     <p:spTree>
       <p:nvGrpSpPr>
-        <p:cNvPr id="25" name="Shape 25"/>
+        <p:cNvPr id="1" name="Shape 25"/>
         <p:cNvGrpSpPr/>
         <p:nvPr/>
       </p:nvGrpSpPr>
@@ -3498,7 +3608,9 @@
       <p:sp>
         <p:nvSpPr>
           <p:cNvPr id="26" name="Google Shape;26;p6"/>
-          <p:cNvSpPr txBox="1"/>
+          <p:cNvSpPr txBox="1">
+            <a:spLocks noGrp="1"/>
+          </p:cNvSpPr>
           <p:nvPr>
             <p:ph type="title"/>
           </p:nvPr>
@@ -3513,7 +3625,7 @@
           </a:prstGeom>
         </p:spPr>
         <p:txBody>
-          <a:bodyPr anchorCtr="0" anchor="t" bIns="91425" lIns="91425" spcFirstLastPara="1" rIns="91425" wrap="square" tIns="91425">
+          <a:bodyPr spcFirstLastPara="1" wrap="square" lIns="91425" tIns="91425" rIns="91425" bIns="91425" anchor="t" anchorCtr="0">
             <a:normAutofit/>
           </a:bodyPr>
           <a:lstStyle>
@@ -3617,15 +3729,19 @@
               <a:defRPr/>
             </a:lvl9pPr>
           </a:lstStyle>
-          <a:p/>
+          <a:p>
+            <a:endParaRPr/>
+          </a:p>
         </p:txBody>
       </p:sp>
       <p:sp>
         <p:nvSpPr>
           <p:cNvPr id="27" name="Google Shape;27;p6"/>
-          <p:cNvSpPr txBox="1"/>
+          <p:cNvSpPr txBox="1">
+            <a:spLocks noGrp="1"/>
+          </p:cNvSpPr>
           <p:nvPr>
-            <p:ph idx="12" type="sldNum"/>
+            <p:ph type="sldNum" idx="12"/>
           </p:nvPr>
         </p:nvSpPr>
         <p:spPr>
@@ -3638,7 +3754,7 @@
           </a:prstGeom>
         </p:spPr>
         <p:txBody>
-          <a:bodyPr anchorCtr="0" anchor="ctr" bIns="91425" lIns="91425" spcFirstLastPara="1" rIns="91425" wrap="square" tIns="91425">
+          <a:bodyPr spcFirstLastPara="1" wrap="square" lIns="91425" tIns="91425" rIns="91425" bIns="91425" anchor="ctr" anchorCtr="0">
             <a:normAutofit/>
           </a:bodyPr>
           <a:lstStyle>
@@ -3680,7 +3796,7 @@
             </a:lvl9pPr>
           </a:lstStyle>
           <a:p>
-            <a:pPr indent="0" lvl="0" marL="0" rtl="0" algn="r">
+            <a:pPr marL="0" lvl="0" indent="0" algn="r" rtl="0">
               <a:spcBef>
                 <a:spcPts val="0"/>
               </a:spcBef>
@@ -3706,11 +3822,11 @@
 </file>
 
 <file path=ppt/slideLayouts/slideLayout6.xml><?xml version="1.0" encoding="utf-8"?>
-<p:sldLayout xmlns:a="http://schemas.openxmlformats.org/drawingml/2006/main" xmlns:r="http://schemas.openxmlformats.org/officeDocument/2006/relationships" xmlns:mc="http://schemas.openxmlformats.org/markup-compatibility/2006" xmlns:mv="urn:schemas-microsoft-com:mac:vml" xmlns:p="http://schemas.openxmlformats.org/presentationml/2006/main" xmlns:c="http://schemas.openxmlformats.org/drawingml/2006/chart" xmlns:dgm="http://schemas.openxmlformats.org/drawingml/2006/diagram" xmlns:o="urn:schemas-microsoft-com:office:office" xmlns:v="urn:schemas-microsoft-com:vml" xmlns:pvml="urn:schemas-microsoft-com:office:powerpoint" xmlns:com="http://schemas.openxmlformats.org/drawingml/2006/compatibility" xmlns:p14="http://schemas.microsoft.com/office/powerpoint/2010/main" xmlns:p15="http://schemas.microsoft.com/office/powerpoint/2012/main" xmlns:ahyp="http://schemas.microsoft.com/office/drawing/2018/hyperlinkcolor" matchingName="One column text">
+<p:sldLayout xmlns:a="http://schemas.openxmlformats.org/drawingml/2006/main" xmlns:r="http://schemas.openxmlformats.org/officeDocument/2006/relationships" xmlns:p="http://schemas.openxmlformats.org/presentationml/2006/main" matchingName="One column text">
   <p:cSld name="ONE_COLUMN_TEXT">
     <p:spTree>
       <p:nvGrpSpPr>
-        <p:cNvPr id="28" name="Shape 28"/>
+        <p:cNvPr id="1" name="Shape 28"/>
         <p:cNvGrpSpPr/>
         <p:nvPr/>
       </p:nvGrpSpPr>
@@ -3725,7 +3841,9 @@
       <p:sp>
         <p:nvSpPr>
           <p:cNvPr id="29" name="Google Shape;29;p7"/>
-          <p:cNvSpPr txBox="1"/>
+          <p:cNvSpPr txBox="1">
+            <a:spLocks noGrp="1"/>
+          </p:cNvSpPr>
           <p:nvPr>
             <p:ph type="title"/>
           </p:nvPr>
@@ -3740,7 +3858,7 @@
           </a:prstGeom>
         </p:spPr>
         <p:txBody>
-          <a:bodyPr anchorCtr="0" anchor="b" bIns="91425" lIns="91425" spcFirstLastPara="1" rIns="91425" wrap="square" tIns="91425">
+          <a:bodyPr spcFirstLastPara="1" wrap="square" lIns="91425" tIns="91425" rIns="91425" bIns="91425" anchor="b" anchorCtr="0">
             <a:normAutofit/>
           </a:bodyPr>
           <a:lstStyle>
@@ -3844,15 +3962,19 @@
               <a:defRPr sz="2400"/>
             </a:lvl9pPr>
           </a:lstStyle>
-          <a:p/>
+          <a:p>
+            <a:endParaRPr/>
+          </a:p>
         </p:txBody>
       </p:sp>
       <p:sp>
         <p:nvSpPr>
           <p:cNvPr id="30" name="Google Shape;30;p7"/>
-          <p:cNvSpPr txBox="1"/>
+          <p:cNvSpPr txBox="1">
+            <a:spLocks noGrp="1"/>
+          </p:cNvSpPr>
           <p:nvPr>
-            <p:ph idx="1" type="body"/>
+            <p:ph type="body" idx="1"/>
           </p:nvPr>
         </p:nvSpPr>
         <p:spPr>
@@ -3865,11 +3987,11 @@
           </a:prstGeom>
         </p:spPr>
         <p:txBody>
-          <a:bodyPr anchorCtr="0" anchor="t" bIns="91425" lIns="91425" spcFirstLastPara="1" rIns="91425" wrap="square" tIns="91425">
+          <a:bodyPr spcFirstLastPara="1" wrap="square" lIns="91425" tIns="91425" rIns="91425" bIns="91425" anchor="t" anchorCtr="0">
             <a:normAutofit/>
           </a:bodyPr>
           <a:lstStyle>
-            <a:lvl1pPr indent="-304800" lvl="0" marL="457200">
+            <a:lvl1pPr marL="457200" lvl="0" indent="-304800">
               <a:spcBef>
                 <a:spcPts val="0"/>
               </a:spcBef>
@@ -3880,7 +4002,7 @@
               <a:buChar char="●"/>
               <a:defRPr sz="1200"/>
             </a:lvl1pPr>
-            <a:lvl2pPr indent="-304800" lvl="1" marL="914400">
+            <a:lvl2pPr marL="914400" lvl="1" indent="-304800">
               <a:spcBef>
                 <a:spcPts val="0"/>
               </a:spcBef>
@@ -3891,7 +4013,7 @@
               <a:buChar char="○"/>
               <a:defRPr sz="1200"/>
             </a:lvl2pPr>
-            <a:lvl3pPr indent="-304800" lvl="2" marL="1371600">
+            <a:lvl3pPr marL="1371600" lvl="2" indent="-304800">
               <a:spcBef>
                 <a:spcPts val="0"/>
               </a:spcBef>
@@ -3902,7 +4024,7 @@
               <a:buChar char="■"/>
               <a:defRPr sz="1200"/>
             </a:lvl3pPr>
-            <a:lvl4pPr indent="-304800" lvl="3" marL="1828800">
+            <a:lvl4pPr marL="1828800" lvl="3" indent="-304800">
               <a:spcBef>
                 <a:spcPts val="0"/>
               </a:spcBef>
@@ -3913,7 +4035,7 @@
               <a:buChar char="●"/>
               <a:defRPr sz="1200"/>
             </a:lvl4pPr>
-            <a:lvl5pPr indent="-304800" lvl="4" marL="2286000">
+            <a:lvl5pPr marL="2286000" lvl="4" indent="-304800">
               <a:spcBef>
                 <a:spcPts val="0"/>
               </a:spcBef>
@@ -3924,7 +4046,7 @@
               <a:buChar char="○"/>
               <a:defRPr sz="1200"/>
             </a:lvl5pPr>
-            <a:lvl6pPr indent="-304800" lvl="5" marL="2743200">
+            <a:lvl6pPr marL="2743200" lvl="5" indent="-304800">
               <a:spcBef>
                 <a:spcPts val="0"/>
               </a:spcBef>
@@ -3935,7 +4057,7 @@
               <a:buChar char="■"/>
               <a:defRPr sz="1200"/>
             </a:lvl6pPr>
-            <a:lvl7pPr indent="-304800" lvl="6" marL="3200400">
+            <a:lvl7pPr marL="3200400" lvl="6" indent="-304800">
               <a:spcBef>
                 <a:spcPts val="0"/>
               </a:spcBef>
@@ -3946,7 +4068,7 @@
               <a:buChar char="●"/>
               <a:defRPr sz="1200"/>
             </a:lvl7pPr>
-            <a:lvl8pPr indent="-304800" lvl="7" marL="3657600">
+            <a:lvl8pPr marL="3657600" lvl="7" indent="-304800">
               <a:spcBef>
                 <a:spcPts val="0"/>
               </a:spcBef>
@@ -3957,7 +4079,7 @@
               <a:buChar char="○"/>
               <a:defRPr sz="1200"/>
             </a:lvl8pPr>
-            <a:lvl9pPr indent="-304800" lvl="8" marL="4114800">
+            <a:lvl9pPr marL="4114800" lvl="8" indent="-304800">
               <a:spcBef>
                 <a:spcPts val="0"/>
               </a:spcBef>
@@ -3969,15 +4091,19 @@
               <a:defRPr sz="1200"/>
             </a:lvl9pPr>
           </a:lstStyle>
-          <a:p/>
+          <a:p>
+            <a:endParaRPr/>
+          </a:p>
         </p:txBody>
       </p:sp>
       <p:sp>
         <p:nvSpPr>
           <p:cNvPr id="31" name="Google Shape;31;p7"/>
-          <p:cNvSpPr txBox="1"/>
+          <p:cNvSpPr txBox="1">
+            <a:spLocks noGrp="1"/>
+          </p:cNvSpPr>
           <p:nvPr>
-            <p:ph idx="12" type="sldNum"/>
+            <p:ph type="sldNum" idx="12"/>
           </p:nvPr>
         </p:nvSpPr>
         <p:spPr>
@@ -3990,7 +4116,7 @@
           </a:prstGeom>
         </p:spPr>
         <p:txBody>
-          <a:bodyPr anchorCtr="0" anchor="ctr" bIns="91425" lIns="91425" spcFirstLastPara="1" rIns="91425" wrap="square" tIns="91425">
+          <a:bodyPr spcFirstLastPara="1" wrap="square" lIns="91425" tIns="91425" rIns="91425" bIns="91425" anchor="ctr" anchorCtr="0">
             <a:normAutofit/>
           </a:bodyPr>
           <a:lstStyle>
@@ -4032,7 +4158,7 @@
             </a:lvl9pPr>
           </a:lstStyle>
           <a:p>
-            <a:pPr indent="0" lvl="0" marL="0" rtl="0" algn="r">
+            <a:pPr marL="0" lvl="0" indent="0" algn="r" rtl="0">
               <a:spcBef>
                 <a:spcPts val="0"/>
               </a:spcBef>
@@ -4058,11 +4184,11 @@
 </file>
 
 <file path=ppt/slideLayouts/slideLayout7.xml><?xml version="1.0" encoding="utf-8"?>
-<p:sldLayout xmlns:a="http://schemas.openxmlformats.org/drawingml/2006/main" xmlns:r="http://schemas.openxmlformats.org/officeDocument/2006/relationships" xmlns:mc="http://schemas.openxmlformats.org/markup-compatibility/2006" xmlns:mv="urn:schemas-microsoft-com:mac:vml" xmlns:p="http://schemas.openxmlformats.org/presentationml/2006/main" xmlns:c="http://schemas.openxmlformats.org/drawingml/2006/chart" xmlns:dgm="http://schemas.openxmlformats.org/drawingml/2006/diagram" xmlns:o="urn:schemas-microsoft-com:office:office" xmlns:v="urn:schemas-microsoft-com:vml" xmlns:pvml="urn:schemas-microsoft-com:office:powerpoint" xmlns:com="http://schemas.openxmlformats.org/drawingml/2006/compatibility" xmlns:p14="http://schemas.microsoft.com/office/powerpoint/2010/main" xmlns:p15="http://schemas.microsoft.com/office/powerpoint/2012/main" xmlns:ahyp="http://schemas.microsoft.com/office/drawing/2018/hyperlinkcolor" matchingName="Main point">
+<p:sldLayout xmlns:a="http://schemas.openxmlformats.org/drawingml/2006/main" xmlns:r="http://schemas.openxmlformats.org/officeDocument/2006/relationships" xmlns:p="http://schemas.openxmlformats.org/presentationml/2006/main" matchingName="Main point">
   <p:cSld name="MAIN_POINT">
     <p:spTree>
       <p:nvGrpSpPr>
-        <p:cNvPr id="32" name="Shape 32"/>
+        <p:cNvPr id="1" name="Shape 32"/>
         <p:cNvGrpSpPr/>
         <p:nvPr/>
       </p:nvGrpSpPr>
@@ -4077,7 +4203,9 @@
       <p:sp>
         <p:nvSpPr>
           <p:cNvPr id="33" name="Google Shape;33;p8"/>
-          <p:cNvSpPr txBox="1"/>
+          <p:cNvSpPr txBox="1">
+            <a:spLocks noGrp="1"/>
+          </p:cNvSpPr>
           <p:nvPr>
             <p:ph type="title"/>
           </p:nvPr>
@@ -4092,7 +4220,7 @@
           </a:prstGeom>
         </p:spPr>
         <p:txBody>
-          <a:bodyPr anchorCtr="0" anchor="ctr" bIns="91425" lIns="91425" spcFirstLastPara="1" rIns="91425" wrap="square" tIns="91425">
+          <a:bodyPr spcFirstLastPara="1" wrap="square" lIns="91425" tIns="91425" rIns="91425" bIns="91425" anchor="ctr" anchorCtr="0">
             <a:normAutofit/>
           </a:bodyPr>
           <a:lstStyle>
@@ -4196,15 +4324,19 @@
               <a:defRPr sz="4800"/>
             </a:lvl9pPr>
           </a:lstStyle>
-          <a:p/>
+          <a:p>
+            <a:endParaRPr/>
+          </a:p>
         </p:txBody>
       </p:sp>
       <p:sp>
         <p:nvSpPr>
           <p:cNvPr id="34" name="Google Shape;34;p8"/>
-          <p:cNvSpPr txBox="1"/>
+          <p:cNvSpPr txBox="1">
+            <a:spLocks noGrp="1"/>
+          </p:cNvSpPr>
           <p:nvPr>
-            <p:ph idx="12" type="sldNum"/>
+            <p:ph type="sldNum" idx="12"/>
           </p:nvPr>
         </p:nvSpPr>
         <p:spPr>
@@ -4217,7 +4349,7 @@
           </a:prstGeom>
         </p:spPr>
         <p:txBody>
-          <a:bodyPr anchorCtr="0" anchor="ctr" bIns="91425" lIns="91425" spcFirstLastPara="1" rIns="91425" wrap="square" tIns="91425">
+          <a:bodyPr spcFirstLastPara="1" wrap="square" lIns="91425" tIns="91425" rIns="91425" bIns="91425" anchor="ctr" anchorCtr="0">
             <a:normAutofit/>
           </a:bodyPr>
           <a:lstStyle>
@@ -4259,7 +4391,7 @@
             </a:lvl9pPr>
           </a:lstStyle>
           <a:p>
-            <a:pPr indent="0" lvl="0" marL="0" rtl="0" algn="r">
+            <a:pPr marL="0" lvl="0" indent="0" algn="r" rtl="0">
               <a:spcBef>
                 <a:spcPts val="0"/>
               </a:spcBef>
@@ -4285,11 +4417,11 @@
 </file>
 
 <file path=ppt/slideLayouts/slideLayout8.xml><?xml version="1.0" encoding="utf-8"?>
-<p:sldLayout xmlns:a="http://schemas.openxmlformats.org/drawingml/2006/main" xmlns:r="http://schemas.openxmlformats.org/officeDocument/2006/relationships" xmlns:mc="http://schemas.openxmlformats.org/markup-compatibility/2006" xmlns:mv="urn:schemas-microsoft-com:mac:vml" xmlns:p="http://schemas.openxmlformats.org/presentationml/2006/main" xmlns:c="http://schemas.openxmlformats.org/drawingml/2006/chart" xmlns:dgm="http://schemas.openxmlformats.org/drawingml/2006/diagram" xmlns:o="urn:schemas-microsoft-com:office:office" xmlns:v="urn:schemas-microsoft-com:vml" xmlns:pvml="urn:schemas-microsoft-com:office:powerpoint" xmlns:com="http://schemas.openxmlformats.org/drawingml/2006/compatibility" xmlns:p14="http://schemas.microsoft.com/office/powerpoint/2010/main" xmlns:p15="http://schemas.microsoft.com/office/powerpoint/2012/main" xmlns:ahyp="http://schemas.microsoft.com/office/drawing/2018/hyperlinkcolor" matchingName="Section title and description">
+<p:sldLayout xmlns:a="http://schemas.openxmlformats.org/drawingml/2006/main" xmlns:r="http://schemas.openxmlformats.org/officeDocument/2006/relationships" xmlns:p="http://schemas.openxmlformats.org/presentationml/2006/main" matchingName="Section title and description">
   <p:cSld name="SECTION_TITLE_AND_DESCRIPTION">
     <p:spTree>
       <p:nvGrpSpPr>
-        <p:cNvPr id="35" name="Shape 35"/>
+        <p:cNvPr id="1" name="Shape 35"/>
         <p:cNvGrpSpPr/>
         <p:nvPr/>
       </p:nvGrpSpPr>
@@ -4323,12 +4455,12 @@
           </a:ln>
         </p:spPr>
         <p:txBody>
-          <a:bodyPr anchorCtr="0" anchor="ctr" bIns="91425" lIns="91425" spcFirstLastPara="1" rIns="91425" wrap="square" tIns="91425">
+          <a:bodyPr spcFirstLastPara="1" wrap="square" lIns="91425" tIns="91425" rIns="91425" bIns="91425" anchor="ctr" anchorCtr="0">
             <a:noAutofit/>
           </a:bodyPr>
           <a:lstStyle/>
           <a:p>
-            <a:pPr indent="0" lvl="0" marL="0" rtl="0" algn="l">
+            <a:pPr marL="0" lvl="0" indent="0" algn="l" rtl="0">
               <a:spcBef>
                 <a:spcPts val="0"/>
               </a:spcBef>
@@ -4337,9 +4469,6 @@
               </a:spcAft>
               <a:buNone/>
             </a:pPr>
-            <a:r>
-              <a:t/>
-            </a:r>
             <a:endParaRPr/>
           </a:p>
         </p:txBody>
@@ -4347,7 +4476,9 @@
       <p:sp>
         <p:nvSpPr>
           <p:cNvPr id="37" name="Google Shape;37;p9"/>
-          <p:cNvSpPr txBox="1"/>
+          <p:cNvSpPr txBox="1">
+            <a:spLocks noGrp="1"/>
+          </p:cNvSpPr>
           <p:nvPr>
             <p:ph type="title"/>
           </p:nvPr>
@@ -4362,7 +4493,7 @@
           </a:prstGeom>
         </p:spPr>
         <p:txBody>
-          <a:bodyPr anchorCtr="0" anchor="b" bIns="91425" lIns="91425" spcFirstLastPara="1" rIns="91425" wrap="square" tIns="91425">
+          <a:bodyPr spcFirstLastPara="1" wrap="square" lIns="91425" tIns="91425" rIns="91425" bIns="91425" anchor="b" anchorCtr="0">
             <a:normAutofit/>
           </a:bodyPr>
           <a:lstStyle>
@@ -4466,15 +4597,19 @@
               <a:defRPr sz="4200"/>
             </a:lvl9pPr>
           </a:lstStyle>
-          <a:p/>
+          <a:p>
+            <a:endParaRPr/>
+          </a:p>
         </p:txBody>
       </p:sp>
       <p:sp>
         <p:nvSpPr>
           <p:cNvPr id="38" name="Google Shape;38;p9"/>
-          <p:cNvSpPr txBox="1"/>
+          <p:cNvSpPr txBox="1">
+            <a:spLocks noGrp="1"/>
+          </p:cNvSpPr>
           <p:nvPr>
-            <p:ph idx="1" type="subTitle"/>
+            <p:ph type="subTitle" idx="1"/>
           </p:nvPr>
         </p:nvSpPr>
         <p:spPr>
@@ -4487,7 +4622,7 @@
           </a:prstGeom>
         </p:spPr>
         <p:txBody>
-          <a:bodyPr anchorCtr="0" anchor="t" bIns="91425" lIns="91425" spcFirstLastPara="1" rIns="91425" wrap="square" tIns="91425">
+          <a:bodyPr spcFirstLastPara="1" wrap="square" lIns="91425" tIns="91425" rIns="91425" bIns="91425" anchor="t" anchorCtr="0">
             <a:normAutofit/>
           </a:bodyPr>
           <a:lstStyle>
@@ -4618,15 +4753,19 @@
               <a:defRPr sz="2100"/>
             </a:lvl9pPr>
           </a:lstStyle>
-          <a:p/>
+          <a:p>
+            <a:endParaRPr/>
+          </a:p>
         </p:txBody>
       </p:sp>
       <p:sp>
         <p:nvSpPr>
           <p:cNvPr id="39" name="Google Shape;39;p9"/>
-          <p:cNvSpPr txBox="1"/>
+          <p:cNvSpPr txBox="1">
+            <a:spLocks noGrp="1"/>
+          </p:cNvSpPr>
           <p:nvPr>
-            <p:ph idx="2" type="body"/>
+            <p:ph type="body" idx="2"/>
           </p:nvPr>
         </p:nvSpPr>
         <p:spPr>
@@ -4639,11 +4778,11 @@
           </a:prstGeom>
         </p:spPr>
         <p:txBody>
-          <a:bodyPr anchorCtr="0" anchor="ctr" bIns="91425" lIns="91425" spcFirstLastPara="1" rIns="91425" wrap="square" tIns="91425">
+          <a:bodyPr spcFirstLastPara="1" wrap="square" lIns="91425" tIns="91425" rIns="91425" bIns="91425" anchor="ctr" anchorCtr="0">
             <a:normAutofit/>
           </a:bodyPr>
           <a:lstStyle>
-            <a:lvl1pPr indent="-342900" lvl="0" marL="457200">
+            <a:lvl1pPr marL="457200" lvl="0" indent="-342900">
               <a:spcBef>
                 <a:spcPts val="0"/>
               </a:spcBef>
@@ -4661,7 +4800,7 @@
                 </a:solidFill>
               </a:defRPr>
             </a:lvl1pPr>
-            <a:lvl2pPr indent="-317500" lvl="1" marL="914400">
+            <a:lvl2pPr marL="914400" lvl="1" indent="-317500">
               <a:spcBef>
                 <a:spcPts val="0"/>
               </a:spcBef>
@@ -4679,7 +4818,7 @@
                 </a:solidFill>
               </a:defRPr>
             </a:lvl2pPr>
-            <a:lvl3pPr indent="-317500" lvl="2" marL="1371600">
+            <a:lvl3pPr marL="1371600" lvl="2" indent="-317500">
               <a:spcBef>
                 <a:spcPts val="0"/>
               </a:spcBef>
@@ -4697,7 +4836,7 @@
                 </a:solidFill>
               </a:defRPr>
             </a:lvl3pPr>
-            <a:lvl4pPr indent="-317500" lvl="3" marL="1828800">
+            <a:lvl4pPr marL="1828800" lvl="3" indent="-317500">
               <a:spcBef>
                 <a:spcPts val="0"/>
               </a:spcBef>
@@ -4715,7 +4854,7 @@
                 </a:solidFill>
               </a:defRPr>
             </a:lvl4pPr>
-            <a:lvl5pPr indent="-317500" lvl="4" marL="2286000">
+            <a:lvl5pPr marL="2286000" lvl="4" indent="-317500">
               <a:spcBef>
                 <a:spcPts val="0"/>
               </a:spcBef>
@@ -4733,7 +4872,7 @@
                 </a:solidFill>
               </a:defRPr>
             </a:lvl5pPr>
-            <a:lvl6pPr indent="-317500" lvl="5" marL="2743200">
+            <a:lvl6pPr marL="2743200" lvl="5" indent="-317500">
               <a:spcBef>
                 <a:spcPts val="0"/>
               </a:spcBef>
@@ -4751,7 +4890,7 @@
                 </a:solidFill>
               </a:defRPr>
             </a:lvl6pPr>
-            <a:lvl7pPr indent="-317500" lvl="6" marL="3200400">
+            <a:lvl7pPr marL="3200400" lvl="6" indent="-317500">
               <a:spcBef>
                 <a:spcPts val="0"/>
               </a:spcBef>
@@ -4769,7 +4908,7 @@
                 </a:solidFill>
               </a:defRPr>
             </a:lvl7pPr>
-            <a:lvl8pPr indent="-317500" lvl="7" marL="3657600">
+            <a:lvl8pPr marL="3657600" lvl="7" indent="-317500">
               <a:spcBef>
                 <a:spcPts val="0"/>
               </a:spcBef>
@@ -4787,7 +4926,7 @@
                 </a:solidFill>
               </a:defRPr>
             </a:lvl8pPr>
-            <a:lvl9pPr indent="-317500" lvl="8" marL="4114800">
+            <a:lvl9pPr marL="4114800" lvl="8" indent="-317500">
               <a:spcBef>
                 <a:spcPts val="0"/>
               </a:spcBef>
@@ -4806,15 +4945,19 @@
               </a:defRPr>
             </a:lvl9pPr>
           </a:lstStyle>
-          <a:p/>
+          <a:p>
+            <a:endParaRPr/>
+          </a:p>
         </p:txBody>
       </p:sp>
       <p:sp>
         <p:nvSpPr>
           <p:cNvPr id="40" name="Google Shape;40;p9"/>
-          <p:cNvSpPr txBox="1"/>
+          <p:cNvSpPr txBox="1">
+            <a:spLocks noGrp="1"/>
+          </p:cNvSpPr>
           <p:nvPr>
-            <p:ph idx="12" type="sldNum"/>
+            <p:ph type="sldNum" idx="12"/>
           </p:nvPr>
         </p:nvSpPr>
         <p:spPr>
@@ -4827,7 +4970,7 @@
           </a:prstGeom>
         </p:spPr>
         <p:txBody>
-          <a:bodyPr anchorCtr="0" anchor="ctr" bIns="91425" lIns="91425" spcFirstLastPara="1" rIns="91425" wrap="square" tIns="91425">
+          <a:bodyPr spcFirstLastPara="1" wrap="square" lIns="91425" tIns="91425" rIns="91425" bIns="91425" anchor="ctr" anchorCtr="0">
             <a:normAutofit/>
           </a:bodyPr>
           <a:lstStyle>
@@ -4869,7 +5012,7 @@
             </a:lvl9pPr>
           </a:lstStyle>
           <a:p>
-            <a:pPr indent="0" lvl="0" marL="0" rtl="0" algn="r">
+            <a:pPr marL="0" lvl="0" indent="0" algn="r" rtl="0">
               <a:spcBef>
                 <a:spcPts val="0"/>
               </a:spcBef>
@@ -4895,11 +5038,11 @@
 </file>
 
 <file path=ppt/slideLayouts/slideLayout9.xml><?xml version="1.0" encoding="utf-8"?>
-<p:sldLayout xmlns:a="http://schemas.openxmlformats.org/drawingml/2006/main" xmlns:r="http://schemas.openxmlformats.org/officeDocument/2006/relationships" xmlns:mc="http://schemas.openxmlformats.org/markup-compatibility/2006" xmlns:mv="urn:schemas-microsoft-com:mac:vml" xmlns:p="http://schemas.openxmlformats.org/presentationml/2006/main" xmlns:c="http://schemas.openxmlformats.org/drawingml/2006/chart" xmlns:dgm="http://schemas.openxmlformats.org/drawingml/2006/diagram" xmlns:o="urn:schemas-microsoft-com:office:office" xmlns:v="urn:schemas-microsoft-com:vml" xmlns:pvml="urn:schemas-microsoft-com:office:powerpoint" xmlns:com="http://schemas.openxmlformats.org/drawingml/2006/compatibility" xmlns:p14="http://schemas.microsoft.com/office/powerpoint/2010/main" xmlns:p15="http://schemas.microsoft.com/office/powerpoint/2012/main" xmlns:ahyp="http://schemas.microsoft.com/office/drawing/2018/hyperlinkcolor" matchingName="Caption">
+<p:sldLayout xmlns:a="http://schemas.openxmlformats.org/drawingml/2006/main" xmlns:r="http://schemas.openxmlformats.org/officeDocument/2006/relationships" xmlns:p="http://schemas.openxmlformats.org/presentationml/2006/main" matchingName="Caption">
   <p:cSld name="CAPTION_ONLY">
     <p:spTree>
       <p:nvGrpSpPr>
-        <p:cNvPr id="41" name="Shape 41"/>
+        <p:cNvPr id="1" name="Shape 41"/>
         <p:cNvGrpSpPr/>
         <p:nvPr/>
       </p:nvGrpSpPr>
@@ -4914,9 +5057,11 @@
       <p:sp>
         <p:nvSpPr>
           <p:cNvPr id="42" name="Google Shape;42;p10"/>
-          <p:cNvSpPr txBox="1"/>
+          <p:cNvSpPr txBox="1">
+            <a:spLocks noGrp="1"/>
+          </p:cNvSpPr>
           <p:nvPr>
-            <p:ph idx="1" type="body"/>
+            <p:ph type="body" idx="1"/>
           </p:nvPr>
         </p:nvSpPr>
         <p:spPr>
@@ -4929,11 +5074,11 @@
           </a:prstGeom>
         </p:spPr>
         <p:txBody>
-          <a:bodyPr anchorCtr="0" anchor="ctr" bIns="91425" lIns="91425" spcFirstLastPara="1" rIns="91425" wrap="square" tIns="91425">
+          <a:bodyPr spcFirstLastPara="1" wrap="square" lIns="91425" tIns="91425" rIns="91425" bIns="91425" anchor="ctr" anchorCtr="0">
             <a:normAutofit/>
           </a:bodyPr>
           <a:lstStyle>
-            <a:lvl1pPr indent="-228600" lvl="0" marL="457200">
+            <a:lvl1pPr marL="457200" lvl="0" indent="-228600">
               <a:lnSpc>
                 <a:spcPct val="100000"/>
               </a:lnSpc>
@@ -4948,15 +5093,19 @@
               <a:defRPr/>
             </a:lvl1pPr>
           </a:lstStyle>
-          <a:p/>
+          <a:p>
+            <a:endParaRPr/>
+          </a:p>
         </p:txBody>
       </p:sp>
       <p:sp>
         <p:nvSpPr>
           <p:cNvPr id="43" name="Google Shape;43;p10"/>
-          <p:cNvSpPr txBox="1"/>
+          <p:cNvSpPr txBox="1">
+            <a:spLocks noGrp="1"/>
+          </p:cNvSpPr>
           <p:nvPr>
-            <p:ph idx="12" type="sldNum"/>
+            <p:ph type="sldNum" idx="12"/>
           </p:nvPr>
         </p:nvSpPr>
         <p:spPr>
@@ -4969,7 +5118,7 @@
           </a:prstGeom>
         </p:spPr>
         <p:txBody>
-          <a:bodyPr anchorCtr="0" anchor="ctr" bIns="91425" lIns="91425" spcFirstLastPara="1" rIns="91425" wrap="square" tIns="91425">
+          <a:bodyPr spcFirstLastPara="1" wrap="square" lIns="91425" tIns="91425" rIns="91425" bIns="91425" anchor="ctr" anchorCtr="0">
             <a:normAutofit/>
           </a:bodyPr>
           <a:lstStyle>
@@ -5011,7 +5160,7 @@
             </a:lvl9pPr>
           </a:lstStyle>
           <a:p>
-            <a:pPr indent="0" lvl="0" marL="0" rtl="0" algn="r">
+            <a:pPr marL="0" lvl="0" indent="0" algn="r" rtl="0">
               <a:spcBef>
                 <a:spcPts val="0"/>
               </a:spcBef>
@@ -5037,18 +5186,19 @@
 </file>
 
 <file path=ppt/slideMasters/slideMaster1.xml><?xml version="1.0" encoding="utf-8"?>
-<p:sldMaster xmlns:a="http://schemas.openxmlformats.org/drawingml/2006/main" xmlns:r="http://schemas.openxmlformats.org/officeDocument/2006/relationships" xmlns:mc="http://schemas.openxmlformats.org/markup-compatibility/2006" xmlns:mv="urn:schemas-microsoft-com:mac:vml" xmlns:p="http://schemas.openxmlformats.org/presentationml/2006/main" xmlns:c="http://schemas.openxmlformats.org/drawingml/2006/chart" xmlns:dgm="http://schemas.openxmlformats.org/drawingml/2006/diagram" xmlns:o="urn:schemas-microsoft-com:office:office" xmlns:v="urn:schemas-microsoft-com:vml" xmlns:pvml="urn:schemas-microsoft-com:office:powerpoint" xmlns:com="http://schemas.openxmlformats.org/drawingml/2006/compatibility" xmlns:p14="http://schemas.microsoft.com/office/powerpoint/2010/main" xmlns:p15="http://schemas.microsoft.com/office/powerpoint/2012/main" xmlns:ahyp="http://schemas.microsoft.com/office/drawing/2018/hyperlinkcolor">
+<p:sldMaster xmlns:a="http://schemas.openxmlformats.org/drawingml/2006/main" xmlns:r="http://schemas.openxmlformats.org/officeDocument/2006/relationships" xmlns:p="http://schemas.openxmlformats.org/presentationml/2006/main">
   <p:cSld name="simple-dark-2">
     <p:bg>
       <p:bgPr>
         <a:solidFill>
           <a:schemeClr val="lt1"/>
         </a:solidFill>
+        <a:effectLst/>
       </p:bgPr>
     </p:bg>
     <p:spTree>
       <p:nvGrpSpPr>
-        <p:cNvPr id="5" name="Shape 5"/>
+        <p:cNvPr id="1" name="Shape 5"/>
         <p:cNvGrpSpPr/>
         <p:nvPr/>
       </p:nvGrpSpPr>
@@ -5063,7 +5213,9 @@
       <p:sp>
         <p:nvSpPr>
           <p:cNvPr id="6" name="Google Shape;6;p1"/>
-          <p:cNvSpPr txBox="1"/>
+          <p:cNvSpPr txBox="1">
+            <a:spLocks noGrp="1"/>
+          </p:cNvSpPr>
           <p:nvPr>
             <p:ph type="title"/>
           </p:nvPr>
@@ -5082,7 +5234,7 @@
           </a:ln>
         </p:spPr>
         <p:txBody>
-          <a:bodyPr anchorCtr="0" anchor="t" bIns="91425" lIns="91425" spcFirstLastPara="1" rIns="91425" wrap="square" tIns="91425">
+          <a:bodyPr spcFirstLastPara="1" wrap="square" lIns="91425" tIns="91425" rIns="91425" bIns="91425" anchor="t" anchorCtr="0">
             <a:normAutofit/>
           </a:bodyPr>
           <a:lstStyle>
@@ -5249,15 +5401,19 @@
               </a:defRPr>
             </a:lvl9pPr>
           </a:lstStyle>
-          <a:p/>
+          <a:p>
+            <a:endParaRPr/>
+          </a:p>
         </p:txBody>
       </p:sp>
       <p:sp>
         <p:nvSpPr>
           <p:cNvPr id="7" name="Google Shape;7;p1"/>
-          <p:cNvSpPr txBox="1"/>
+          <p:cNvSpPr txBox="1">
+            <a:spLocks noGrp="1"/>
+          </p:cNvSpPr>
           <p:nvPr>
-            <p:ph idx="1" type="body"/>
+            <p:ph type="body" idx="1"/>
           </p:nvPr>
         </p:nvSpPr>
         <p:spPr>
@@ -5274,11 +5430,11 @@
           </a:ln>
         </p:spPr>
         <p:txBody>
-          <a:bodyPr anchorCtr="0" anchor="t" bIns="91425" lIns="91425" spcFirstLastPara="1" rIns="91425" wrap="square" tIns="91425">
+          <a:bodyPr spcFirstLastPara="1" wrap="square" lIns="91425" tIns="91425" rIns="91425" bIns="91425" anchor="t" anchorCtr="0">
             <a:normAutofit/>
           </a:bodyPr>
           <a:lstStyle>
-            <a:lvl1pPr indent="-342900" lvl="0" marL="457200">
+            <a:lvl1pPr marL="457200" lvl="0" indent="-342900">
               <a:lnSpc>
                 <a:spcPct val="115000"/>
               </a:lnSpc>
@@ -5299,7 +5455,7 @@
                 </a:solidFill>
               </a:defRPr>
             </a:lvl1pPr>
-            <a:lvl2pPr indent="-317500" lvl="1" marL="914400">
+            <a:lvl2pPr marL="914400" lvl="1" indent="-317500">
               <a:lnSpc>
                 <a:spcPct val="115000"/>
               </a:lnSpc>
@@ -5320,7 +5476,7 @@
                 </a:solidFill>
               </a:defRPr>
             </a:lvl2pPr>
-            <a:lvl3pPr indent="-317500" lvl="2" marL="1371600">
+            <a:lvl3pPr marL="1371600" lvl="2" indent="-317500">
               <a:lnSpc>
                 <a:spcPct val="115000"/>
               </a:lnSpc>
@@ -5341,7 +5497,7 @@
                 </a:solidFill>
               </a:defRPr>
             </a:lvl3pPr>
-            <a:lvl4pPr indent="-317500" lvl="3" marL="1828800">
+            <a:lvl4pPr marL="1828800" lvl="3" indent="-317500">
               <a:lnSpc>
                 <a:spcPct val="115000"/>
               </a:lnSpc>
@@ -5362,7 +5518,7 @@
                 </a:solidFill>
               </a:defRPr>
             </a:lvl4pPr>
-            <a:lvl5pPr indent="-317500" lvl="4" marL="2286000">
+            <a:lvl5pPr marL="2286000" lvl="4" indent="-317500">
               <a:lnSpc>
                 <a:spcPct val="115000"/>
               </a:lnSpc>
@@ -5383,7 +5539,7 @@
                 </a:solidFill>
               </a:defRPr>
             </a:lvl5pPr>
-            <a:lvl6pPr indent="-317500" lvl="5" marL="2743200">
+            <a:lvl6pPr marL="2743200" lvl="5" indent="-317500">
               <a:lnSpc>
                 <a:spcPct val="115000"/>
               </a:lnSpc>
@@ -5404,7 +5560,7 @@
                 </a:solidFill>
               </a:defRPr>
             </a:lvl6pPr>
-            <a:lvl7pPr indent="-317500" lvl="6" marL="3200400">
+            <a:lvl7pPr marL="3200400" lvl="6" indent="-317500">
               <a:lnSpc>
                 <a:spcPct val="115000"/>
               </a:lnSpc>
@@ -5425,7 +5581,7 @@
                 </a:solidFill>
               </a:defRPr>
             </a:lvl7pPr>
-            <a:lvl8pPr indent="-317500" lvl="7" marL="3657600">
+            <a:lvl8pPr marL="3657600" lvl="7" indent="-317500">
               <a:lnSpc>
                 <a:spcPct val="115000"/>
               </a:lnSpc>
@@ -5446,7 +5602,7 @@
                 </a:solidFill>
               </a:defRPr>
             </a:lvl8pPr>
-            <a:lvl9pPr indent="-317500" lvl="8" marL="4114800">
+            <a:lvl9pPr marL="4114800" lvl="8" indent="-317500">
               <a:lnSpc>
                 <a:spcPct val="115000"/>
               </a:lnSpc>
@@ -5468,15 +5624,19 @@
               </a:defRPr>
             </a:lvl9pPr>
           </a:lstStyle>
-          <a:p/>
+          <a:p>
+            <a:endParaRPr/>
+          </a:p>
         </p:txBody>
       </p:sp>
       <p:sp>
         <p:nvSpPr>
           <p:cNvPr id="8" name="Google Shape;8;p1"/>
-          <p:cNvSpPr txBox="1"/>
+          <p:cNvSpPr txBox="1">
+            <a:spLocks noGrp="1"/>
+          </p:cNvSpPr>
           <p:nvPr>
-            <p:ph idx="12" type="sldNum"/>
+            <p:ph type="sldNum" idx="12"/>
           </p:nvPr>
         </p:nvSpPr>
         <p:spPr>
@@ -5493,7 +5653,7 @@
           </a:ln>
         </p:spPr>
         <p:txBody>
-          <a:bodyPr anchorCtr="0" anchor="ctr" bIns="91425" lIns="91425" spcFirstLastPara="1" rIns="91425" wrap="square" tIns="91425">
+          <a:bodyPr spcFirstLastPara="1" wrap="square" lIns="91425" tIns="91425" rIns="91425" bIns="91425" anchor="ctr" anchorCtr="0">
             <a:normAutofit/>
           </a:bodyPr>
           <a:lstStyle>
@@ -5571,7 +5731,7 @@
             </a:lvl9pPr>
           </a:lstStyle>
           <a:p>
-            <a:pPr indent="0" lvl="0" marL="0" rtl="0" algn="r">
+            <a:pPr marL="0" lvl="0" indent="0" algn="r" rtl="0">
               <a:spcBef>
                 <a:spcPts val="0"/>
               </a:spcBef>
@@ -5590,7 +5750,7 @@
       </p:sp>
     </p:spTree>
   </p:cSld>
-  <p:clrMap accent1="accent1" accent2="accent2" accent3="accent3" accent4="accent4" accent5="accent5" accent6="accent6" bg1="lt1" bg2="dk2" tx1="dk1" tx2="lt2" folHlink="folHlink" hlink="hlink"/>
+  <p:clrMap bg1="lt1" tx1="dk1" bg2="dk2" tx2="lt2" accent1="accent1" accent2="accent2" accent3="accent3" accent4="accent4" accent5="accent5" accent6="accent6" hlink="hlink" folHlink="folHlink"/>
   <p:sldLayoutIdLst>
     <p:sldLayoutId id="2147483648" r:id="rId1"/>
     <p:sldLayoutId id="2147483649" r:id="rId2"/>
@@ -5604,10 +5764,10 @@
     <p:sldLayoutId id="2147483657" r:id="rId10"/>
     <p:sldLayoutId id="2147483658" r:id="rId11"/>
   </p:sldLayoutIdLst>
-  <p:hf dt="0" ftr="0" hdr="0" sldNum="0"/>
+  <p:hf sldNum="0" hdr="0" ftr="0" dt="0"/>
   <p:txStyles>
     <p:titleStyle>
-      <a:defPPr lvl="0" marR="0" rtl="0" algn="l">
+      <a:defPPr marR="0" lvl="0" algn="l" rtl="0">
         <a:lnSpc>
           <a:spcPct val="100000"/>
         </a:lnSpc>
@@ -5618,7 +5778,7 @@
           <a:spcPts val="0"/>
         </a:spcAft>
       </a:defPPr>
-      <a:lvl1pPr lvl="0" marR="0" rtl="0" algn="l">
+      <a:lvl1pPr marR="0" lvl="0" algn="l" rtl="0">
         <a:lnSpc>
           <a:spcPct val="100000"/>
         </a:lnSpc>
@@ -5632,7 +5792,7 @@
           <a:srgbClr val="000000"/>
         </a:buClr>
         <a:buFont typeface="Arial"/>
-        <a:defRPr b="0" i="0" sz="1400" u="none" cap="none" strike="noStrike">
+        <a:defRPr sz="1400" b="0" i="0" u="none" strike="noStrike" cap="none">
           <a:solidFill>
             <a:srgbClr val="000000"/>
           </a:solidFill>
@@ -5642,7 +5802,7 @@
           <a:sym typeface="Arial"/>
         </a:defRPr>
       </a:lvl1pPr>
-      <a:lvl2pPr lvl="1" marR="0" rtl="0" algn="l">
+      <a:lvl2pPr marR="0" lvl="1" algn="l" rtl="0">
         <a:lnSpc>
           <a:spcPct val="100000"/>
         </a:lnSpc>
@@ -5656,7 +5816,7 @@
           <a:srgbClr val="000000"/>
         </a:buClr>
         <a:buFont typeface="Arial"/>
-        <a:defRPr b="0" i="0" sz="1400" u="none" cap="none" strike="noStrike">
+        <a:defRPr sz="1400" b="0" i="0" u="none" strike="noStrike" cap="none">
           <a:solidFill>
             <a:srgbClr val="000000"/>
           </a:solidFill>
@@ -5666,7 +5826,7 @@
           <a:sym typeface="Arial"/>
         </a:defRPr>
       </a:lvl2pPr>
-      <a:lvl3pPr lvl="2" marR="0" rtl="0" algn="l">
+      <a:lvl3pPr marR="0" lvl="2" algn="l" rtl="0">
         <a:lnSpc>
           <a:spcPct val="100000"/>
         </a:lnSpc>
@@ -5680,7 +5840,7 @@
           <a:srgbClr val="000000"/>
         </a:buClr>
         <a:buFont typeface="Arial"/>
-        <a:defRPr b="0" i="0" sz="1400" u="none" cap="none" strike="noStrike">
+        <a:defRPr sz="1400" b="0" i="0" u="none" strike="noStrike" cap="none">
           <a:solidFill>
             <a:srgbClr val="000000"/>
           </a:solidFill>
@@ -5690,7 +5850,7 @@
           <a:sym typeface="Arial"/>
         </a:defRPr>
       </a:lvl3pPr>
-      <a:lvl4pPr lvl="3" marR="0" rtl="0" algn="l">
+      <a:lvl4pPr marR="0" lvl="3" algn="l" rtl="0">
         <a:lnSpc>
           <a:spcPct val="100000"/>
         </a:lnSpc>
@@ -5704,7 +5864,7 @@
           <a:srgbClr val="000000"/>
         </a:buClr>
         <a:buFont typeface="Arial"/>
-        <a:defRPr b="0" i="0" sz="1400" u="none" cap="none" strike="noStrike">
+        <a:defRPr sz="1400" b="0" i="0" u="none" strike="noStrike" cap="none">
           <a:solidFill>
             <a:srgbClr val="000000"/>
           </a:solidFill>
@@ -5714,7 +5874,7 @@
           <a:sym typeface="Arial"/>
         </a:defRPr>
       </a:lvl4pPr>
-      <a:lvl5pPr lvl="4" marR="0" rtl="0" algn="l">
+      <a:lvl5pPr marR="0" lvl="4" algn="l" rtl="0">
         <a:lnSpc>
           <a:spcPct val="100000"/>
         </a:lnSpc>
@@ -5728,7 +5888,7 @@
           <a:srgbClr val="000000"/>
         </a:buClr>
         <a:buFont typeface="Arial"/>
-        <a:defRPr b="0" i="0" sz="1400" u="none" cap="none" strike="noStrike">
+        <a:defRPr sz="1400" b="0" i="0" u="none" strike="noStrike" cap="none">
           <a:solidFill>
             <a:srgbClr val="000000"/>
           </a:solidFill>
@@ -5738,7 +5898,7 @@
           <a:sym typeface="Arial"/>
         </a:defRPr>
       </a:lvl5pPr>
-      <a:lvl6pPr lvl="5" marR="0" rtl="0" algn="l">
+      <a:lvl6pPr marR="0" lvl="5" algn="l" rtl="0">
         <a:lnSpc>
           <a:spcPct val="100000"/>
         </a:lnSpc>
@@ -5752,7 +5912,7 @@
           <a:srgbClr val="000000"/>
         </a:buClr>
         <a:buFont typeface="Arial"/>
-        <a:defRPr b="0" i="0" sz="1400" u="none" cap="none" strike="noStrike">
+        <a:defRPr sz="1400" b="0" i="0" u="none" strike="noStrike" cap="none">
           <a:solidFill>
             <a:srgbClr val="000000"/>
           </a:solidFill>
@@ -5762,7 +5922,7 @@
           <a:sym typeface="Arial"/>
         </a:defRPr>
       </a:lvl6pPr>
-      <a:lvl7pPr lvl="6" marR="0" rtl="0" algn="l">
+      <a:lvl7pPr marR="0" lvl="6" algn="l" rtl="0">
         <a:lnSpc>
           <a:spcPct val="100000"/>
         </a:lnSpc>
@@ -5776,7 +5936,7 @@
           <a:srgbClr val="000000"/>
         </a:buClr>
         <a:buFont typeface="Arial"/>
-        <a:defRPr b="0" i="0" sz="1400" u="none" cap="none" strike="noStrike">
+        <a:defRPr sz="1400" b="0" i="0" u="none" strike="noStrike" cap="none">
           <a:solidFill>
             <a:srgbClr val="000000"/>
           </a:solidFill>
@@ -5786,7 +5946,7 @@
           <a:sym typeface="Arial"/>
         </a:defRPr>
       </a:lvl7pPr>
-      <a:lvl8pPr lvl="7" marR="0" rtl="0" algn="l">
+      <a:lvl8pPr marR="0" lvl="7" algn="l" rtl="0">
         <a:lnSpc>
           <a:spcPct val="100000"/>
         </a:lnSpc>
@@ -5800,7 +5960,7 @@
           <a:srgbClr val="000000"/>
         </a:buClr>
         <a:buFont typeface="Arial"/>
-        <a:defRPr b="0" i="0" sz="1400" u="none" cap="none" strike="noStrike">
+        <a:defRPr sz="1400" b="0" i="0" u="none" strike="noStrike" cap="none">
           <a:solidFill>
             <a:srgbClr val="000000"/>
           </a:solidFill>
@@ -5810,7 +5970,7 @@
           <a:sym typeface="Arial"/>
         </a:defRPr>
       </a:lvl8pPr>
-      <a:lvl9pPr lvl="8" marR="0" rtl="0" algn="l">
+      <a:lvl9pPr marR="0" lvl="8" algn="l" rtl="0">
         <a:lnSpc>
           <a:spcPct val="100000"/>
         </a:lnSpc>
@@ -5824,7 +5984,7 @@
           <a:srgbClr val="000000"/>
         </a:buClr>
         <a:buFont typeface="Arial"/>
-        <a:defRPr b="0" i="0" sz="1400" u="none" cap="none" strike="noStrike">
+        <a:defRPr sz="1400" b="0" i="0" u="none" strike="noStrike" cap="none">
           <a:solidFill>
             <a:srgbClr val="000000"/>
           </a:solidFill>
@@ -5836,7 +5996,7 @@
       </a:lvl9pPr>
     </p:titleStyle>
     <p:bodyStyle>
-      <a:defPPr lvl="0" marR="0" rtl="0" algn="l">
+      <a:defPPr marR="0" lvl="0" algn="l" rtl="0">
         <a:lnSpc>
           <a:spcPct val="100000"/>
         </a:lnSpc>
@@ -5847,7 +6007,7 @@
           <a:spcPts val="0"/>
         </a:spcAft>
       </a:defPPr>
-      <a:lvl1pPr lvl="0" marR="0" rtl="0" algn="l">
+      <a:lvl1pPr marR="0" lvl="0" algn="l" rtl="0">
         <a:lnSpc>
           <a:spcPct val="100000"/>
         </a:lnSpc>
@@ -5861,7 +6021,7 @@
           <a:srgbClr val="000000"/>
         </a:buClr>
         <a:buFont typeface="Arial"/>
-        <a:defRPr b="0" i="0" sz="1400" u="none" cap="none" strike="noStrike">
+        <a:defRPr sz="1400" b="0" i="0" u="none" strike="noStrike" cap="none">
           <a:solidFill>
             <a:srgbClr val="000000"/>
           </a:solidFill>
@@ -5871,7 +6031,7 @@
           <a:sym typeface="Arial"/>
         </a:defRPr>
       </a:lvl1pPr>
-      <a:lvl2pPr lvl="1" marR="0" rtl="0" algn="l">
+      <a:lvl2pPr marR="0" lvl="1" algn="l" rtl="0">
         <a:lnSpc>
           <a:spcPct val="100000"/>
         </a:lnSpc>
@@ -5885,7 +6045,7 @@
           <a:srgbClr val="000000"/>
         </a:buClr>
         <a:buFont typeface="Arial"/>
-        <a:defRPr b="0" i="0" sz="1400" u="none" cap="none" strike="noStrike">
+        <a:defRPr sz="1400" b="0" i="0" u="none" strike="noStrike" cap="none">
           <a:solidFill>
             <a:srgbClr val="000000"/>
           </a:solidFill>
@@ -5895,7 +6055,7 @@
           <a:sym typeface="Arial"/>
         </a:defRPr>
       </a:lvl2pPr>
-      <a:lvl3pPr lvl="2" marR="0" rtl="0" algn="l">
+      <a:lvl3pPr marR="0" lvl="2" algn="l" rtl="0">
         <a:lnSpc>
           <a:spcPct val="100000"/>
         </a:lnSpc>
@@ -5909,7 +6069,7 @@
           <a:srgbClr val="000000"/>
         </a:buClr>
         <a:buFont typeface="Arial"/>
-        <a:defRPr b="0" i="0" sz="1400" u="none" cap="none" strike="noStrike">
+        <a:defRPr sz="1400" b="0" i="0" u="none" strike="noStrike" cap="none">
           <a:solidFill>
             <a:srgbClr val="000000"/>
           </a:solidFill>
@@ -5919,7 +6079,7 @@
           <a:sym typeface="Arial"/>
         </a:defRPr>
       </a:lvl3pPr>
-      <a:lvl4pPr lvl="3" marR="0" rtl="0" algn="l">
+      <a:lvl4pPr marR="0" lvl="3" algn="l" rtl="0">
         <a:lnSpc>
           <a:spcPct val="100000"/>
         </a:lnSpc>
@@ -5933,7 +6093,7 @@
           <a:srgbClr val="000000"/>
         </a:buClr>
         <a:buFont typeface="Arial"/>
-        <a:defRPr b="0" i="0" sz="1400" u="none" cap="none" strike="noStrike">
+        <a:defRPr sz="1400" b="0" i="0" u="none" strike="noStrike" cap="none">
           <a:solidFill>
             <a:srgbClr val="000000"/>
           </a:solidFill>
@@ -5943,7 +6103,7 @@
           <a:sym typeface="Arial"/>
         </a:defRPr>
       </a:lvl4pPr>
-      <a:lvl5pPr lvl="4" marR="0" rtl="0" algn="l">
+      <a:lvl5pPr marR="0" lvl="4" algn="l" rtl="0">
         <a:lnSpc>
           <a:spcPct val="100000"/>
         </a:lnSpc>
@@ -5957,7 +6117,7 @@
           <a:srgbClr val="000000"/>
         </a:buClr>
         <a:buFont typeface="Arial"/>
-        <a:defRPr b="0" i="0" sz="1400" u="none" cap="none" strike="noStrike">
+        <a:defRPr sz="1400" b="0" i="0" u="none" strike="noStrike" cap="none">
           <a:solidFill>
             <a:srgbClr val="000000"/>
           </a:solidFill>
@@ -5967,7 +6127,7 @@
           <a:sym typeface="Arial"/>
         </a:defRPr>
       </a:lvl5pPr>
-      <a:lvl6pPr lvl="5" marR="0" rtl="0" algn="l">
+      <a:lvl6pPr marR="0" lvl="5" algn="l" rtl="0">
         <a:lnSpc>
           <a:spcPct val="100000"/>
         </a:lnSpc>
@@ -5981,7 +6141,7 @@
           <a:srgbClr val="000000"/>
         </a:buClr>
         <a:buFont typeface="Arial"/>
-        <a:defRPr b="0" i="0" sz="1400" u="none" cap="none" strike="noStrike">
+        <a:defRPr sz="1400" b="0" i="0" u="none" strike="noStrike" cap="none">
           <a:solidFill>
             <a:srgbClr val="000000"/>
           </a:solidFill>
@@ -5991,7 +6151,7 @@
           <a:sym typeface="Arial"/>
         </a:defRPr>
       </a:lvl6pPr>
-      <a:lvl7pPr lvl="6" marR="0" rtl="0" algn="l">
+      <a:lvl7pPr marR="0" lvl="6" algn="l" rtl="0">
         <a:lnSpc>
           <a:spcPct val="100000"/>
         </a:lnSpc>
@@ -6005,7 +6165,7 @@
           <a:srgbClr val="000000"/>
         </a:buClr>
         <a:buFont typeface="Arial"/>
-        <a:defRPr b="0" i="0" sz="1400" u="none" cap="none" strike="noStrike">
+        <a:defRPr sz="1400" b="0" i="0" u="none" strike="noStrike" cap="none">
           <a:solidFill>
             <a:srgbClr val="000000"/>
           </a:solidFill>
@@ -6015,7 +6175,7 @@
           <a:sym typeface="Arial"/>
         </a:defRPr>
       </a:lvl7pPr>
-      <a:lvl8pPr lvl="7" marR="0" rtl="0" algn="l">
+      <a:lvl8pPr marR="0" lvl="7" algn="l" rtl="0">
         <a:lnSpc>
           <a:spcPct val="100000"/>
         </a:lnSpc>
@@ -6029,7 +6189,7 @@
           <a:srgbClr val="000000"/>
         </a:buClr>
         <a:buFont typeface="Arial"/>
-        <a:defRPr b="0" i="0" sz="1400" u="none" cap="none" strike="noStrike">
+        <a:defRPr sz="1400" b="0" i="0" u="none" strike="noStrike" cap="none">
           <a:solidFill>
             <a:srgbClr val="000000"/>
           </a:solidFill>
@@ -6039,7 +6199,7 @@
           <a:sym typeface="Arial"/>
         </a:defRPr>
       </a:lvl8pPr>
-      <a:lvl9pPr lvl="8" marR="0" rtl="0" algn="l">
+      <a:lvl9pPr marR="0" lvl="8" algn="l" rtl="0">
         <a:lnSpc>
           <a:spcPct val="100000"/>
         </a:lnSpc>
@@ -6053,7 +6213,7 @@
           <a:srgbClr val="000000"/>
         </a:buClr>
         <a:buFont typeface="Arial"/>
-        <a:defRPr b="0" i="0" sz="1400" u="none" cap="none" strike="noStrike">
+        <a:defRPr sz="1400" b="0" i="0" u="none" strike="noStrike" cap="none">
           <a:solidFill>
             <a:srgbClr val="000000"/>
           </a:solidFill>
@@ -6065,7 +6225,7 @@
       </a:lvl9pPr>
     </p:bodyStyle>
     <p:otherStyle>
-      <a:defPPr lvl="0" marR="0" rtl="0" algn="l">
+      <a:defPPr marR="0" lvl="0" algn="l" rtl="0">
         <a:lnSpc>
           <a:spcPct val="100000"/>
         </a:lnSpc>
@@ -6076,7 +6236,7 @@
           <a:spcPts val="0"/>
         </a:spcAft>
       </a:defPPr>
-      <a:lvl1pPr lvl="0" marR="0" rtl="0" algn="l">
+      <a:lvl1pPr marR="0" lvl="0" algn="l" rtl="0">
         <a:lnSpc>
           <a:spcPct val="100000"/>
         </a:lnSpc>
@@ -6090,7 +6250,7 @@
           <a:srgbClr val="000000"/>
         </a:buClr>
         <a:buFont typeface="Arial"/>
-        <a:defRPr b="0" i="0" sz="1400" u="none" cap="none" strike="noStrike">
+        <a:defRPr sz="1400" b="0" i="0" u="none" strike="noStrike" cap="none">
           <a:solidFill>
             <a:srgbClr val="000000"/>
           </a:solidFill>
@@ -6100,7 +6260,7 @@
           <a:sym typeface="Arial"/>
         </a:defRPr>
       </a:lvl1pPr>
-      <a:lvl2pPr lvl="1" marR="0" rtl="0" algn="l">
+      <a:lvl2pPr marR="0" lvl="1" algn="l" rtl="0">
         <a:lnSpc>
           <a:spcPct val="100000"/>
         </a:lnSpc>
@@ -6114,7 +6274,7 @@
           <a:srgbClr val="000000"/>
         </a:buClr>
         <a:buFont typeface="Arial"/>
-        <a:defRPr b="0" i="0" sz="1400" u="none" cap="none" strike="noStrike">
+        <a:defRPr sz="1400" b="0" i="0" u="none" strike="noStrike" cap="none">
           <a:solidFill>
             <a:srgbClr val="000000"/>
           </a:solidFill>
@@ -6124,7 +6284,7 @@
           <a:sym typeface="Arial"/>
         </a:defRPr>
       </a:lvl2pPr>
-      <a:lvl3pPr lvl="2" marR="0" rtl="0" algn="l">
+      <a:lvl3pPr marR="0" lvl="2" algn="l" rtl="0">
         <a:lnSpc>
           <a:spcPct val="100000"/>
         </a:lnSpc>
@@ -6138,7 +6298,7 @@
           <a:srgbClr val="000000"/>
         </a:buClr>
         <a:buFont typeface="Arial"/>
-        <a:defRPr b="0" i="0" sz="1400" u="none" cap="none" strike="noStrike">
+        <a:defRPr sz="1400" b="0" i="0" u="none" strike="noStrike" cap="none">
           <a:solidFill>
             <a:srgbClr val="000000"/>
           </a:solidFill>
@@ -6148,7 +6308,7 @@
           <a:sym typeface="Arial"/>
         </a:defRPr>
       </a:lvl3pPr>
-      <a:lvl4pPr lvl="3" marR="0" rtl="0" algn="l">
+      <a:lvl4pPr marR="0" lvl="3" algn="l" rtl="0">
         <a:lnSpc>
           <a:spcPct val="100000"/>
         </a:lnSpc>
@@ -6162,7 +6322,7 @@
           <a:srgbClr val="000000"/>
         </a:buClr>
         <a:buFont typeface="Arial"/>
-        <a:defRPr b="0" i="0" sz="1400" u="none" cap="none" strike="noStrike">
+        <a:defRPr sz="1400" b="0" i="0" u="none" strike="noStrike" cap="none">
           <a:solidFill>
             <a:srgbClr val="000000"/>
           </a:solidFill>
@@ -6172,7 +6332,7 @@
           <a:sym typeface="Arial"/>
         </a:defRPr>
       </a:lvl4pPr>
-      <a:lvl5pPr lvl="4" marR="0" rtl="0" algn="l">
+      <a:lvl5pPr marR="0" lvl="4" algn="l" rtl="0">
         <a:lnSpc>
           <a:spcPct val="100000"/>
         </a:lnSpc>
@@ -6186,7 +6346,7 @@
           <a:srgbClr val="000000"/>
         </a:buClr>
         <a:buFont typeface="Arial"/>
-        <a:defRPr b="0" i="0" sz="1400" u="none" cap="none" strike="noStrike">
+        <a:defRPr sz="1400" b="0" i="0" u="none" strike="noStrike" cap="none">
           <a:solidFill>
             <a:srgbClr val="000000"/>
           </a:solidFill>
@@ -6196,7 +6356,7 @@
           <a:sym typeface="Arial"/>
         </a:defRPr>
       </a:lvl5pPr>
-      <a:lvl6pPr lvl="5" marR="0" rtl="0" algn="l">
+      <a:lvl6pPr marR="0" lvl="5" algn="l" rtl="0">
         <a:lnSpc>
           <a:spcPct val="100000"/>
         </a:lnSpc>
@@ -6210,7 +6370,7 @@
           <a:srgbClr val="000000"/>
         </a:buClr>
         <a:buFont typeface="Arial"/>
-        <a:defRPr b="0" i="0" sz="1400" u="none" cap="none" strike="noStrike">
+        <a:defRPr sz="1400" b="0" i="0" u="none" strike="noStrike" cap="none">
           <a:solidFill>
             <a:srgbClr val="000000"/>
           </a:solidFill>
@@ -6220,7 +6380,7 @@
           <a:sym typeface="Arial"/>
         </a:defRPr>
       </a:lvl6pPr>
-      <a:lvl7pPr lvl="6" marR="0" rtl="0" algn="l">
+      <a:lvl7pPr marR="0" lvl="6" algn="l" rtl="0">
         <a:lnSpc>
           <a:spcPct val="100000"/>
         </a:lnSpc>
@@ -6234,7 +6394,7 @@
           <a:srgbClr val="000000"/>
         </a:buClr>
         <a:buFont typeface="Arial"/>
-        <a:defRPr b="0" i="0" sz="1400" u="none" cap="none" strike="noStrike">
+        <a:defRPr sz="1400" b="0" i="0" u="none" strike="noStrike" cap="none">
           <a:solidFill>
             <a:srgbClr val="000000"/>
           </a:solidFill>
@@ -6244,7 +6404,7 @@
           <a:sym typeface="Arial"/>
         </a:defRPr>
       </a:lvl7pPr>
-      <a:lvl8pPr lvl="7" marR="0" rtl="0" algn="l">
+      <a:lvl8pPr marR="0" lvl="7" algn="l" rtl="0">
         <a:lnSpc>
           <a:spcPct val="100000"/>
         </a:lnSpc>
@@ -6258,7 +6418,7 @@
           <a:srgbClr val="000000"/>
         </a:buClr>
         <a:buFont typeface="Arial"/>
-        <a:defRPr b="0" i="0" sz="1400" u="none" cap="none" strike="noStrike">
+        <a:defRPr sz="1400" b="0" i="0" u="none" strike="noStrike" cap="none">
           <a:solidFill>
             <a:srgbClr val="000000"/>
           </a:solidFill>
@@ -6268,7 +6428,7 @@
           <a:sym typeface="Arial"/>
         </a:defRPr>
       </a:lvl8pPr>
-      <a:lvl9pPr lvl="8" marR="0" rtl="0" algn="l">
+      <a:lvl9pPr marR="0" lvl="8" algn="l" rtl="0">
         <a:lnSpc>
           <a:spcPct val="100000"/>
         </a:lnSpc>
@@ -6282,7 +6442,7 @@
           <a:srgbClr val="000000"/>
         </a:buClr>
         <a:buFont typeface="Arial"/>
-        <a:defRPr b="0" i="0" sz="1400" u="none" cap="none" strike="noStrike">
+        <a:defRPr sz="1400" b="0" i="0" u="none" strike="noStrike" cap="none">
           <a:solidFill>
             <a:srgbClr val="000000"/>
           </a:solidFill>
@@ -6298,11 +6458,11 @@
 </file>
 
 <file path=ppt/slides/slide1.xml><?xml version="1.0" encoding="utf-8"?>
-<p:sld xmlns:a="http://schemas.openxmlformats.org/drawingml/2006/main" xmlns:r="http://schemas.openxmlformats.org/officeDocument/2006/relationships" xmlns:mc="http://schemas.openxmlformats.org/markup-compatibility/2006" xmlns:mv="urn:schemas-microsoft-com:mac:vml" xmlns:p="http://schemas.openxmlformats.org/presentationml/2006/main" xmlns:c="http://schemas.openxmlformats.org/drawingml/2006/chart" xmlns:dgm="http://schemas.openxmlformats.org/drawingml/2006/diagram" xmlns:o="urn:schemas-microsoft-com:office:office" xmlns:v="urn:schemas-microsoft-com:vml" xmlns:pvml="urn:schemas-microsoft-com:office:powerpoint" xmlns:com="http://schemas.openxmlformats.org/drawingml/2006/compatibility" xmlns:p14="http://schemas.microsoft.com/office/powerpoint/2010/main" xmlns:p15="http://schemas.microsoft.com/office/powerpoint/2012/main" xmlns:ahyp="http://schemas.microsoft.com/office/drawing/2018/hyperlinkcolor">
+<p:sld xmlns:a="http://schemas.openxmlformats.org/drawingml/2006/main" xmlns:r="http://schemas.openxmlformats.org/officeDocument/2006/relationships" xmlns:p="http://schemas.openxmlformats.org/presentationml/2006/main">
   <p:cSld>
     <p:spTree>
       <p:nvGrpSpPr>
-        <p:cNvPr id="53" name="Shape 53"/>
+        <p:cNvPr id="1" name="Shape 53"/>
         <p:cNvGrpSpPr/>
         <p:nvPr/>
       </p:nvGrpSpPr>
@@ -6317,7 +6477,9 @@
       <p:sp>
         <p:nvSpPr>
           <p:cNvPr id="54" name="Google Shape;54;p13"/>
-          <p:cNvSpPr txBox="1"/>
+          <p:cNvSpPr txBox="1">
+            <a:spLocks noGrp="1"/>
+          </p:cNvSpPr>
           <p:nvPr>
             <p:ph type="ctrTitle"/>
           </p:nvPr>
@@ -6332,12 +6494,12 @@
           </a:prstGeom>
         </p:spPr>
         <p:txBody>
-          <a:bodyPr anchorCtr="0" anchor="b" bIns="91425" lIns="91425" spcFirstLastPara="1" rIns="91425" wrap="square" tIns="91425">
+          <a:bodyPr spcFirstLastPara="1" wrap="square" lIns="91425" tIns="91425" rIns="91425" bIns="91425" anchor="b" anchorCtr="0">
             <a:normAutofit/>
           </a:bodyPr>
           <a:lstStyle/>
           <a:p>
-            <a:pPr indent="0" lvl="0" marL="0" rtl="0" algn="ctr">
+            <a:pPr marL="0" lvl="0" indent="0" algn="ctr" rtl="0">
               <a:spcBef>
                 <a:spcPts val="0"/>
               </a:spcBef>
@@ -6357,9 +6519,11 @@
       <p:sp>
         <p:nvSpPr>
           <p:cNvPr id="55" name="Google Shape;55;p13"/>
-          <p:cNvSpPr txBox="1"/>
+          <p:cNvSpPr txBox="1">
+            <a:spLocks noGrp="1"/>
+          </p:cNvSpPr>
           <p:nvPr>
-            <p:ph idx="1" type="subTitle"/>
+            <p:ph type="subTitle" idx="1"/>
           </p:nvPr>
         </p:nvSpPr>
         <p:spPr>
@@ -6372,12 +6536,12 @@
           </a:prstGeom>
         </p:spPr>
         <p:txBody>
-          <a:bodyPr anchorCtr="0" anchor="t" bIns="91425" lIns="91425" spcFirstLastPara="1" rIns="91425" wrap="square" tIns="91425">
+          <a:bodyPr spcFirstLastPara="1" wrap="square" lIns="91425" tIns="91425" rIns="91425" bIns="91425" anchor="t" anchorCtr="0">
             <a:normAutofit fontScale="62500" lnSpcReduction="20000"/>
           </a:bodyPr>
           <a:lstStyle/>
           <a:p>
-            <a:pPr indent="0" lvl="0" marL="0" rtl="0" algn="ctr">
+            <a:pPr marL="0" lvl="0" indent="0" algn="ctr" rtl="0">
               <a:spcBef>
                 <a:spcPts val="0"/>
               </a:spcBef>
@@ -6401,7 +6565,7 @@
             </a:endParaRPr>
           </a:p>
           <a:p>
-            <a:pPr indent="0" lvl="0" marL="0" rtl="0" algn="ctr">
+            <a:pPr marL="0" lvl="0" indent="0" algn="ctr" rtl="0">
               <a:spcBef>
                 <a:spcPts val="0"/>
               </a:spcBef>
@@ -6410,9 +6574,6 @@
               </a:spcAft>
               <a:buNone/>
             </a:pPr>
-            <a:r>
-              <a:t/>
-            </a:r>
             <a:endParaRPr>
               <a:solidFill>
                 <a:schemeClr val="dk1"/>
@@ -6420,7 +6581,7 @@
             </a:endParaRPr>
           </a:p>
           <a:p>
-            <a:pPr indent="0" lvl="0" marL="0" rtl="0" algn="ctr">
+            <a:pPr marL="0" lvl="0" indent="0" algn="ctr" rtl="0">
               <a:spcBef>
                 <a:spcPts val="0"/>
               </a:spcBef>
@@ -6446,11 +6607,11 @@
 </file>
 
 <file path=ppt/slides/slide2.xml><?xml version="1.0" encoding="utf-8"?>
-<p:sld xmlns:a="http://schemas.openxmlformats.org/drawingml/2006/main" xmlns:r="http://schemas.openxmlformats.org/officeDocument/2006/relationships" xmlns:mc="http://schemas.openxmlformats.org/markup-compatibility/2006" xmlns:mv="urn:schemas-microsoft-com:mac:vml" xmlns:p="http://schemas.openxmlformats.org/presentationml/2006/main" xmlns:c="http://schemas.openxmlformats.org/drawingml/2006/chart" xmlns:dgm="http://schemas.openxmlformats.org/drawingml/2006/diagram" xmlns:o="urn:schemas-microsoft-com:office:office" xmlns:v="urn:schemas-microsoft-com:vml" xmlns:pvml="urn:schemas-microsoft-com:office:powerpoint" xmlns:com="http://schemas.openxmlformats.org/drawingml/2006/compatibility" xmlns:p14="http://schemas.microsoft.com/office/powerpoint/2010/main" xmlns:p15="http://schemas.microsoft.com/office/powerpoint/2012/main" xmlns:ahyp="http://schemas.microsoft.com/office/drawing/2018/hyperlinkcolor">
+<p:sld xmlns:a="http://schemas.openxmlformats.org/drawingml/2006/main" xmlns:r="http://schemas.openxmlformats.org/officeDocument/2006/relationships" xmlns:p="http://schemas.openxmlformats.org/presentationml/2006/main">
   <p:cSld>
     <p:spTree>
       <p:nvGrpSpPr>
-        <p:cNvPr id="59" name="Shape 59"/>
+        <p:cNvPr id="1" name="Shape 59"/>
         <p:cNvGrpSpPr/>
         <p:nvPr/>
       </p:nvGrpSpPr>
@@ -6465,7 +6626,9 @@
       <p:sp>
         <p:nvSpPr>
           <p:cNvPr id="60" name="Google Shape;60;p14"/>
-          <p:cNvSpPr txBox="1"/>
+          <p:cNvSpPr txBox="1">
+            <a:spLocks noGrp="1"/>
+          </p:cNvSpPr>
           <p:nvPr>
             <p:ph type="title"/>
           </p:nvPr>
@@ -6480,12 +6643,12 @@
           </a:prstGeom>
         </p:spPr>
         <p:txBody>
-          <a:bodyPr anchorCtr="0" anchor="t" bIns="91425" lIns="91425" spcFirstLastPara="1" rIns="91425" wrap="square" tIns="91425">
+          <a:bodyPr spcFirstLastPara="1" wrap="square" lIns="91425" tIns="91425" rIns="91425" bIns="91425" anchor="t" anchorCtr="0">
             <a:normAutofit fontScale="90000"/>
           </a:bodyPr>
           <a:lstStyle/>
           <a:p>
-            <a:pPr indent="0" lvl="0" marL="0" rtl="0" algn="l">
+            <a:pPr marL="0" lvl="0" indent="0" algn="l" rtl="0">
               <a:spcBef>
                 <a:spcPts val="0"/>
               </a:spcBef>
@@ -6505,9 +6668,11 @@
       <p:sp>
         <p:nvSpPr>
           <p:cNvPr id="61" name="Google Shape;61;p14"/>
-          <p:cNvSpPr txBox="1"/>
+          <p:cNvSpPr txBox="1">
+            <a:spLocks noGrp="1"/>
+          </p:cNvSpPr>
           <p:nvPr>
-            <p:ph idx="1" type="body"/>
+            <p:ph type="body" idx="1"/>
           </p:nvPr>
         </p:nvSpPr>
         <p:spPr>
@@ -6520,12 +6685,12 @@
           </a:prstGeom>
         </p:spPr>
         <p:txBody>
-          <a:bodyPr anchorCtr="0" anchor="t" bIns="91425" lIns="91425" spcFirstLastPara="1" rIns="91425" wrap="square" tIns="91425">
+          <a:bodyPr spcFirstLastPara="1" wrap="square" lIns="91425" tIns="91425" rIns="91425" bIns="91425" anchor="t" anchorCtr="0">
             <a:normAutofit/>
           </a:bodyPr>
           <a:lstStyle/>
           <a:p>
-            <a:pPr indent="0" lvl="0" marL="0" rtl="0" algn="l">
+            <a:pPr marL="0" lvl="0" indent="0" algn="l" rtl="0">
               <a:spcBef>
                 <a:spcPts val="0"/>
               </a:spcBef>
@@ -6541,7 +6706,7 @@
             <a:endParaRPr/>
           </a:p>
           <a:p>
-            <a:pPr indent="-342900" lvl="0" marL="457200" rtl="0" algn="l">
+            <a:pPr marL="457200" lvl="0" indent="-342900" algn="l" rtl="0">
               <a:spcBef>
                 <a:spcPts val="1200"/>
               </a:spcBef>
@@ -6558,7 +6723,7 @@
             <a:endParaRPr/>
           </a:p>
           <a:p>
-            <a:pPr indent="-342900" lvl="0" marL="457200" rtl="0" algn="l">
+            <a:pPr marL="457200" lvl="0" indent="-342900" algn="l" rtl="0">
               <a:spcBef>
                 <a:spcPts val="0"/>
               </a:spcBef>
@@ -6575,7 +6740,7 @@
             <a:endParaRPr/>
           </a:p>
           <a:p>
-            <a:pPr indent="0" lvl="0" marL="0" rtl="0" algn="l">
+            <a:pPr marL="0" lvl="0" indent="0" algn="l" rtl="0">
               <a:spcBef>
                 <a:spcPts val="1200"/>
               </a:spcBef>
@@ -6591,7 +6756,7 @@
             <a:endParaRPr/>
           </a:p>
           <a:p>
-            <a:pPr indent="-342900" lvl="0" marL="457200" rtl="0" algn="l">
+            <a:pPr marL="457200" lvl="0" indent="-342900" algn="l" rtl="0">
               <a:spcBef>
                 <a:spcPts val="1200"/>
               </a:spcBef>
@@ -6608,7 +6773,7 @@
             <a:endParaRPr/>
           </a:p>
           <a:p>
-            <a:pPr indent="-342900" lvl="0" marL="457200" rtl="0" algn="l">
+            <a:pPr marL="457200" lvl="0" indent="-342900" algn="l" rtl="0">
               <a:spcBef>
                 <a:spcPts val="0"/>
               </a:spcBef>
@@ -6635,11 +6800,11 @@
 </file>
 
 <file path=ppt/slides/slide3.xml><?xml version="1.0" encoding="utf-8"?>
-<p:sld xmlns:a="http://schemas.openxmlformats.org/drawingml/2006/main" xmlns:r="http://schemas.openxmlformats.org/officeDocument/2006/relationships" xmlns:mc="http://schemas.openxmlformats.org/markup-compatibility/2006" xmlns:mv="urn:schemas-microsoft-com:mac:vml" xmlns:p="http://schemas.openxmlformats.org/presentationml/2006/main" xmlns:c="http://schemas.openxmlformats.org/drawingml/2006/chart" xmlns:dgm="http://schemas.openxmlformats.org/drawingml/2006/diagram" xmlns:o="urn:schemas-microsoft-com:office:office" xmlns:v="urn:schemas-microsoft-com:vml" xmlns:pvml="urn:schemas-microsoft-com:office:powerpoint" xmlns:com="http://schemas.openxmlformats.org/drawingml/2006/compatibility" xmlns:p14="http://schemas.microsoft.com/office/powerpoint/2010/main" xmlns:p15="http://schemas.microsoft.com/office/powerpoint/2012/main" xmlns:ahyp="http://schemas.microsoft.com/office/drawing/2018/hyperlinkcolor">
+<p:sld xmlns:a="http://schemas.openxmlformats.org/drawingml/2006/main" xmlns:r="http://schemas.openxmlformats.org/officeDocument/2006/relationships" xmlns:p="http://schemas.openxmlformats.org/presentationml/2006/main">
   <p:cSld>
     <p:spTree>
       <p:nvGrpSpPr>
-        <p:cNvPr id="65" name="Shape 65"/>
+        <p:cNvPr id="1" name="Shape 65"/>
         <p:cNvGrpSpPr/>
         <p:nvPr/>
       </p:nvGrpSpPr>
@@ -6654,9 +6819,11 @@
       <p:sp>
         <p:nvSpPr>
           <p:cNvPr id="66" name="Google Shape;66;p15"/>
-          <p:cNvSpPr txBox="1"/>
+          <p:cNvSpPr txBox="1">
+            <a:spLocks noGrp="1"/>
+          </p:cNvSpPr>
           <p:nvPr>
-            <p:ph idx="1" type="body"/>
+            <p:ph type="body" idx="1"/>
           </p:nvPr>
         </p:nvSpPr>
         <p:spPr>
@@ -6669,12 +6836,12 @@
           </a:prstGeom>
         </p:spPr>
         <p:txBody>
-          <a:bodyPr anchorCtr="0" anchor="t" bIns="91425" lIns="91425" spcFirstLastPara="1" rIns="91425" wrap="square" tIns="91425">
+          <a:bodyPr spcFirstLastPara="1" wrap="square" lIns="91425" tIns="91425" rIns="91425" bIns="91425" anchor="t" anchorCtr="0">
             <a:normAutofit/>
           </a:bodyPr>
           <a:lstStyle/>
           <a:p>
-            <a:pPr indent="-342900" lvl="0" marL="457200" rtl="0" algn="l">
+            <a:pPr marL="457200" lvl="0" indent="-342900" algn="l" rtl="0">
               <a:spcBef>
                 <a:spcPts val="0"/>
               </a:spcBef>
@@ -6691,7 +6858,7 @@
             <a:endParaRPr/>
           </a:p>
           <a:p>
-            <a:pPr indent="-342900" lvl="0" marL="457200" rtl="0" algn="l">
+            <a:pPr marL="457200" lvl="0" indent="-342900" algn="l" rtl="0">
               <a:spcBef>
                 <a:spcPts val="0"/>
               </a:spcBef>
@@ -6703,16 +6870,12 @@
             </a:pPr>
             <a:r>
               <a:rPr lang="en"/>
-              <a:t>The HTML code is accessed </a:t>
+              <a:t>The HTML code is accessed through the PHP file that pulls from the server</a:t>
             </a:r>
-            <a:r>
-              <a:rPr lang="en"/>
-              <a:t>through the PHP file that pulls from the server</a:t>
-            </a:r>
-            <a:endParaRPr/>
-          </a:p>
-          <a:p>
-            <a:pPr indent="-342900" lvl="0" marL="457200" rtl="0" algn="l">
+            <a:endParaRPr/>
+          </a:p>
+          <a:p>
+            <a:pPr marL="457200" lvl="0" indent="-342900" algn="l" rtl="0">
               <a:spcBef>
                 <a:spcPts val="0"/>
               </a:spcBef>
@@ -6729,7 +6892,7 @@
             <a:endParaRPr/>
           </a:p>
           <a:p>
-            <a:pPr indent="0" lvl="0" marL="0" rtl="0" algn="l">
+            <a:pPr marL="0" lvl="0" indent="0" algn="l" rtl="0">
               <a:spcBef>
                 <a:spcPts val="1200"/>
               </a:spcBef>
@@ -6738,13 +6901,10 @@
               </a:spcAft>
               <a:buNone/>
             </a:pPr>
-            <a:r>
-              <a:t/>
-            </a:r>
-            <a:endParaRPr/>
-          </a:p>
-          <a:p>
-            <a:pPr indent="0" lvl="0" marL="0" rtl="0" algn="l">
+            <a:endParaRPr/>
+          </a:p>
+          <a:p>
+            <a:pPr marL="0" lvl="0" indent="0" algn="l" rtl="0">
               <a:spcBef>
                 <a:spcPts val="1200"/>
               </a:spcBef>
@@ -6764,7 +6924,9 @@
       <p:sp>
         <p:nvSpPr>
           <p:cNvPr id="67" name="Google Shape;67;p15"/>
-          <p:cNvSpPr txBox="1"/>
+          <p:cNvSpPr txBox="1">
+            <a:spLocks noGrp="1"/>
+          </p:cNvSpPr>
           <p:nvPr>
             <p:ph type="title"/>
           </p:nvPr>
@@ -6779,12 +6941,12 @@
           </a:prstGeom>
         </p:spPr>
         <p:txBody>
-          <a:bodyPr anchorCtr="0" anchor="t" bIns="91425" lIns="91425" spcFirstLastPara="1" rIns="91425" wrap="square" tIns="91425">
+          <a:bodyPr spcFirstLastPara="1" wrap="square" lIns="91425" tIns="91425" rIns="91425" bIns="91425" anchor="t" anchorCtr="0">
             <a:normAutofit fontScale="90000"/>
           </a:bodyPr>
           <a:lstStyle/>
           <a:p>
-            <a:pPr indent="0" lvl="0" marL="0" rtl="0" algn="l">
+            <a:pPr marL="0" lvl="0" indent="0" algn="l" rtl="0">
               <a:spcBef>
                 <a:spcPts val="0"/>
               </a:spcBef>
@@ -6810,11 +6972,11 @@
 </file>
 
 <file path=ppt/slides/slide4.xml><?xml version="1.0" encoding="utf-8"?>
-<p:sld xmlns:a="http://schemas.openxmlformats.org/drawingml/2006/main" xmlns:r="http://schemas.openxmlformats.org/officeDocument/2006/relationships" xmlns:mc="http://schemas.openxmlformats.org/markup-compatibility/2006" xmlns:mv="urn:schemas-microsoft-com:mac:vml" xmlns:p="http://schemas.openxmlformats.org/presentationml/2006/main" xmlns:c="http://schemas.openxmlformats.org/drawingml/2006/chart" xmlns:dgm="http://schemas.openxmlformats.org/drawingml/2006/diagram" xmlns:o="urn:schemas-microsoft-com:office:office" xmlns:v="urn:schemas-microsoft-com:vml" xmlns:pvml="urn:schemas-microsoft-com:office:powerpoint" xmlns:com="http://schemas.openxmlformats.org/drawingml/2006/compatibility" xmlns:p14="http://schemas.microsoft.com/office/powerpoint/2010/main" xmlns:p15="http://schemas.microsoft.com/office/powerpoint/2012/main" xmlns:ahyp="http://schemas.microsoft.com/office/drawing/2018/hyperlinkcolor">
+<p:sld xmlns:a="http://schemas.openxmlformats.org/drawingml/2006/main" xmlns:r="http://schemas.openxmlformats.org/officeDocument/2006/relationships" xmlns:p="http://schemas.openxmlformats.org/presentationml/2006/main">
   <p:cSld>
     <p:spTree>
       <p:nvGrpSpPr>
-        <p:cNvPr id="71" name="Shape 71"/>
+        <p:cNvPr id="1" name="Shape 71"/>
         <p:cNvGrpSpPr/>
         <p:nvPr/>
       </p:nvGrpSpPr>
@@ -6829,7 +6991,9 @@
       <p:sp>
         <p:nvSpPr>
           <p:cNvPr id="72" name="Google Shape;72;p16"/>
-          <p:cNvSpPr txBox="1"/>
+          <p:cNvSpPr txBox="1">
+            <a:spLocks noGrp="1"/>
+          </p:cNvSpPr>
           <p:nvPr>
             <p:ph type="title"/>
           </p:nvPr>
@@ -6844,12 +7008,12 @@
           </a:prstGeom>
         </p:spPr>
         <p:txBody>
-          <a:bodyPr anchorCtr="0" anchor="t" bIns="91425" lIns="91425" spcFirstLastPara="1" rIns="91425" wrap="square" tIns="91425">
+          <a:bodyPr spcFirstLastPara="1" wrap="square" lIns="91425" tIns="91425" rIns="91425" bIns="91425" anchor="t" anchorCtr="0">
             <a:normAutofit fontScale="90000"/>
           </a:bodyPr>
           <a:lstStyle/>
           <a:p>
-            <a:pPr indent="0" lvl="0" marL="0" rtl="0" algn="l">
+            <a:pPr marL="0" lvl="0" indent="0" algn="l" rtl="0">
               <a:spcBef>
                 <a:spcPts val="0"/>
               </a:spcBef>
@@ -6869,9 +7033,11 @@
       <p:sp>
         <p:nvSpPr>
           <p:cNvPr id="73" name="Google Shape;73;p16"/>
-          <p:cNvSpPr txBox="1"/>
+          <p:cNvSpPr txBox="1">
+            <a:spLocks noGrp="1"/>
+          </p:cNvSpPr>
           <p:nvPr>
-            <p:ph idx="1" type="body"/>
+            <p:ph type="body" idx="1"/>
           </p:nvPr>
         </p:nvSpPr>
         <p:spPr>
@@ -6884,12 +7050,12 @@
           </a:prstGeom>
         </p:spPr>
         <p:txBody>
-          <a:bodyPr anchorCtr="0" anchor="t" bIns="91425" lIns="91425" spcFirstLastPara="1" rIns="91425" wrap="square" tIns="91425">
+          <a:bodyPr spcFirstLastPara="1" wrap="square" lIns="91425" tIns="91425" rIns="91425" bIns="91425" anchor="t" anchorCtr="0">
             <a:normAutofit/>
           </a:bodyPr>
           <a:lstStyle/>
           <a:p>
-            <a:pPr indent="-342900" lvl="0" marL="457200" rtl="0" algn="l">
+            <a:pPr marL="457200" lvl="0" indent="-342900" algn="l" rtl="0">
               <a:spcBef>
                 <a:spcPts val="0"/>
               </a:spcBef>
@@ -6906,7 +7072,7 @@
             <a:endParaRPr/>
           </a:p>
           <a:p>
-            <a:pPr indent="-342900" lvl="0" marL="457200" rtl="0" algn="l">
+            <a:pPr marL="457200" lvl="0" indent="-342900" algn="l" rtl="0">
               <a:spcBef>
                 <a:spcPts val="0"/>
               </a:spcBef>
@@ -6923,7 +7089,7 @@
             <a:endParaRPr/>
           </a:p>
           <a:p>
-            <a:pPr indent="-342900" lvl="0" marL="457200" rtl="0" algn="l">
+            <a:pPr marL="457200" lvl="0" indent="-342900" algn="l" rtl="0">
               <a:spcBef>
                 <a:spcPts val="0"/>
               </a:spcBef>
@@ -6940,7 +7106,7 @@
             <a:endParaRPr/>
           </a:p>
           <a:p>
-            <a:pPr indent="0" lvl="0" marL="0" rtl="0" algn="l">
+            <a:pPr marL="0" lvl="0" indent="0" algn="l" rtl="0">
               <a:spcBef>
                 <a:spcPts val="1200"/>
               </a:spcBef>
@@ -6956,7 +7122,7 @@
             <a:endParaRPr/>
           </a:p>
           <a:p>
-            <a:pPr indent="0" lvl="0" marL="0" rtl="0" algn="l">
+            <a:pPr marL="0" lvl="0" indent="0" algn="l" rtl="0">
               <a:spcBef>
                 <a:spcPts val="1200"/>
               </a:spcBef>
@@ -6982,11 +7148,11 @@
 </file>
 
 <file path=ppt/slides/slide5.xml><?xml version="1.0" encoding="utf-8"?>
-<p:sld xmlns:a="http://schemas.openxmlformats.org/drawingml/2006/main" xmlns:r="http://schemas.openxmlformats.org/officeDocument/2006/relationships" xmlns:mc="http://schemas.openxmlformats.org/markup-compatibility/2006" xmlns:mv="urn:schemas-microsoft-com:mac:vml" xmlns:p="http://schemas.openxmlformats.org/presentationml/2006/main" xmlns:c="http://schemas.openxmlformats.org/drawingml/2006/chart" xmlns:dgm="http://schemas.openxmlformats.org/drawingml/2006/diagram" xmlns:o="urn:schemas-microsoft-com:office:office" xmlns:v="urn:schemas-microsoft-com:vml" xmlns:pvml="urn:schemas-microsoft-com:office:powerpoint" xmlns:com="http://schemas.openxmlformats.org/drawingml/2006/compatibility" xmlns:p14="http://schemas.microsoft.com/office/powerpoint/2010/main" xmlns:p15="http://schemas.microsoft.com/office/powerpoint/2012/main" xmlns:ahyp="http://schemas.microsoft.com/office/drawing/2018/hyperlinkcolor">
+<p:sld xmlns:a="http://schemas.openxmlformats.org/drawingml/2006/main" xmlns:r="http://schemas.openxmlformats.org/officeDocument/2006/relationships" xmlns:p="http://schemas.openxmlformats.org/presentationml/2006/main">
   <p:cSld>
     <p:spTree>
       <p:nvGrpSpPr>
-        <p:cNvPr id="77" name="Shape 77"/>
+        <p:cNvPr id="1" name="Shape 77"/>
         <p:cNvGrpSpPr/>
         <p:nvPr/>
       </p:nvGrpSpPr>
@@ -7001,7 +7167,9 @@
       <p:sp>
         <p:nvSpPr>
           <p:cNvPr id="78" name="Google Shape;78;p17"/>
-          <p:cNvSpPr txBox="1"/>
+          <p:cNvSpPr txBox="1">
+            <a:spLocks noGrp="1"/>
+          </p:cNvSpPr>
           <p:nvPr>
             <p:ph type="title"/>
           </p:nvPr>
@@ -7016,12 +7184,12 @@
           </a:prstGeom>
         </p:spPr>
         <p:txBody>
-          <a:bodyPr anchorCtr="0" anchor="t" bIns="91425" lIns="91425" spcFirstLastPara="1" rIns="91425" wrap="square" tIns="91425">
+          <a:bodyPr spcFirstLastPara="1" wrap="square" lIns="91425" tIns="91425" rIns="91425" bIns="91425" anchor="t" anchorCtr="0">
             <a:normAutofit fontScale="90000"/>
           </a:bodyPr>
           <a:lstStyle/>
           <a:p>
-            <a:pPr indent="0" lvl="0" marL="0" rtl="0" algn="l">
+            <a:pPr marL="0" lvl="0" indent="0" algn="l" rtl="0">
               <a:spcBef>
                 <a:spcPts val="0"/>
               </a:spcBef>
@@ -7041,9 +7209,11 @@
       <p:sp>
         <p:nvSpPr>
           <p:cNvPr id="79" name="Google Shape;79;p17"/>
-          <p:cNvSpPr txBox="1"/>
+          <p:cNvSpPr txBox="1">
+            <a:spLocks noGrp="1"/>
+          </p:cNvSpPr>
           <p:nvPr>
-            <p:ph idx="1" type="body"/>
+            <p:ph type="body" idx="1"/>
           </p:nvPr>
         </p:nvSpPr>
         <p:spPr>
@@ -7056,12 +7226,12 @@
           </a:prstGeom>
         </p:spPr>
         <p:txBody>
-          <a:bodyPr anchorCtr="0" anchor="t" bIns="91425" lIns="91425" spcFirstLastPara="1" rIns="91425" wrap="square" tIns="91425">
+          <a:bodyPr spcFirstLastPara="1" wrap="square" lIns="91425" tIns="91425" rIns="91425" bIns="91425" anchor="t" anchorCtr="0">
             <a:normAutofit/>
           </a:bodyPr>
           <a:lstStyle/>
           <a:p>
-            <a:pPr indent="-342900" lvl="0" marL="457200" rtl="0" algn="l">
+            <a:pPr marL="457200" lvl="0" indent="-342900" algn="l" rtl="0">
               <a:spcBef>
                 <a:spcPts val="0"/>
               </a:spcBef>
@@ -7078,7 +7248,7 @@
             <a:endParaRPr/>
           </a:p>
           <a:p>
-            <a:pPr indent="-342900" lvl="0" marL="457200" rtl="0" algn="l">
+            <a:pPr marL="457200" lvl="0" indent="-342900" algn="l" rtl="0">
               <a:spcBef>
                 <a:spcPts val="0"/>
               </a:spcBef>
@@ -7095,7 +7265,7 @@
             <a:endParaRPr/>
           </a:p>
           <a:p>
-            <a:pPr indent="-342900" lvl="0" marL="457200" rtl="0" algn="l">
+            <a:pPr marL="457200" lvl="0" indent="-342900" algn="l" rtl="0">
               <a:spcBef>
                 <a:spcPts val="0"/>
               </a:spcBef>
@@ -7122,11 +7292,11 @@
 </file>
 
 <file path=ppt/slides/slide6.xml><?xml version="1.0" encoding="utf-8"?>
-<p:sld xmlns:a="http://schemas.openxmlformats.org/drawingml/2006/main" xmlns:r="http://schemas.openxmlformats.org/officeDocument/2006/relationships" xmlns:mc="http://schemas.openxmlformats.org/markup-compatibility/2006" xmlns:mv="urn:schemas-microsoft-com:mac:vml" xmlns:p="http://schemas.openxmlformats.org/presentationml/2006/main" xmlns:c="http://schemas.openxmlformats.org/drawingml/2006/chart" xmlns:dgm="http://schemas.openxmlformats.org/drawingml/2006/diagram" xmlns:o="urn:schemas-microsoft-com:office:office" xmlns:v="urn:schemas-microsoft-com:vml" xmlns:pvml="urn:schemas-microsoft-com:office:powerpoint" xmlns:com="http://schemas.openxmlformats.org/drawingml/2006/compatibility" xmlns:p14="http://schemas.microsoft.com/office/powerpoint/2010/main" xmlns:p15="http://schemas.microsoft.com/office/powerpoint/2012/main" xmlns:ahyp="http://schemas.microsoft.com/office/drawing/2018/hyperlinkcolor">
+<p:sld xmlns:a="http://schemas.openxmlformats.org/drawingml/2006/main" xmlns:r="http://schemas.openxmlformats.org/officeDocument/2006/relationships" xmlns:p="http://schemas.openxmlformats.org/presentationml/2006/main">
   <p:cSld>
     <p:spTree>
       <p:nvGrpSpPr>
-        <p:cNvPr id="83" name="Shape 83"/>
+        <p:cNvPr id="1" name="Shape 83"/>
         <p:cNvGrpSpPr/>
         <p:nvPr/>
       </p:nvGrpSpPr>
@@ -7175,11 +7345,11 @@
 </file>
 
 <file path=ppt/slides/slide7.xml><?xml version="1.0" encoding="utf-8"?>
-<p:sld xmlns:a="http://schemas.openxmlformats.org/drawingml/2006/main" xmlns:r="http://schemas.openxmlformats.org/officeDocument/2006/relationships" xmlns:mc="http://schemas.openxmlformats.org/markup-compatibility/2006" xmlns:mv="urn:schemas-microsoft-com:mac:vml" xmlns:p="http://schemas.openxmlformats.org/presentationml/2006/main" xmlns:c="http://schemas.openxmlformats.org/drawingml/2006/chart" xmlns:dgm="http://schemas.openxmlformats.org/drawingml/2006/diagram" xmlns:o="urn:schemas-microsoft-com:office:office" xmlns:v="urn:schemas-microsoft-com:vml" xmlns:pvml="urn:schemas-microsoft-com:office:powerpoint" xmlns:com="http://schemas.openxmlformats.org/drawingml/2006/compatibility" xmlns:p14="http://schemas.microsoft.com/office/powerpoint/2010/main" xmlns:p15="http://schemas.microsoft.com/office/powerpoint/2012/main" xmlns:ahyp="http://schemas.microsoft.com/office/drawing/2018/hyperlinkcolor">
+<p:sld xmlns:a="http://schemas.openxmlformats.org/drawingml/2006/main" xmlns:r="http://schemas.openxmlformats.org/officeDocument/2006/relationships" xmlns:p="http://schemas.openxmlformats.org/presentationml/2006/main">
   <p:cSld>
     <p:spTree>
       <p:nvGrpSpPr>
-        <p:cNvPr id="88" name="Shape 88"/>
+        <p:cNvPr id="1" name="Shape 88"/>
         <p:cNvGrpSpPr/>
         <p:nvPr/>
       </p:nvGrpSpPr>
@@ -7194,7 +7364,9 @@
       <p:sp>
         <p:nvSpPr>
           <p:cNvPr id="89" name="Google Shape;89;p19"/>
-          <p:cNvSpPr txBox="1"/>
+          <p:cNvSpPr txBox="1">
+            <a:spLocks noGrp="1"/>
+          </p:cNvSpPr>
           <p:nvPr>
             <p:ph type="title"/>
           </p:nvPr>
@@ -7209,12 +7381,12 @@
           </a:prstGeom>
         </p:spPr>
         <p:txBody>
-          <a:bodyPr anchorCtr="0" anchor="t" bIns="91425" lIns="91425" spcFirstLastPara="1" rIns="91425" wrap="square" tIns="91425">
+          <a:bodyPr spcFirstLastPara="1" wrap="square" lIns="91425" tIns="91425" rIns="91425" bIns="91425" anchor="t" anchorCtr="0">
             <a:normAutofit fontScale="90000"/>
           </a:bodyPr>
           <a:lstStyle/>
           <a:p>
-            <a:pPr indent="0" lvl="0" marL="0" rtl="0" algn="l">
+            <a:pPr marL="0" lvl="0" indent="0" algn="l" rtl="0">
               <a:spcBef>
                 <a:spcPts val="0"/>
               </a:spcBef>
@@ -7234,9 +7406,11 @@
       <p:sp>
         <p:nvSpPr>
           <p:cNvPr id="90" name="Google Shape;90;p19"/>
-          <p:cNvSpPr txBox="1"/>
+          <p:cNvSpPr txBox="1">
+            <a:spLocks noGrp="1"/>
+          </p:cNvSpPr>
           <p:nvPr>
-            <p:ph idx="1" type="body"/>
+            <p:ph type="body" idx="1"/>
           </p:nvPr>
         </p:nvSpPr>
         <p:spPr>
@@ -7249,12 +7423,12 @@
           </a:prstGeom>
         </p:spPr>
         <p:txBody>
-          <a:bodyPr anchorCtr="0" anchor="t" bIns="91425" lIns="91425" spcFirstLastPara="1" rIns="91425" wrap="square" tIns="91425">
+          <a:bodyPr spcFirstLastPara="1" wrap="square" lIns="91425" tIns="91425" rIns="91425" bIns="91425" anchor="t" anchorCtr="0">
             <a:normAutofit/>
           </a:bodyPr>
           <a:lstStyle/>
           <a:p>
-            <a:pPr indent="-342900" lvl="0" marL="457200" rtl="0" algn="l">
+            <a:pPr marL="457200" lvl="0" indent="-342900" algn="l" rtl="0">
               <a:spcBef>
                 <a:spcPts val="0"/>
               </a:spcBef>
@@ -7271,7 +7445,7 @@
             <a:endParaRPr/>
           </a:p>
           <a:p>
-            <a:pPr indent="-342900" lvl="0" marL="457200" rtl="0" algn="l">
+            <a:pPr marL="457200" lvl="0" indent="-342900" algn="l" rtl="0">
               <a:spcBef>
                 <a:spcPts val="0"/>
               </a:spcBef>
@@ -7288,7 +7462,7 @@
             <a:endParaRPr/>
           </a:p>
           <a:p>
-            <a:pPr indent="-342900" lvl="0" marL="457200" rtl="0" algn="l">
+            <a:pPr marL="457200" lvl="0" indent="-342900" algn="l" rtl="0">
               <a:spcBef>
                 <a:spcPts val="0"/>
               </a:spcBef>
@@ -7306,34 +7480,6 @@
           </a:p>
         </p:txBody>
       </p:sp>
-      <p:pic>
-        <p:nvPicPr>
-          <p:cNvPr id="91" name="Google Shape;91;p19"/>
-          <p:cNvPicPr preferRelativeResize="0"/>
-          <p:nvPr/>
-        </p:nvPicPr>
-        <p:blipFill>
-          <a:blip r:embed="rId3">
-            <a:alphaModFix/>
-          </a:blip>
-          <a:stretch>
-            <a:fillRect/>
-          </a:stretch>
-        </p:blipFill>
-        <p:spPr>
-          <a:xfrm>
-            <a:off x="2442750" y="2437325"/>
-            <a:ext cx="4258507" cy="2306699"/>
-          </a:xfrm>
-          <a:prstGeom prst="rect">
-            <a:avLst/>
-          </a:prstGeom>
-          <a:noFill/>
-          <a:ln>
-            <a:noFill/>
-          </a:ln>
-        </p:spPr>
-      </p:pic>
     </p:spTree>
   </p:cSld>
   <p:clrMapOvr>
@@ -7343,11 +7489,11 @@
 </file>
 
 <file path=ppt/slides/slide8.xml><?xml version="1.0" encoding="utf-8"?>
-<p:sld xmlns:a="http://schemas.openxmlformats.org/drawingml/2006/main" xmlns:r="http://schemas.openxmlformats.org/officeDocument/2006/relationships" xmlns:mc="http://schemas.openxmlformats.org/markup-compatibility/2006" xmlns:mv="urn:schemas-microsoft-com:mac:vml" xmlns:p="http://schemas.openxmlformats.org/presentationml/2006/main" xmlns:c="http://schemas.openxmlformats.org/drawingml/2006/chart" xmlns:dgm="http://schemas.openxmlformats.org/drawingml/2006/diagram" xmlns:o="urn:schemas-microsoft-com:office:office" xmlns:v="urn:schemas-microsoft-com:vml" xmlns:pvml="urn:schemas-microsoft-com:office:powerpoint" xmlns:com="http://schemas.openxmlformats.org/drawingml/2006/compatibility" xmlns:p14="http://schemas.microsoft.com/office/powerpoint/2010/main" xmlns:p15="http://schemas.microsoft.com/office/powerpoint/2012/main" xmlns:ahyp="http://schemas.microsoft.com/office/drawing/2018/hyperlinkcolor">
+<p:sld xmlns:a="http://schemas.openxmlformats.org/drawingml/2006/main" xmlns:r="http://schemas.openxmlformats.org/officeDocument/2006/relationships" xmlns:p="http://schemas.openxmlformats.org/presentationml/2006/main">
   <p:cSld>
     <p:spTree>
       <p:nvGrpSpPr>
-        <p:cNvPr id="95" name="Shape 95"/>
+        <p:cNvPr id="1" name="Shape 95"/>
         <p:cNvGrpSpPr/>
         <p:nvPr/>
       </p:nvGrpSpPr>
@@ -7396,11 +7542,11 @@
 </file>
 
 <file path=ppt/slides/slide9.xml><?xml version="1.0" encoding="utf-8"?>
-<p:sld xmlns:a="http://schemas.openxmlformats.org/drawingml/2006/main" xmlns:r="http://schemas.openxmlformats.org/officeDocument/2006/relationships" xmlns:mc="http://schemas.openxmlformats.org/markup-compatibility/2006" xmlns:mv="urn:schemas-microsoft-com:mac:vml" xmlns:p="http://schemas.openxmlformats.org/presentationml/2006/main" xmlns:c="http://schemas.openxmlformats.org/drawingml/2006/chart" xmlns:dgm="http://schemas.openxmlformats.org/drawingml/2006/diagram" xmlns:o="urn:schemas-microsoft-com:office:office" xmlns:v="urn:schemas-microsoft-com:vml" xmlns:pvml="urn:schemas-microsoft-com:office:powerpoint" xmlns:com="http://schemas.openxmlformats.org/drawingml/2006/compatibility" xmlns:p14="http://schemas.microsoft.com/office/powerpoint/2010/main" xmlns:p15="http://schemas.microsoft.com/office/powerpoint/2012/main" xmlns:ahyp="http://schemas.microsoft.com/office/drawing/2018/hyperlinkcolor">
+<p:sld xmlns:a="http://schemas.openxmlformats.org/drawingml/2006/main" xmlns:r="http://schemas.openxmlformats.org/officeDocument/2006/relationships" xmlns:p="http://schemas.openxmlformats.org/presentationml/2006/main">
   <p:cSld>
     <p:spTree>
       <p:nvGrpSpPr>
-        <p:cNvPr id="100" name="Shape 100"/>
+        <p:cNvPr id="1" name="Shape 100"/>
         <p:cNvGrpSpPr/>
         <p:nvPr/>
       </p:nvGrpSpPr>
@@ -7415,7 +7561,9 @@
       <p:sp>
         <p:nvSpPr>
           <p:cNvPr id="101" name="Google Shape;101;p21"/>
-          <p:cNvSpPr txBox="1"/>
+          <p:cNvSpPr txBox="1">
+            <a:spLocks noGrp="1"/>
+          </p:cNvSpPr>
           <p:nvPr>
             <p:ph type="title"/>
           </p:nvPr>
@@ -7430,12 +7578,12 @@
           </a:prstGeom>
         </p:spPr>
         <p:txBody>
-          <a:bodyPr anchorCtr="0" anchor="t" bIns="91425" lIns="91425" spcFirstLastPara="1" rIns="91425" wrap="square" tIns="91425">
+          <a:bodyPr spcFirstLastPara="1" wrap="square" lIns="91425" tIns="91425" rIns="91425" bIns="91425" anchor="t" anchorCtr="0">
             <a:normAutofit fontScale="90000"/>
           </a:bodyPr>
           <a:lstStyle/>
           <a:p>
-            <a:pPr indent="0" lvl="0" marL="0" rtl="0" algn="l">
+            <a:pPr marL="0" lvl="0" indent="0" algn="l" rtl="0">
               <a:spcBef>
                 <a:spcPts val="0"/>
               </a:spcBef>
@@ -7455,9 +7603,11 @@
       <p:sp>
         <p:nvSpPr>
           <p:cNvPr id="102" name="Google Shape;102;p21"/>
-          <p:cNvSpPr txBox="1"/>
+          <p:cNvSpPr txBox="1">
+            <a:spLocks noGrp="1"/>
+          </p:cNvSpPr>
           <p:nvPr>
-            <p:ph idx="1" type="body"/>
+            <p:ph type="body" idx="1"/>
           </p:nvPr>
         </p:nvSpPr>
         <p:spPr>
@@ -7470,12 +7620,12 @@
           </a:prstGeom>
         </p:spPr>
         <p:txBody>
-          <a:bodyPr anchorCtr="0" anchor="t" bIns="91425" lIns="91425" spcFirstLastPara="1" rIns="91425" wrap="square" tIns="91425">
+          <a:bodyPr spcFirstLastPara="1" wrap="square" lIns="91425" tIns="91425" rIns="91425" bIns="91425" anchor="t" anchorCtr="0">
             <a:normAutofit fontScale="92500" lnSpcReduction="20000"/>
           </a:bodyPr>
           <a:lstStyle/>
           <a:p>
-            <a:pPr indent="0" lvl="0" marL="0" rtl="0" algn="l">
+            <a:pPr marL="0" lvl="0" indent="0" algn="l" rtl="0">
               <a:spcBef>
                 <a:spcPts val="0"/>
               </a:spcBef>
@@ -7499,7 +7649,7 @@
             </a:endParaRPr>
           </a:p>
           <a:p>
-            <a:pPr indent="0" lvl="0" marL="0" rtl="0" algn="l">
+            <a:pPr marL="0" lvl="0" indent="0" algn="l" rtl="0">
               <a:spcBef>
                 <a:spcPts val="1200"/>
               </a:spcBef>
@@ -7515,7 +7665,7 @@
             <a:endParaRPr/>
           </a:p>
           <a:p>
-            <a:pPr indent="0" lvl="0" marL="0" rtl="0" algn="l">
+            <a:pPr marL="0" lvl="0" indent="0" algn="l" rtl="0">
               <a:spcBef>
                 <a:spcPts val="1200"/>
               </a:spcBef>
@@ -7531,7 +7681,7 @@
             <a:endParaRPr/>
           </a:p>
           <a:p>
-            <a:pPr indent="0" lvl="0" marL="0" rtl="0" algn="l">
+            <a:pPr marL="0" lvl="0" indent="0" algn="l" rtl="0">
               <a:spcBef>
                 <a:spcPts val="1200"/>
               </a:spcBef>
@@ -7547,7 +7697,7 @@
             <a:endParaRPr/>
           </a:p>
           <a:p>
-            <a:pPr indent="0" lvl="0" marL="0" rtl="0" algn="l">
+            <a:pPr marL="0" lvl="0" indent="0" algn="l" rtl="0">
               <a:spcBef>
                 <a:spcPts val="1200"/>
               </a:spcBef>
@@ -7563,7 +7713,7 @@
             <a:endParaRPr/>
           </a:p>
           <a:p>
-            <a:pPr indent="0" lvl="0" marL="0" rtl="0" algn="l">
+            <a:pPr marL="0" lvl="0" indent="0" algn="l" rtl="0">
               <a:spcBef>
                 <a:spcPts val="1200"/>
               </a:spcBef>
@@ -7579,7 +7729,7 @@
             <a:endParaRPr/>
           </a:p>
           <a:p>
-            <a:pPr indent="0" lvl="0" marL="0" rtl="0" algn="l">
+            <a:pPr marL="0" lvl="0" indent="0" algn="l" rtl="0">
               <a:spcBef>
                 <a:spcPts val="1200"/>
               </a:spcBef>
@@ -7595,7 +7745,7 @@
             <a:endParaRPr/>
           </a:p>
           <a:p>
-            <a:pPr indent="0" lvl="0" marL="0" rtl="0" algn="l">
+            <a:pPr marL="0" lvl="0" indent="0" algn="l" rtl="0">
               <a:spcBef>
                 <a:spcPts val="1200"/>
               </a:spcBef>
@@ -7611,7 +7761,7 @@
             <a:endParaRPr/>
           </a:p>
           <a:p>
-            <a:pPr indent="0" lvl="0" marL="0" rtl="0" algn="l">
+            <a:pPr marL="0" lvl="0" indent="0" algn="l" rtl="0">
               <a:spcBef>
                 <a:spcPts val="1200"/>
               </a:spcBef>
@@ -7631,9 +7781,11 @@
       <p:sp>
         <p:nvSpPr>
           <p:cNvPr id="103" name="Google Shape;103;p21"/>
-          <p:cNvSpPr txBox="1"/>
+          <p:cNvSpPr txBox="1">
+            <a:spLocks noGrp="1"/>
+          </p:cNvSpPr>
           <p:nvPr>
-            <p:ph idx="2" type="body"/>
+            <p:ph type="body" idx="2"/>
           </p:nvPr>
         </p:nvSpPr>
         <p:spPr>
@@ -7646,12 +7798,12 @@
           </a:prstGeom>
         </p:spPr>
         <p:txBody>
-          <a:bodyPr anchorCtr="0" anchor="t" bIns="91425" lIns="91425" spcFirstLastPara="1" rIns="91425" wrap="square" tIns="91425">
+          <a:bodyPr spcFirstLastPara="1" wrap="square" lIns="91425" tIns="91425" rIns="91425" bIns="91425" anchor="t" anchorCtr="0">
             <a:normAutofit/>
           </a:bodyPr>
           <a:lstStyle/>
           <a:p>
-            <a:pPr indent="0" lvl="0" marL="0" rtl="0" algn="l">
+            <a:pPr marL="0" lvl="0" indent="0" algn="l" rtl="0">
               <a:spcBef>
                 <a:spcPts val="0"/>
               </a:spcBef>
@@ -7675,7 +7827,7 @@
             </a:endParaRPr>
           </a:p>
           <a:p>
-            <a:pPr indent="0" lvl="0" marL="0" rtl="0" algn="l">
+            <a:pPr marL="0" lvl="0" indent="0" algn="l" rtl="0">
               <a:spcBef>
                 <a:spcPts val="1200"/>
               </a:spcBef>
@@ -7691,7 +7843,7 @@
             <a:endParaRPr/>
           </a:p>
           <a:p>
-            <a:pPr indent="0" lvl="0" marL="0" rtl="0" algn="l">
+            <a:pPr marL="0" lvl="0" indent="0" algn="l" rtl="0">
               <a:spcBef>
                 <a:spcPts val="1200"/>
               </a:spcBef>
@@ -7707,7 +7859,7 @@
             <a:endParaRPr/>
           </a:p>
           <a:p>
-            <a:pPr indent="0" lvl="0" marL="0" rtl="0" algn="l">
+            <a:pPr marL="0" lvl="0" indent="0" algn="l" rtl="0">
               <a:spcBef>
                 <a:spcPts val="1200"/>
               </a:spcBef>
@@ -7723,7 +7875,7 @@
             <a:endParaRPr/>
           </a:p>
           <a:p>
-            <a:pPr indent="0" lvl="0" marL="0" rtl="0" algn="l">
+            <a:pPr marL="0" lvl="0" indent="0" algn="l" rtl="0">
               <a:spcBef>
                 <a:spcPts val="1200"/>
               </a:spcBef>
@@ -7739,7 +7891,7 @@
             <a:endParaRPr/>
           </a:p>
           <a:p>
-            <a:pPr indent="0" lvl="0" marL="0" rtl="0" algn="l">
+            <a:pPr marL="0" lvl="0" indent="0" algn="l" rtl="0">
               <a:spcBef>
                 <a:spcPts val="1200"/>
               </a:spcBef>
@@ -7755,7 +7907,7 @@
             <a:endParaRPr/>
           </a:p>
           <a:p>
-            <a:pPr indent="0" lvl="0" marL="0" rtl="0" algn="l">
+            <a:pPr marL="0" lvl="0" indent="0" algn="l" rtl="0">
               <a:spcBef>
                 <a:spcPts val="1200"/>
               </a:spcBef>
@@ -7792,12 +7944,12 @@
           </a:ln>
         </p:spPr>
         <p:txBody>
-          <a:bodyPr anchorCtr="0" anchor="t" bIns="91425" lIns="91425" spcFirstLastPara="1" rIns="91425" wrap="square" tIns="91425">
+          <a:bodyPr spcFirstLastPara="1" wrap="square" lIns="91425" tIns="91425" rIns="91425" bIns="91425" anchor="t" anchorCtr="0">
             <a:spAutoFit/>
           </a:bodyPr>
           <a:lstStyle/>
           <a:p>
-            <a:pPr indent="0" lvl="0" marL="0" rtl="0" algn="l">
+            <a:pPr marL="0" lvl="0" indent="0" algn="l" rtl="0">
               <a:lnSpc>
                 <a:spcPct val="115000"/>
               </a:lnSpc>
@@ -7830,7 +7982,7 @@
 </file>
 
 <file path=ppt/theme/theme1.xml><?xml version="1.0" encoding="utf-8"?>
-<a:theme xmlns:a="http://schemas.openxmlformats.org/drawingml/2006/main" xmlns:r="http://schemas.openxmlformats.org/officeDocument/2006/relationships" name="Simple Dark">
+<a:theme xmlns:a="http://schemas.openxmlformats.org/drawingml/2006/main" name="Simple Dark">
   <a:themeElements>
     <a:clrScheme name="Simple Dark">
       <a:dk1>
@@ -8105,11 +8257,13 @@
       </a:bgFillStyleLst>
     </a:fmtScheme>
   </a:themeElements>
+  <a:objectDefaults/>
+  <a:extraClrSchemeLst/>
 </a:theme>
 </file>
 
 <file path=ppt/theme/theme2.xml><?xml version="1.0" encoding="utf-8"?>
-<a:theme xmlns:a="http://schemas.openxmlformats.org/drawingml/2006/main" xmlns:r="http://schemas.openxmlformats.org/officeDocument/2006/relationships">
+<a:theme xmlns:a="http://schemas.openxmlformats.org/drawingml/2006/main">
   <a:themeElements>
     <a:clrScheme name="Default">
       <a:dk1>
@@ -8384,5 +8538,7 @@
       </a:bgFillStyleLst>
     </a:fmtScheme>
   </a:themeElements>
+  <a:objectDefaults/>
+  <a:extraClrSchemeLst/>
 </a:theme>
 </file>